--- a/2020/10月.pptx
+++ b/2020/10月.pptx
@@ -5,12 +5,12 @@
     <p:sldMasterId id="2147483660" r:id="rId1"/>
   </p:sldMasterIdLst>
   <p:sldIdLst>
-    <p:sldId id="257" r:id="rId2"/>
-    <p:sldId id="258" r:id="rId3"/>
-    <p:sldId id="259" r:id="rId4"/>
-    <p:sldId id="260" r:id="rId5"/>
-    <p:sldId id="261" r:id="rId6"/>
-    <p:sldId id="262" r:id="rId7"/>
+    <p:sldId id="256" r:id="rId2"/>
+    <p:sldId id="257" r:id="rId3"/>
+    <p:sldId id="258" r:id="rId4"/>
+    <p:sldId id="259" r:id="rId5"/>
+    <p:sldId id="260" r:id="rId6"/>
+    <p:sldId id="261" r:id="rId7"/>
   </p:sldIdLst>
   <p:sldSz cx="9144000" cy="5143500" type="screen16x9"/>
   <p:notesSz cx="6858000" cy="9144000"/>
@@ -111,7 +111,7 @@
   </p:defaultTextStyle>
   <p:extLst>
     <p:ext uri="{EFAFB233-063F-42B5-8137-9DF3F51BA10A}">
-      <p15:sldGuideLst xmlns:p15="http://schemas.microsoft.com/office/powerpoint/2012/main">
+      <p15:sldGuideLst xmlns:p15="http://schemas.microsoft.com/office/powerpoint/2012/main" xmlns="">
         <p15:guide id="1" orient="horz" pos="1620">
           <p15:clr>
             <a:srgbClr val="A4A3A4"/>
@@ -309,7 +309,8 @@
           <a:p>
             <a:fld id="{4501EB18-C390-4468-93A4-92969EAFDCFE}" type="datetimeFigureOut">
               <a:rPr lang="en-US" smtClean="0"/>
-              <a:t>6/13/2020</a:t>
+              <a:pPr/>
+              <a:t>10/4/2020</a:t>
             </a:fld>
             <a:endParaRPr lang="en-US"/>
           </a:p>
@@ -351,6 +352,7 @@
           <a:p>
             <a:fld id="{0FA593BC-F270-49AE-A5AC-7A84EB73802A}" type="slidenum">
               <a:rPr lang="en-US" smtClean="0"/>
+              <a:pPr/>
               <a:t>‹#›</a:t>
             </a:fld>
             <a:endParaRPr lang="en-US"/>
@@ -474,7 +476,8 @@
           <a:p>
             <a:fld id="{4501EB18-C390-4468-93A4-92969EAFDCFE}" type="datetimeFigureOut">
               <a:rPr lang="en-US" smtClean="0"/>
-              <a:t>6/13/2020</a:t>
+              <a:pPr/>
+              <a:t>10/4/2020</a:t>
             </a:fld>
             <a:endParaRPr lang="en-US"/>
           </a:p>
@@ -516,6 +519,7 @@
           <a:p>
             <a:fld id="{0FA593BC-F270-49AE-A5AC-7A84EB73802A}" type="slidenum">
               <a:rPr lang="en-US" smtClean="0"/>
+              <a:pPr/>
               <a:t>‹#›</a:t>
             </a:fld>
             <a:endParaRPr lang="en-US"/>
@@ -649,7 +653,8 @@
           <a:p>
             <a:fld id="{4501EB18-C390-4468-93A4-92969EAFDCFE}" type="datetimeFigureOut">
               <a:rPr lang="en-US" smtClean="0"/>
-              <a:t>6/13/2020</a:t>
+              <a:pPr/>
+              <a:t>10/4/2020</a:t>
             </a:fld>
             <a:endParaRPr lang="en-US"/>
           </a:p>
@@ -691,6 +696,7 @@
           <a:p>
             <a:fld id="{0FA593BC-F270-49AE-A5AC-7A84EB73802A}" type="slidenum">
               <a:rPr lang="en-US" smtClean="0"/>
+              <a:pPr/>
               <a:t>‹#›</a:t>
             </a:fld>
             <a:endParaRPr lang="en-US"/>
@@ -814,7 +820,8 @@
           <a:p>
             <a:fld id="{4501EB18-C390-4468-93A4-92969EAFDCFE}" type="datetimeFigureOut">
               <a:rPr lang="en-US" smtClean="0"/>
-              <a:t>6/13/2020</a:t>
+              <a:pPr/>
+              <a:t>10/4/2020</a:t>
             </a:fld>
             <a:endParaRPr lang="en-US"/>
           </a:p>
@@ -856,6 +863,7 @@
           <a:p>
             <a:fld id="{0FA593BC-F270-49AE-A5AC-7A84EB73802A}" type="slidenum">
               <a:rPr lang="en-US" smtClean="0"/>
+              <a:pPr/>
               <a:t>‹#›</a:t>
             </a:fld>
             <a:endParaRPr lang="en-US"/>
@@ -1055,7 +1063,8 @@
           <a:p>
             <a:fld id="{4501EB18-C390-4468-93A4-92969EAFDCFE}" type="datetimeFigureOut">
               <a:rPr lang="en-US" smtClean="0"/>
-              <a:t>6/13/2020</a:t>
+              <a:pPr/>
+              <a:t>10/4/2020</a:t>
             </a:fld>
             <a:endParaRPr lang="en-US"/>
           </a:p>
@@ -1097,6 +1106,7 @@
           <a:p>
             <a:fld id="{0FA593BC-F270-49AE-A5AC-7A84EB73802A}" type="slidenum">
               <a:rPr lang="en-US" smtClean="0"/>
+              <a:pPr/>
               <a:t>‹#›</a:t>
             </a:fld>
             <a:endParaRPr lang="en-US"/>
@@ -1338,7 +1348,8 @@
           <a:p>
             <a:fld id="{4501EB18-C390-4468-93A4-92969EAFDCFE}" type="datetimeFigureOut">
               <a:rPr lang="en-US" smtClean="0"/>
-              <a:t>6/13/2020</a:t>
+              <a:pPr/>
+              <a:t>10/4/2020</a:t>
             </a:fld>
             <a:endParaRPr lang="en-US"/>
           </a:p>
@@ -1380,6 +1391,7 @@
           <a:p>
             <a:fld id="{0FA593BC-F270-49AE-A5AC-7A84EB73802A}" type="slidenum">
               <a:rPr lang="en-US" smtClean="0"/>
+              <a:pPr/>
               <a:t>‹#›</a:t>
             </a:fld>
             <a:endParaRPr lang="en-US"/>
@@ -1755,7 +1767,8 @@
           <a:p>
             <a:fld id="{4501EB18-C390-4468-93A4-92969EAFDCFE}" type="datetimeFigureOut">
               <a:rPr lang="en-US" smtClean="0"/>
-              <a:t>6/13/2020</a:t>
+              <a:pPr/>
+              <a:t>10/4/2020</a:t>
             </a:fld>
             <a:endParaRPr lang="en-US"/>
           </a:p>
@@ -1797,6 +1810,7 @@
           <a:p>
             <a:fld id="{0FA593BC-F270-49AE-A5AC-7A84EB73802A}" type="slidenum">
               <a:rPr lang="en-US" smtClean="0"/>
+              <a:pPr/>
               <a:t>‹#›</a:t>
             </a:fld>
             <a:endParaRPr lang="en-US"/>
@@ -1868,7 +1882,8 @@
           <a:p>
             <a:fld id="{4501EB18-C390-4468-93A4-92969EAFDCFE}" type="datetimeFigureOut">
               <a:rPr lang="en-US" smtClean="0"/>
-              <a:t>6/13/2020</a:t>
+              <a:pPr/>
+              <a:t>10/4/2020</a:t>
             </a:fld>
             <a:endParaRPr lang="en-US"/>
           </a:p>
@@ -1910,6 +1925,7 @@
           <a:p>
             <a:fld id="{0FA593BC-F270-49AE-A5AC-7A84EB73802A}" type="slidenum">
               <a:rPr lang="en-US" smtClean="0"/>
+              <a:pPr/>
               <a:t>‹#›</a:t>
             </a:fld>
             <a:endParaRPr lang="en-US"/>
@@ -1958,7 +1974,8 @@
           <a:p>
             <a:fld id="{4501EB18-C390-4468-93A4-92969EAFDCFE}" type="datetimeFigureOut">
               <a:rPr lang="en-US" smtClean="0"/>
-              <a:t>6/13/2020</a:t>
+              <a:pPr/>
+              <a:t>10/4/2020</a:t>
             </a:fld>
             <a:endParaRPr lang="en-US"/>
           </a:p>
@@ -2000,6 +2017,7 @@
           <a:p>
             <a:fld id="{0FA593BC-F270-49AE-A5AC-7A84EB73802A}" type="slidenum">
               <a:rPr lang="en-US" smtClean="0"/>
+              <a:pPr/>
               <a:t>‹#›</a:t>
             </a:fld>
             <a:endParaRPr lang="en-US"/>
@@ -2230,7 +2248,8 @@
           <a:p>
             <a:fld id="{4501EB18-C390-4468-93A4-92969EAFDCFE}" type="datetimeFigureOut">
               <a:rPr lang="en-US" smtClean="0"/>
-              <a:t>6/13/2020</a:t>
+              <a:pPr/>
+              <a:t>10/4/2020</a:t>
             </a:fld>
             <a:endParaRPr lang="en-US"/>
           </a:p>
@@ -2272,6 +2291,7 @@
           <a:p>
             <a:fld id="{0FA593BC-F270-49AE-A5AC-7A84EB73802A}" type="slidenum">
               <a:rPr lang="en-US" smtClean="0"/>
+              <a:pPr/>
               <a:t>‹#›</a:t>
             </a:fld>
             <a:endParaRPr lang="en-US"/>
@@ -2482,7 +2502,8 @@
           <a:p>
             <a:fld id="{4501EB18-C390-4468-93A4-92969EAFDCFE}" type="datetimeFigureOut">
               <a:rPr lang="en-US" smtClean="0"/>
-              <a:t>6/13/2020</a:t>
+              <a:pPr/>
+              <a:t>10/4/2020</a:t>
             </a:fld>
             <a:endParaRPr lang="en-US"/>
           </a:p>
@@ -2524,6 +2545,7 @@
           <a:p>
             <a:fld id="{0FA593BC-F270-49AE-A5AC-7A84EB73802A}" type="slidenum">
               <a:rPr lang="en-US" smtClean="0"/>
+              <a:pPr/>
               <a:t>‹#›</a:t>
             </a:fld>
             <a:endParaRPr lang="en-US"/>
@@ -2695,7 +2717,8 @@
           <a:p>
             <a:fld id="{4501EB18-C390-4468-93A4-92969EAFDCFE}" type="datetimeFigureOut">
               <a:rPr lang="en-US" smtClean="0"/>
-              <a:t>6/13/2020</a:t>
+              <a:pPr/>
+              <a:t>10/4/2020</a:t>
             </a:fld>
             <a:endParaRPr lang="en-US"/>
           </a:p>
@@ -2773,6 +2796,7 @@
           <a:p>
             <a:fld id="{0FA593BC-F270-49AE-A5AC-7A84EB73802A}" type="slidenum">
               <a:rPr lang="en-US" smtClean="0"/>
+              <a:pPr/>
               <a:t>‹#›</a:t>
             </a:fld>
             <a:endParaRPr lang="en-US"/>
@@ -3163,7 +3187,21 @@
                 <a:latin typeface="Microsoft JhengHei" pitchFamily="34" charset="-120"/>
                 <a:ea typeface="Microsoft JhengHei" pitchFamily="34" charset="-120"/>
               </a:rPr>
-              <a:t>我們側耳靜聽</a:t>
+              <a:t>當</a:t>
+            </a:r>
+            <a:r>
+              <a:rPr lang="zh-CN" altLang="en-US" sz="4800" b="1" dirty="0">
+                <a:latin typeface="Microsoft JhengHei" pitchFamily="34" charset="-120"/>
+                <a:ea typeface="Microsoft JhengHei" pitchFamily="34" charset="-120"/>
+              </a:rPr>
+              <a:t>我側耳傾</a:t>
+            </a:r>
+            <a:r>
+              <a:rPr lang="zh-CN" altLang="en-US" sz="4800" b="1" dirty="0" smtClean="0">
+                <a:latin typeface="Microsoft JhengHei" pitchFamily="34" charset="-120"/>
+                <a:ea typeface="Microsoft JhengHei" pitchFamily="34" charset="-120"/>
+              </a:rPr>
+              <a:t>聽</a:t>
             </a:r>
             <a:endParaRPr lang="en-US" sz="4800" dirty="0">
               <a:latin typeface="Microsoft JhengHei" pitchFamily="34" charset="-120"/>
@@ -3186,21 +3224,14 @@
                 <a:latin typeface="Microsoft JhengHei" pitchFamily="34" charset="-120"/>
                 <a:ea typeface="Microsoft JhengHei" pitchFamily="34" charset="-120"/>
               </a:rPr>
-              <a:t>歌  </a:t>
+              <a:t>歌  萬</a:t>
             </a:r>
             <a:r>
               <a:rPr lang="zh-CN" altLang="en-US" sz="4800" b="1" dirty="0">
                 <a:latin typeface="Microsoft JhengHei" pitchFamily="34" charset="-120"/>
                 <a:ea typeface="Microsoft JhengHei" pitchFamily="34" charset="-120"/>
               </a:rPr>
-              <a:t>四圍</a:t>
-            </a:r>
-            <a:r>
-              <a:rPr lang="zh-CN" altLang="en-US" sz="4800" b="1" dirty="0" smtClean="0">
-                <a:latin typeface="Microsoft JhengHei" pitchFamily="34" charset="-120"/>
-                <a:ea typeface="Microsoft JhengHei" pitchFamily="34" charset="-120"/>
-              </a:rPr>
-              <a:t>響</a:t>
+              <a:t>物響</a:t>
             </a:r>
             <a:r>
               <a:rPr lang="zh-CN" altLang="en-US" sz="4800" b="1" dirty="0" smtClean="0">
@@ -3223,21 +3254,7 @@
                 <a:latin typeface="Microsoft JhengHei" pitchFamily="34" charset="-120"/>
                 <a:ea typeface="Microsoft JhengHei" pitchFamily="34" charset="-120"/>
               </a:rPr>
-              <a:t>星</a:t>
-            </a:r>
-            <a:r>
-              <a:rPr lang="zh-CN" altLang="en-US" sz="4800" b="1" dirty="0" smtClean="0">
-                <a:latin typeface="Microsoft JhengHei" pitchFamily="34" charset="-120"/>
-                <a:ea typeface="Microsoft JhengHei" pitchFamily="34" charset="-120"/>
-              </a:rPr>
-              <a:t>辰</a:t>
-            </a:r>
-            <a:r>
-              <a:rPr lang="zh-CN" altLang="en-US" sz="4800" b="1" dirty="0" smtClean="0">
-                <a:latin typeface="Microsoft JhengHei" pitchFamily="34" charset="-120"/>
-                <a:ea typeface="Microsoft JhengHei" pitchFamily="34" charset="-120"/>
-              </a:rPr>
-              <a:t>作樂同聲</a:t>
+              <a:t>星辰同聲讚美</a:t>
             </a:r>
             <a:endParaRPr lang="en-US" sz="4800" dirty="0">
               <a:latin typeface="Microsoft JhengHei" pitchFamily="34" charset="-120"/>
@@ -3248,7 +3265,7 @@
       </p:sp>
       <p:sp>
         <p:nvSpPr>
-          <p:cNvPr id="4" name="TextBox 3"/>
+          <p:cNvPr id="4" name="TextBox 4"/>
           <p:cNvSpPr txBox="1"/>
           <p:nvPr/>
         </p:nvSpPr>
@@ -3279,7 +3296,7 @@
     </p:spTree>
     <p:extLst>
       <p:ext uri="{BB962C8B-B14F-4D97-AF65-F5344CB8AC3E}">
-        <p14:creationId xmlns:p14="http://schemas.microsoft.com/office/powerpoint/2010/main" val="1775328135"/>
+        <p14:creationId xmlns:p14="http://schemas.microsoft.com/office/powerpoint/2010/main" xmlns="" val="1775328135"/>
       </p:ext>
     </p:extLst>
   </p:cSld>
@@ -3383,14 +3400,30 @@
                 <a:latin typeface="Microsoft JhengHei" pitchFamily="34" charset="-120"/>
                 <a:ea typeface="Microsoft JhengHei" pitchFamily="34" charset="-120"/>
               </a:rPr>
-              <a:t>我心滿</a:t>
+              <a:t>我心滿有平安</a:t>
+            </a:r>
+            <a:endParaRPr lang="en-US" sz="4800" b="1" dirty="0">
+              <a:latin typeface="Microsoft JhengHei" pitchFamily="34" charset="-120"/>
+              <a:ea typeface="Microsoft JhengHei" pitchFamily="34" charset="-120"/>
+            </a:endParaRPr>
+          </a:p>
+          <a:p>
+            <a:pPr marL="0" indent="0" algn="ctr">
+              <a:buNone/>
+            </a:pPr>
+            <a:r>
+              <a:rPr lang="zh-CN" altLang="en-US" sz="4800" b="1" dirty="0">
+                <a:latin typeface="Microsoft JhengHei" pitchFamily="34" charset="-120"/>
+                <a:ea typeface="Microsoft JhengHei" pitchFamily="34" charset="-120"/>
+              </a:rPr>
+              <a:t>樹木花草</a:t>
             </a:r>
             <a:r>
               <a:rPr lang="zh-CN" altLang="en-US" sz="4800" b="1" dirty="0" smtClean="0">
                 <a:latin typeface="Microsoft JhengHei" pitchFamily="34" charset="-120"/>
                 <a:ea typeface="Microsoft JhengHei" pitchFamily="34" charset="-120"/>
               </a:rPr>
-              <a:t>有安寧</a:t>
+              <a:t>藍天    海</a:t>
             </a:r>
             <a:endParaRPr lang="en-US" sz="4800" b="1" dirty="0">
               <a:latin typeface="Microsoft JhengHei" pitchFamily="34" charset="-120"/>
@@ -3406,65 +3439,7 @@
                 <a:latin typeface="Microsoft JhengHei" pitchFamily="34" charset="-120"/>
                 <a:ea typeface="Microsoft JhengHei" pitchFamily="34" charset="-120"/>
               </a:rPr>
-              <a:t>花草樹</a:t>
-            </a:r>
-            <a:r>
-              <a:rPr lang="zh-CN" altLang="en-US" sz="4800" b="1" dirty="0" smtClean="0">
-                <a:latin typeface="Microsoft JhengHei" pitchFamily="34" charset="-120"/>
-                <a:ea typeface="Microsoft JhengHei" pitchFamily="34" charset="-120"/>
-              </a:rPr>
-              <a:t>木</a:t>
-            </a:r>
-            <a:r>
-              <a:rPr lang="zh-CN" altLang="en-US" sz="4800" b="1" dirty="0">
-                <a:latin typeface="Microsoft JhengHei" pitchFamily="34" charset="-120"/>
-                <a:ea typeface="Microsoft JhengHei" pitchFamily="34" charset="-120"/>
-              </a:rPr>
-              <a:t>穹蒼</a:t>
-            </a:r>
-            <a:r>
-              <a:rPr lang="zh-CN" altLang="en-US" sz="4800" b="1" dirty="0" smtClean="0">
-                <a:latin typeface="Microsoft JhengHei" pitchFamily="34" charset="-120"/>
-                <a:ea typeface="Microsoft JhengHei" pitchFamily="34" charset="-120"/>
-              </a:rPr>
-              <a:t>    </a:t>
-            </a:r>
-            <a:r>
-              <a:rPr lang="zh-CN" altLang="en-US" sz="4800" b="1" dirty="0" smtClean="0">
-                <a:latin typeface="Microsoft JhengHei" pitchFamily="34" charset="-120"/>
-                <a:ea typeface="Microsoft JhengHei" pitchFamily="34" charset="-120"/>
-              </a:rPr>
-              <a:t>海</a:t>
-            </a:r>
-            <a:endParaRPr lang="en-US" sz="4800" b="1" dirty="0">
-              <a:latin typeface="Microsoft JhengHei" pitchFamily="34" charset="-120"/>
-              <a:ea typeface="Microsoft JhengHei" pitchFamily="34" charset="-120"/>
-            </a:endParaRPr>
-          </a:p>
-          <a:p>
-            <a:pPr marL="0" indent="0" algn="ctr">
-              <a:buNone/>
-            </a:pPr>
-            <a:r>
-              <a:rPr lang="zh-CN" altLang="en-US" sz="4800" b="1" dirty="0">
-                <a:latin typeface="Microsoft JhengHei" pitchFamily="34" charset="-120"/>
-                <a:ea typeface="Microsoft JhengHei" pitchFamily="34" charset="-120"/>
-              </a:rPr>
-              <a:t>述說天</a:t>
-            </a:r>
-            <a:r>
-              <a:rPr lang="zh-CN" altLang="en-US" sz="4800" b="1" dirty="0" smtClean="0">
-                <a:latin typeface="Microsoft JhengHei" pitchFamily="34" charset="-120"/>
-                <a:ea typeface="Microsoft JhengHei" pitchFamily="34" charset="-120"/>
-              </a:rPr>
-              <a:t>父</a:t>
-            </a:r>
-            <a:r>
-              <a:rPr lang="zh-CN" altLang="en-US" sz="4800" b="1" dirty="0" smtClean="0">
-                <a:latin typeface="Microsoft JhengHei" pitchFamily="34" charset="-120"/>
-                <a:ea typeface="Microsoft JhengHei" pitchFamily="34" charset="-120"/>
-              </a:rPr>
-              <a:t>奇能</a:t>
+              <a:t>述說天父全能</a:t>
             </a:r>
             <a:endParaRPr lang="en-US" sz="4800" b="1" dirty="0">
               <a:latin typeface="Microsoft JhengHei" pitchFamily="34" charset="-120"/>
@@ -3542,7 +3517,7 @@
     </p:spTree>
     <p:extLst>
       <p:ext uri="{BB962C8B-B14F-4D97-AF65-F5344CB8AC3E}">
-        <p14:creationId xmlns:p14="http://schemas.microsoft.com/office/powerpoint/2010/main" val="4236187753"/>
+        <p14:creationId xmlns:p14="http://schemas.microsoft.com/office/powerpoint/2010/main" xmlns="" val="4236187753"/>
       </p:ext>
     </p:extLst>
   </p:cSld>
@@ -3646,28 +3621,7 @@
                 <a:latin typeface="Microsoft JhengHei" pitchFamily="34" charset="-120"/>
                 <a:ea typeface="Microsoft JhengHei" pitchFamily="34" charset="-120"/>
               </a:rPr>
-              <a:t>群</a:t>
-            </a:r>
-            <a:r>
-              <a:rPr lang="zh-CN" altLang="en-US" sz="4800" b="1" dirty="0" smtClean="0">
-                <a:latin typeface="Microsoft JhengHei" pitchFamily="34" charset="-120"/>
-                <a:ea typeface="Microsoft JhengHei" pitchFamily="34" charset="-120"/>
-              </a:rPr>
-              <a:t>鳥</a:t>
-            </a:r>
-            <a:r>
-              <a:rPr lang="zh-CN" altLang="en-US" sz="4800" b="1" dirty="0">
-                <a:latin typeface="Microsoft JhengHei" pitchFamily="34" charset="-120"/>
-                <a:ea typeface="Microsoft JhengHei" pitchFamily="34" charset="-120"/>
-              </a:rPr>
-              <a:t>歡</a:t>
-            </a:r>
-            <a:r>
-              <a:rPr lang="zh-CN" altLang="en-US" sz="4800" b="1" dirty="0" smtClean="0">
-                <a:latin typeface="Microsoft JhengHei" pitchFamily="34" charset="-120"/>
-                <a:ea typeface="Microsoft JhengHei" pitchFamily="34" charset="-120"/>
-              </a:rPr>
-              <a:t>唱齊鳴</a:t>
+              <a:t>小鳥歡唱啼鳴</a:t>
             </a:r>
             <a:endParaRPr lang="en-US" sz="4800" b="1" dirty="0">
               <a:latin typeface="Microsoft JhengHei" pitchFamily="34" charset="-120"/>
@@ -3699,14 +3653,7 @@
                 <a:latin typeface="Microsoft JhengHei" pitchFamily="34" charset="-120"/>
                 <a:ea typeface="Microsoft JhengHei" pitchFamily="34" charset="-120"/>
               </a:rPr>
-              <a:t>證</a:t>
-            </a:r>
-            <a:r>
-              <a:rPr lang="zh-CN" altLang="en-US" sz="4800" b="1" dirty="0" smtClean="0">
-                <a:latin typeface="Microsoft JhengHei" pitchFamily="34" charset="-120"/>
-                <a:ea typeface="Microsoft JhengHei" pitchFamily="34" charset="-120"/>
-              </a:rPr>
-              <a:t>明創造精深</a:t>
+              <a:t>宣揚創造大能</a:t>
             </a:r>
             <a:endParaRPr lang="en-US" sz="4800" b="1" dirty="0">
               <a:latin typeface="Microsoft JhengHei" pitchFamily="34" charset="-120"/>
@@ -3717,7 +3664,7 @@
       </p:sp>
       <p:sp>
         <p:nvSpPr>
-          <p:cNvPr id="4" name="TextBox 3"/>
+          <p:cNvPr id="4" name="TextBox 4"/>
           <p:cNvSpPr txBox="1"/>
           <p:nvPr/>
         </p:nvSpPr>
@@ -3738,7 +3685,7 @@
           <a:lstStyle/>
           <a:p>
             <a:r>
-              <a:rPr lang="en-US" sz="4000" b="1" dirty="0"/>
+              <a:rPr lang="en-US" sz="4000" b="1" dirty="0" smtClean="0"/>
               <a:t>2</a:t>
             </a:r>
             <a:r>
@@ -3752,7 +3699,7 @@
     </p:spTree>
     <p:extLst>
       <p:ext uri="{BB962C8B-B14F-4D97-AF65-F5344CB8AC3E}">
-        <p14:creationId xmlns:p14="http://schemas.microsoft.com/office/powerpoint/2010/main" val="3165584832"/>
+        <p14:creationId xmlns:p14="http://schemas.microsoft.com/office/powerpoint/2010/main" xmlns="" val="3165584832"/>
       </p:ext>
     </p:extLst>
   </p:cSld>
@@ -3856,28 +3803,23 @@
                 <a:latin typeface="Microsoft JhengHei" pitchFamily="34" charset="-120"/>
                 <a:ea typeface="Microsoft JhengHei" pitchFamily="34" charset="-120"/>
               </a:rPr>
-              <a:t>祂</a:t>
-            </a:r>
-            <a:r>
-              <a:rPr lang="zh-CN" altLang="en-US" sz="4800" b="1" dirty="0" smtClean="0">
-                <a:latin typeface="Microsoft JhengHei" pitchFamily="34" charset="-120"/>
-                <a:ea typeface="Microsoft JhengHei" pitchFamily="34" charset="-120"/>
-              </a:rPr>
-              <a:t>愛</a:t>
-            </a:r>
+              <a:t>祂愛充滿世間</a:t>
+            </a:r>
+            <a:endParaRPr lang="en-US" sz="4800" b="1" dirty="0">
+              <a:latin typeface="Microsoft JhengHei" pitchFamily="34" charset="-120"/>
+              <a:ea typeface="Microsoft JhengHei" pitchFamily="34" charset="-120"/>
+            </a:endParaRPr>
+          </a:p>
+          <a:p>
+            <a:pPr marL="0" indent="0" algn="ctr">
+              <a:buNone/>
+            </a:pPr>
             <a:r>
               <a:rPr lang="zh-CN" altLang="en-US" sz="4800" b="1" dirty="0">
                 <a:latin typeface="Microsoft JhengHei" pitchFamily="34" charset="-120"/>
                 <a:ea typeface="Microsoft JhengHei" pitchFamily="34" charset="-120"/>
               </a:rPr>
-              <a:t>普</a:t>
-            </a:r>
-            <a:r>
-              <a:rPr lang="zh-CN" altLang="en-US" sz="4800" b="1" dirty="0" smtClean="0">
-                <a:latin typeface="Microsoft JhengHei" pitchFamily="34" charset="-120"/>
-                <a:ea typeface="Microsoft JhengHei" pitchFamily="34" charset="-120"/>
-              </a:rPr>
-              <a:t>及萬千</a:t>
+              <a:t>風吹草動  將祂表現</a:t>
             </a:r>
             <a:endParaRPr lang="en-US" sz="4800" b="1" dirty="0">
               <a:latin typeface="Microsoft JhengHei" pitchFamily="34" charset="-120"/>
@@ -3893,55 +3835,18 @@
                 <a:latin typeface="Microsoft JhengHei" pitchFamily="34" charset="-120"/>
                 <a:ea typeface="Microsoft JhengHei" pitchFamily="34" charset="-120"/>
               </a:rPr>
-              <a:t>風吹</a:t>
-            </a:r>
-            <a:r>
-              <a:rPr lang="zh-CN" altLang="en-US" sz="4800" b="1" dirty="0" smtClean="0">
-                <a:latin typeface="Microsoft JhengHei" pitchFamily="34" charset="-120"/>
-                <a:ea typeface="Microsoft JhengHei" pitchFamily="34" charset="-120"/>
-              </a:rPr>
-              <a:t>草聲  </a:t>
-            </a:r>
-            <a:r>
-              <a:rPr lang="zh-CN" altLang="en-US" sz="4800" b="1" dirty="0" smtClean="0">
-                <a:latin typeface="Microsoft JhengHei" pitchFamily="34" charset="-120"/>
-                <a:ea typeface="Microsoft JhengHei" pitchFamily="34" charset="-120"/>
-              </a:rPr>
-              <a:t>知</a:t>
-            </a:r>
-            <a:r>
-              <a:rPr lang="zh-CN" altLang="en-US" sz="4800" b="1" dirty="0" smtClean="0">
-                <a:latin typeface="Microsoft JhengHei" pitchFamily="34" charset="-120"/>
-                <a:ea typeface="Microsoft JhengHei" pitchFamily="34" charset="-120"/>
-              </a:rPr>
-              <a:t>祂經過</a:t>
+              <a:t>萬物傳祂恩言</a:t>
             </a:r>
             <a:endParaRPr lang="en-US" sz="4800" b="1" dirty="0">
               <a:latin typeface="Microsoft JhengHei" pitchFamily="34" charset="-120"/>
               <a:ea typeface="Microsoft JhengHei" pitchFamily="34" charset="-120"/>
             </a:endParaRPr>
           </a:p>
-          <a:p>
-            <a:pPr marL="0" indent="0" algn="ctr">
-              <a:buNone/>
-            </a:pPr>
-            <a:r>
-              <a:rPr lang="zh-CN" altLang="en-US" sz="4800" b="1" dirty="0" smtClean="0">
-                <a:latin typeface="Microsoft JhengHei" pitchFamily="34" charset="-120"/>
-                <a:ea typeface="Microsoft JhengHei" pitchFamily="34" charset="-120"/>
-              </a:rPr>
-              <a:t>隨處能聽祂言</a:t>
-            </a:r>
-            <a:endParaRPr lang="en-US" sz="4800" b="1" dirty="0">
-              <a:latin typeface="Microsoft JhengHei" pitchFamily="34" charset="-120"/>
-              <a:ea typeface="Microsoft JhengHei" pitchFamily="34" charset="-120"/>
-            </a:endParaRPr>
-          </a:p>
-        </p:txBody>
-      </p:sp>
-      <p:sp>
-        <p:nvSpPr>
-          <p:cNvPr id="4" name="TextBox 3"/>
+        </p:txBody>
+      </p:sp>
+      <p:sp>
+        <p:nvSpPr>
+          <p:cNvPr id="4" name="TextBox 4"/>
           <p:cNvSpPr txBox="1"/>
           <p:nvPr/>
         </p:nvSpPr>
@@ -3962,7 +3867,7 @@
           <a:lstStyle/>
           <a:p>
             <a:r>
-              <a:rPr lang="en-US" sz="4000" b="1" dirty="0"/>
+              <a:rPr lang="en-US" sz="4000" b="1" dirty="0" smtClean="0"/>
               <a:t>2</a:t>
             </a:r>
             <a:r>
@@ -3976,7 +3881,7 @@
     </p:spTree>
     <p:extLst>
       <p:ext uri="{BB962C8B-B14F-4D97-AF65-F5344CB8AC3E}">
-        <p14:creationId xmlns:p14="http://schemas.microsoft.com/office/powerpoint/2010/main" val="161943966"/>
+        <p14:creationId xmlns:p14="http://schemas.microsoft.com/office/powerpoint/2010/main" xmlns="" val="161943966"/>
       </p:ext>
     </p:extLst>
   </p:cSld>
@@ -4076,25 +3981,11 @@
               <a:buNone/>
             </a:pPr>
             <a:r>
-              <a:rPr lang="zh-CN" altLang="en-US" sz="4800" b="1" dirty="0" smtClean="0">
-                <a:latin typeface="Microsoft JhengHei" pitchFamily="34" charset="-120"/>
-                <a:ea typeface="Microsoft JhengHei" pitchFamily="34" charset="-120"/>
-              </a:rPr>
-              <a:t>叫</a:t>
-            </a:r>
-            <a:r>
               <a:rPr lang="zh-CN" altLang="en-US" sz="4800" b="1" dirty="0">
                 <a:latin typeface="Microsoft JhengHei" pitchFamily="34" charset="-120"/>
                 <a:ea typeface="Microsoft JhengHei" pitchFamily="34" charset="-120"/>
               </a:rPr>
-              <a:t>我</a:t>
-            </a:r>
-            <a:r>
-              <a:rPr lang="zh-CN" altLang="en-US" sz="4800" b="1" dirty="0">
-                <a:latin typeface="Microsoft JhengHei" pitchFamily="34" charset="-120"/>
-                <a:ea typeface="Microsoft JhengHei" pitchFamily="34" charset="-120"/>
-              </a:rPr>
-              <a:t>不可鐀忘</a:t>
+              <a:t>求主叫我不忘</a:t>
             </a:r>
             <a:endParaRPr lang="en-US" sz="4800" b="1" dirty="0">
               <a:latin typeface="Microsoft JhengHei" pitchFamily="34" charset="-120"/>
@@ -4126,14 +4017,7 @@
                 <a:latin typeface="Microsoft JhengHei" pitchFamily="34" charset="-120"/>
                 <a:ea typeface="Microsoft JhengHei" pitchFamily="34" charset="-120"/>
               </a:rPr>
-              <a:t>天父卻</a:t>
-            </a:r>
-            <a:r>
-              <a:rPr lang="zh-CN" altLang="en-US" sz="4800" b="1" dirty="0" smtClean="0">
-                <a:latin typeface="Microsoft JhengHei" pitchFamily="34" charset="-120"/>
-                <a:ea typeface="Microsoft JhengHei" pitchFamily="34" charset="-120"/>
-              </a:rPr>
-              <a:t>仍作王</a:t>
+              <a:t>天父卻仍做王</a:t>
             </a:r>
             <a:endParaRPr lang="en-US" sz="4800" b="1" dirty="0">
               <a:latin typeface="Microsoft JhengHei" pitchFamily="34" charset="-120"/>
@@ -4144,7 +4028,7 @@
       </p:sp>
       <p:sp>
         <p:nvSpPr>
-          <p:cNvPr id="4" name="TextBox 3"/>
+          <p:cNvPr id="4" name="TextBox 4"/>
           <p:cNvSpPr txBox="1"/>
           <p:nvPr/>
         </p:nvSpPr>
@@ -4166,7 +4050,11 @@
           <a:p>
             <a:r>
               <a:rPr lang="en-US" sz="4000" b="1" dirty="0" smtClean="0"/>
-              <a:t>3.</a:t>
+              <a:t>3</a:t>
+            </a:r>
+            <a:r>
+              <a:rPr lang="en-US" sz="4000" b="1" dirty="0" smtClean="0"/>
+              <a:t>.</a:t>
             </a:r>
             <a:endParaRPr lang="vi-VN" sz="4000" b="1" dirty="0"/>
           </a:p>
@@ -4175,7 +4063,7 @@
     </p:spTree>
     <p:extLst>
       <p:ext uri="{BB962C8B-B14F-4D97-AF65-F5344CB8AC3E}">
-        <p14:creationId xmlns:p14="http://schemas.microsoft.com/office/powerpoint/2010/main" val="2173688353"/>
+        <p14:creationId xmlns:p14="http://schemas.microsoft.com/office/powerpoint/2010/main" xmlns="" val="2173688353"/>
       </p:ext>
     </p:extLst>
   </p:cSld>
@@ -4295,76 +4183,34 @@
                 <a:latin typeface="Microsoft JhengHei" pitchFamily="34" charset="-120"/>
                 <a:ea typeface="Microsoft JhengHei" pitchFamily="34" charset="-120"/>
               </a:rPr>
-              <a:t>天父</a:t>
-            </a:r>
-            <a:r>
-              <a:rPr lang="zh-CN" altLang="en-US" sz="4800" b="1" dirty="0" smtClean="0">
-                <a:latin typeface="Microsoft JhengHei" pitchFamily="34" charset="-120"/>
-                <a:ea typeface="Microsoft JhengHei" pitchFamily="34" charset="-120"/>
-              </a:rPr>
-              <a:t>是</a:t>
-            </a:r>
+              <a:t>上帝是王  宇宙歡唱</a:t>
+            </a:r>
+            <a:endParaRPr lang="en-US" sz="4800" b="1" dirty="0">
+              <a:latin typeface="Microsoft JhengHei" pitchFamily="34" charset="-120"/>
+              <a:ea typeface="Microsoft JhengHei" pitchFamily="34" charset="-120"/>
+            </a:endParaRPr>
+          </a:p>
+          <a:p>
+            <a:pPr marL="0" indent="0" algn="ctr">
+              <a:buNone/>
+            </a:pPr>
             <a:r>
               <a:rPr lang="zh-CN" altLang="en-US" sz="4800" b="1" dirty="0">
                 <a:latin typeface="Microsoft JhengHei" pitchFamily="34" charset="-120"/>
                 <a:ea typeface="Microsoft JhengHei" pitchFamily="34" charset="-120"/>
               </a:rPr>
-              <a:t>王  宇</a:t>
-            </a:r>
-            <a:r>
-              <a:rPr lang="zh-CN" altLang="en-US" sz="4800" b="1" dirty="0" smtClean="0">
-                <a:latin typeface="Microsoft JhengHei" pitchFamily="34" charset="-120"/>
-                <a:ea typeface="Microsoft JhengHei" pitchFamily="34" charset="-120"/>
-              </a:rPr>
-              <a:t>宙同唱</a:t>
+              <a:t>主恩統治萬方</a:t>
             </a:r>
             <a:endParaRPr lang="en-US" sz="4800" b="1" dirty="0">
               <a:latin typeface="Microsoft JhengHei" pitchFamily="34" charset="-120"/>
               <a:ea typeface="Microsoft JhengHei" pitchFamily="34" charset="-120"/>
             </a:endParaRPr>
           </a:p>
-          <a:p>
-            <a:pPr marL="0" indent="0" algn="ctr">
-              <a:buNone/>
-            </a:pPr>
-            <a:r>
-              <a:rPr lang="zh-CN" altLang="en-US" sz="4800" b="1" dirty="0">
-                <a:latin typeface="Microsoft JhengHei" pitchFamily="34" charset="-120"/>
-                <a:ea typeface="Microsoft JhengHei" pitchFamily="34" charset="-120"/>
-              </a:rPr>
-              <a:t>祂</a:t>
-            </a:r>
-            <a:r>
-              <a:rPr lang="zh-CN" altLang="en-US" sz="4800" b="1" dirty="0" smtClean="0">
-                <a:latin typeface="Microsoft JhengHei" pitchFamily="34" charset="-120"/>
-                <a:ea typeface="Microsoft JhengHei" pitchFamily="34" charset="-120"/>
-              </a:rPr>
-              <a:t>治</a:t>
-            </a:r>
-            <a:r>
-              <a:rPr lang="zh-CN" altLang="en-US" sz="4800" b="1" dirty="0">
-                <a:latin typeface="Microsoft JhengHei" pitchFamily="34" charset="-120"/>
-                <a:ea typeface="Microsoft JhengHei" pitchFamily="34" charset="-120"/>
-              </a:rPr>
-              <a:t>萬</a:t>
-            </a:r>
-            <a:r>
-              <a:rPr lang="zh-CN" altLang="en-US" sz="4800" b="1" dirty="0" smtClean="0">
-                <a:latin typeface="Microsoft JhengHei" pitchFamily="34" charset="-120"/>
-                <a:ea typeface="Microsoft JhengHei" pitchFamily="34" charset="-120"/>
-              </a:rPr>
-              <a:t>方萬方</a:t>
-            </a:r>
-            <a:endParaRPr lang="en-US" sz="4800" b="1" dirty="0">
-              <a:latin typeface="Microsoft JhengHei" pitchFamily="34" charset="-120"/>
-              <a:ea typeface="Microsoft JhengHei" pitchFamily="34" charset="-120"/>
-            </a:endParaRPr>
-          </a:p>
-        </p:txBody>
-      </p:sp>
-      <p:sp>
-        <p:nvSpPr>
-          <p:cNvPr id="4" name="TextBox 3"/>
+        </p:txBody>
+      </p:sp>
+      <p:sp>
+        <p:nvSpPr>
+          <p:cNvPr id="4" name="TextBox 4"/>
           <p:cNvSpPr txBox="1"/>
           <p:nvPr/>
         </p:nvSpPr>
@@ -4386,7 +4232,11 @@
           <a:p>
             <a:r>
               <a:rPr lang="en-US" sz="4000" b="1" dirty="0" smtClean="0"/>
-              <a:t>3.</a:t>
+              <a:t>3</a:t>
+            </a:r>
+            <a:r>
+              <a:rPr lang="en-US" sz="4000" b="1" dirty="0" smtClean="0"/>
+              <a:t>.</a:t>
             </a:r>
             <a:endParaRPr lang="vi-VN" sz="4000" b="1" dirty="0"/>
           </a:p>
@@ -4395,7 +4245,7 @@
     </p:spTree>
     <p:extLst>
       <p:ext uri="{BB962C8B-B14F-4D97-AF65-F5344CB8AC3E}">
-        <p14:creationId xmlns:p14="http://schemas.microsoft.com/office/powerpoint/2010/main" val="3745409086"/>
+        <p14:creationId xmlns:p14="http://schemas.microsoft.com/office/powerpoint/2010/main" xmlns="" val="3745409086"/>
       </p:ext>
     </p:extLst>
   </p:cSld>

--- a/2020/10月.pptx
+++ b/2020/10月.pptx
@@ -11,6 +11,25 @@
     <p:sldId id="259" r:id="rId5"/>
     <p:sldId id="260" r:id="rId6"/>
     <p:sldId id="261" r:id="rId7"/>
+    <p:sldId id="262" r:id="rId8"/>
+    <p:sldId id="263" r:id="rId9"/>
+    <p:sldId id="264" r:id="rId10"/>
+    <p:sldId id="265" r:id="rId11"/>
+    <p:sldId id="266" r:id="rId12"/>
+    <p:sldId id="267" r:id="rId13"/>
+    <p:sldId id="268" r:id="rId14"/>
+    <p:sldId id="269" r:id="rId15"/>
+    <p:sldId id="270" r:id="rId16"/>
+    <p:sldId id="271" r:id="rId17"/>
+    <p:sldId id="272" r:id="rId18"/>
+    <p:sldId id="273" r:id="rId19"/>
+    <p:sldId id="274" r:id="rId20"/>
+    <p:sldId id="275" r:id="rId21"/>
+    <p:sldId id="276" r:id="rId22"/>
+    <p:sldId id="277" r:id="rId23"/>
+    <p:sldId id="278" r:id="rId24"/>
+    <p:sldId id="279" r:id="rId25"/>
+    <p:sldId id="280" r:id="rId26"/>
   </p:sldIdLst>
   <p:sldSz cx="9144000" cy="5143500" type="screen16x9"/>
   <p:notesSz cx="6858000" cy="9144000"/>
@@ -111,7 +130,7 @@
   </p:defaultTextStyle>
   <p:extLst>
     <p:ext uri="{EFAFB233-063F-42B5-8137-9DF3F51BA10A}">
-      <p15:sldGuideLst xmlns:p15="http://schemas.microsoft.com/office/powerpoint/2012/main" xmlns="">
+      <p15:sldGuideLst xmlns:p15="http://schemas.microsoft.com/office/powerpoint/2012/main">
         <p15:guide id="1" orient="horz" pos="1620">
           <p15:clr>
             <a:srgbClr val="A4A3A4"/>
@@ -310,7 +329,7 @@
             <a:fld id="{4501EB18-C390-4468-93A4-92969EAFDCFE}" type="datetimeFigureOut">
               <a:rPr lang="en-US" smtClean="0"/>
               <a:pPr/>
-              <a:t>10/4/2020</a:t>
+              <a:t>10/24/2020</a:t>
             </a:fld>
             <a:endParaRPr lang="en-US"/>
           </a:p>
@@ -477,7 +496,7 @@
             <a:fld id="{4501EB18-C390-4468-93A4-92969EAFDCFE}" type="datetimeFigureOut">
               <a:rPr lang="en-US" smtClean="0"/>
               <a:pPr/>
-              <a:t>10/4/2020</a:t>
+              <a:t>10/24/2020</a:t>
             </a:fld>
             <a:endParaRPr lang="en-US"/>
           </a:p>
@@ -654,7 +673,7 @@
             <a:fld id="{4501EB18-C390-4468-93A4-92969EAFDCFE}" type="datetimeFigureOut">
               <a:rPr lang="en-US" smtClean="0"/>
               <a:pPr/>
-              <a:t>10/4/2020</a:t>
+              <a:t>10/24/2020</a:t>
             </a:fld>
             <a:endParaRPr lang="en-US"/>
           </a:p>
@@ -821,7 +840,7 @@
             <a:fld id="{4501EB18-C390-4468-93A4-92969EAFDCFE}" type="datetimeFigureOut">
               <a:rPr lang="en-US" smtClean="0"/>
               <a:pPr/>
-              <a:t>10/4/2020</a:t>
+              <a:t>10/24/2020</a:t>
             </a:fld>
             <a:endParaRPr lang="en-US"/>
           </a:p>
@@ -1064,7 +1083,7 @@
             <a:fld id="{4501EB18-C390-4468-93A4-92969EAFDCFE}" type="datetimeFigureOut">
               <a:rPr lang="en-US" smtClean="0"/>
               <a:pPr/>
-              <a:t>10/4/2020</a:t>
+              <a:t>10/24/2020</a:t>
             </a:fld>
             <a:endParaRPr lang="en-US"/>
           </a:p>
@@ -1349,7 +1368,7 @@
             <a:fld id="{4501EB18-C390-4468-93A4-92969EAFDCFE}" type="datetimeFigureOut">
               <a:rPr lang="en-US" smtClean="0"/>
               <a:pPr/>
-              <a:t>10/4/2020</a:t>
+              <a:t>10/24/2020</a:t>
             </a:fld>
             <a:endParaRPr lang="en-US"/>
           </a:p>
@@ -1768,7 +1787,7 @@
             <a:fld id="{4501EB18-C390-4468-93A4-92969EAFDCFE}" type="datetimeFigureOut">
               <a:rPr lang="en-US" smtClean="0"/>
               <a:pPr/>
-              <a:t>10/4/2020</a:t>
+              <a:t>10/24/2020</a:t>
             </a:fld>
             <a:endParaRPr lang="en-US"/>
           </a:p>
@@ -1883,7 +1902,7 @@
             <a:fld id="{4501EB18-C390-4468-93A4-92969EAFDCFE}" type="datetimeFigureOut">
               <a:rPr lang="en-US" smtClean="0"/>
               <a:pPr/>
-              <a:t>10/4/2020</a:t>
+              <a:t>10/24/2020</a:t>
             </a:fld>
             <a:endParaRPr lang="en-US"/>
           </a:p>
@@ -1975,7 +1994,7 @@
             <a:fld id="{4501EB18-C390-4468-93A4-92969EAFDCFE}" type="datetimeFigureOut">
               <a:rPr lang="en-US" smtClean="0"/>
               <a:pPr/>
-              <a:t>10/4/2020</a:t>
+              <a:t>10/24/2020</a:t>
             </a:fld>
             <a:endParaRPr lang="en-US"/>
           </a:p>
@@ -2249,7 +2268,7 @@
             <a:fld id="{4501EB18-C390-4468-93A4-92969EAFDCFE}" type="datetimeFigureOut">
               <a:rPr lang="en-US" smtClean="0"/>
               <a:pPr/>
-              <a:t>10/4/2020</a:t>
+              <a:t>10/24/2020</a:t>
             </a:fld>
             <a:endParaRPr lang="en-US"/>
           </a:p>
@@ -2503,7 +2522,7 @@
             <a:fld id="{4501EB18-C390-4468-93A4-92969EAFDCFE}" type="datetimeFigureOut">
               <a:rPr lang="en-US" smtClean="0"/>
               <a:pPr/>
-              <a:t>10/4/2020</a:t>
+              <a:t>10/24/2020</a:t>
             </a:fld>
             <a:endParaRPr lang="en-US"/>
           </a:p>
@@ -2718,7 +2737,7 @@
             <a:fld id="{4501EB18-C390-4468-93A4-92969EAFDCFE}" type="datetimeFigureOut">
               <a:rPr lang="en-US" smtClean="0"/>
               <a:pPr/>
-              <a:t>10/4/2020</a:t>
+              <a:t>10/24/2020</a:t>
             </a:fld>
             <a:endParaRPr lang="en-US"/>
           </a:p>
@@ -3296,7 +3315,1222 @@
     </p:spTree>
     <p:extLst>
       <p:ext uri="{BB962C8B-B14F-4D97-AF65-F5344CB8AC3E}">
-        <p14:creationId xmlns:p14="http://schemas.microsoft.com/office/powerpoint/2010/main" xmlns="" val="1775328135"/>
+        <p14:creationId xmlns:p14="http://schemas.microsoft.com/office/powerpoint/2010/main" val="1775328135"/>
+      </p:ext>
+    </p:extLst>
+  </p:cSld>
+  <p:clrMapOvr>
+    <a:masterClrMapping/>
+  </p:clrMapOvr>
+</p:sld>
+</file>
+
+<file path=ppt/slides/slide10.xml><?xml version="1.0" encoding="utf-8"?>
+<p:sld xmlns:a="http://schemas.openxmlformats.org/drawingml/2006/main" xmlns:r="http://schemas.openxmlformats.org/officeDocument/2006/relationships" xmlns:p="http://schemas.openxmlformats.org/presentationml/2006/main">
+  <p:cSld>
+    <p:spTree>
+      <p:nvGrpSpPr>
+        <p:cNvPr id="1" name=""/>
+        <p:cNvGrpSpPr/>
+        <p:nvPr/>
+      </p:nvGrpSpPr>
+      <p:grpSpPr>
+        <a:xfrm>
+          <a:off x="0" y="0"/>
+          <a:ext cx="0" cy="0"/>
+          <a:chOff x="0" y="0"/>
+          <a:chExt cx="0" cy="0"/>
+        </a:xfrm>
+      </p:grpSpPr>
+      <p:sp>
+        <p:nvSpPr>
+          <p:cNvPr id="5" name="內容版面配置區 4"/>
+          <p:cNvSpPr>
+            <a:spLocks noGrp="1"/>
+          </p:cNvSpPr>
+          <p:nvPr>
+            <p:ph idx="1"/>
+          </p:nvPr>
+        </p:nvSpPr>
+        <p:spPr>
+          <a:xfrm>
+            <a:off x="0" y="1563639"/>
+            <a:ext cx="9144000" cy="1803647"/>
+          </a:xfrm>
+        </p:spPr>
+        <p:txBody>
+          <a:bodyPr anchor="ctr">
+            <a:normAutofit/>
+          </a:bodyPr>
+          <a:lstStyle/>
+          <a:p>
+            <a:pPr marL="0" indent="0" algn="ctr">
+              <a:buNone/>
+            </a:pPr>
+            <a:r>
+              <a:rPr lang="zh-TW" altLang="en-US" sz="4800" b="1" dirty="0">
+                <a:solidFill>
+                  <a:srgbClr val="000066"/>
+                </a:solidFill>
+                <a:latin typeface="Microsoft JhengHei" panose="020B0604030504040204" pitchFamily="34" charset="-120"/>
+                <a:ea typeface="Microsoft JhengHei" panose="020B0604030504040204" pitchFamily="34" charset="-120"/>
+              </a:rPr>
+              <a:t>這一刻我縱是失意</a:t>
+            </a:r>
+            <a:endParaRPr lang="en-US" altLang="zh-TW" sz="4800" b="1" dirty="0">
+              <a:solidFill>
+                <a:srgbClr val="000066"/>
+              </a:solidFill>
+              <a:latin typeface="Microsoft JhengHei" panose="020B0604030504040204" pitchFamily="34" charset="-120"/>
+              <a:ea typeface="Microsoft JhengHei" panose="020B0604030504040204" pitchFamily="34" charset="-120"/>
+            </a:endParaRPr>
+          </a:p>
+          <a:p>
+            <a:pPr marL="0" indent="0" algn="ctr">
+              <a:buNone/>
+            </a:pPr>
+            <a:r>
+              <a:rPr lang="zh-TW" altLang="en-US" sz="4800" b="1" dirty="0">
+                <a:solidFill>
+                  <a:srgbClr val="000066"/>
+                </a:solidFill>
+                <a:latin typeface="Microsoft JhengHei" panose="020B0604030504040204" pitchFamily="34" charset="-120"/>
+                <a:ea typeface="Microsoft JhengHei" panose="020B0604030504040204" pitchFamily="34" charset="-120"/>
+              </a:rPr>
+              <a:t>失去平靜與安穩</a:t>
+            </a:r>
+            <a:endParaRPr lang="en-US" altLang="zh-TW" sz="4800" b="1" dirty="0">
+              <a:solidFill>
+                <a:srgbClr val="000066"/>
+              </a:solidFill>
+              <a:latin typeface="Microsoft JhengHei" panose="020B0604030504040204" pitchFamily="34" charset="-120"/>
+              <a:ea typeface="Microsoft JhengHei" panose="020B0604030504040204" pitchFamily="34" charset="-120"/>
+            </a:endParaRPr>
+          </a:p>
+        </p:txBody>
+      </p:sp>
+    </p:spTree>
+    <p:extLst>
+      <p:ext uri="{BB962C8B-B14F-4D97-AF65-F5344CB8AC3E}">
+        <p14:creationId xmlns:p14="http://schemas.microsoft.com/office/powerpoint/2010/main" val="446551072"/>
+      </p:ext>
+    </p:extLst>
+  </p:cSld>
+  <p:clrMapOvr>
+    <a:masterClrMapping/>
+  </p:clrMapOvr>
+</p:sld>
+</file>
+
+<file path=ppt/slides/slide11.xml><?xml version="1.0" encoding="utf-8"?>
+<p:sld xmlns:a="http://schemas.openxmlformats.org/drawingml/2006/main" xmlns:r="http://schemas.openxmlformats.org/officeDocument/2006/relationships" xmlns:p="http://schemas.openxmlformats.org/presentationml/2006/main">
+  <p:cSld>
+    <p:spTree>
+      <p:nvGrpSpPr>
+        <p:cNvPr id="1" name=""/>
+        <p:cNvGrpSpPr/>
+        <p:nvPr/>
+      </p:nvGrpSpPr>
+      <p:grpSpPr>
+        <a:xfrm>
+          <a:off x="0" y="0"/>
+          <a:ext cx="0" cy="0"/>
+          <a:chOff x="0" y="0"/>
+          <a:chExt cx="0" cy="0"/>
+        </a:xfrm>
+      </p:grpSpPr>
+      <p:sp>
+        <p:nvSpPr>
+          <p:cNvPr id="5" name="內容版面配置區 4"/>
+          <p:cNvSpPr>
+            <a:spLocks noGrp="1"/>
+          </p:cNvSpPr>
+          <p:nvPr>
+            <p:ph idx="1"/>
+          </p:nvPr>
+        </p:nvSpPr>
+        <p:spPr>
+          <a:xfrm>
+            <a:off x="0" y="1563639"/>
+            <a:ext cx="9144000" cy="1803647"/>
+          </a:xfrm>
+        </p:spPr>
+        <p:txBody>
+          <a:bodyPr anchor="ctr">
+            <a:normAutofit/>
+          </a:bodyPr>
+          <a:lstStyle/>
+          <a:p>
+            <a:pPr marL="0" indent="0" algn="ctr">
+              <a:buNone/>
+            </a:pPr>
+            <a:r>
+              <a:rPr lang="zh-TW" altLang="en-US" sz="4800" b="1" dirty="0">
+                <a:solidFill>
+                  <a:srgbClr val="000066"/>
+                </a:solidFill>
+                <a:latin typeface="Microsoft JhengHei" panose="020B0604030504040204" pitchFamily="34" charset="-120"/>
+                <a:ea typeface="Microsoft JhengHei" panose="020B0604030504040204" pitchFamily="34" charset="-120"/>
+              </a:rPr>
+              <a:t>倚靠耶和華</a:t>
+            </a:r>
+            <a:endParaRPr lang="en-US" altLang="zh-TW" sz="4800" b="1" dirty="0">
+              <a:solidFill>
+                <a:srgbClr val="000066"/>
+              </a:solidFill>
+              <a:latin typeface="Microsoft JhengHei" panose="020B0604030504040204" pitchFamily="34" charset="-120"/>
+              <a:ea typeface="Microsoft JhengHei" panose="020B0604030504040204" pitchFamily="34" charset="-120"/>
+            </a:endParaRPr>
+          </a:p>
+          <a:p>
+            <a:pPr marL="0" indent="0" algn="ctr">
+              <a:buNone/>
+            </a:pPr>
+            <a:r>
+              <a:rPr lang="zh-TW" altLang="en-US" sz="4800" b="1" dirty="0">
+                <a:solidFill>
+                  <a:srgbClr val="000066"/>
+                </a:solidFill>
+                <a:latin typeface="Microsoft JhengHei" panose="020B0604030504040204" pitchFamily="34" charset="-120"/>
+                <a:ea typeface="Microsoft JhengHei" panose="020B0604030504040204" pitchFamily="34" charset="-120"/>
+              </a:rPr>
+              <a:t>令擔子變輕省</a:t>
+            </a:r>
+            <a:endParaRPr lang="en-US" altLang="zh-TW" sz="4800" b="1" dirty="0">
+              <a:solidFill>
+                <a:srgbClr val="000066"/>
+              </a:solidFill>
+              <a:latin typeface="Microsoft JhengHei" panose="020B0604030504040204" pitchFamily="34" charset="-120"/>
+              <a:ea typeface="Microsoft JhengHei" panose="020B0604030504040204" pitchFamily="34" charset="-120"/>
+            </a:endParaRPr>
+          </a:p>
+        </p:txBody>
+      </p:sp>
+    </p:spTree>
+    <p:extLst>
+      <p:ext uri="{BB962C8B-B14F-4D97-AF65-F5344CB8AC3E}">
+        <p14:creationId xmlns:p14="http://schemas.microsoft.com/office/powerpoint/2010/main" val="1635999840"/>
+      </p:ext>
+    </p:extLst>
+  </p:cSld>
+  <p:clrMapOvr>
+    <a:masterClrMapping/>
+  </p:clrMapOvr>
+</p:sld>
+</file>
+
+<file path=ppt/slides/slide12.xml><?xml version="1.0" encoding="utf-8"?>
+<p:sld xmlns:a="http://schemas.openxmlformats.org/drawingml/2006/main" xmlns:r="http://schemas.openxmlformats.org/officeDocument/2006/relationships" xmlns:p="http://schemas.openxmlformats.org/presentationml/2006/main">
+  <p:cSld>
+    <p:spTree>
+      <p:nvGrpSpPr>
+        <p:cNvPr id="1" name=""/>
+        <p:cNvGrpSpPr/>
+        <p:nvPr/>
+      </p:nvGrpSpPr>
+      <p:grpSpPr>
+        <a:xfrm>
+          <a:off x="0" y="0"/>
+          <a:ext cx="0" cy="0"/>
+          <a:chOff x="0" y="0"/>
+          <a:chExt cx="0" cy="0"/>
+        </a:xfrm>
+      </p:grpSpPr>
+      <p:sp>
+        <p:nvSpPr>
+          <p:cNvPr id="5" name="內容版面配置區 4"/>
+          <p:cNvSpPr>
+            <a:spLocks noGrp="1"/>
+          </p:cNvSpPr>
+          <p:nvPr>
+            <p:ph idx="1"/>
+          </p:nvPr>
+        </p:nvSpPr>
+        <p:spPr>
+          <a:xfrm>
+            <a:off x="0" y="1563639"/>
+            <a:ext cx="9144000" cy="1803647"/>
+          </a:xfrm>
+        </p:spPr>
+        <p:txBody>
+          <a:bodyPr anchor="ctr">
+            <a:normAutofit/>
+          </a:bodyPr>
+          <a:lstStyle/>
+          <a:p>
+            <a:pPr marL="0" indent="0" algn="ctr">
+              <a:buNone/>
+            </a:pPr>
+            <a:r>
+              <a:rPr lang="zh-TW" altLang="en-US" sz="4800" b="1" dirty="0">
+                <a:solidFill>
+                  <a:srgbClr val="000066"/>
+                </a:solidFill>
+                <a:latin typeface="Microsoft JhengHei" panose="020B0604030504040204" pitchFamily="34" charset="-120"/>
+                <a:ea typeface="Microsoft JhengHei" panose="020B0604030504040204" pitchFamily="34" charset="-120"/>
+              </a:rPr>
+              <a:t>是</a:t>
+            </a:r>
+            <a:r>
+              <a:rPr lang="zh-CN" altLang="en-US" sz="4800" b="1" dirty="0">
+                <a:solidFill>
+                  <a:srgbClr val="000066"/>
+                </a:solidFill>
+                <a:latin typeface="Microsoft JhengHei" panose="020B0604030504040204" pitchFamily="34" charset="-120"/>
+                <a:ea typeface="Microsoft JhengHei" panose="020B0604030504040204" pitchFamily="34" charset="-120"/>
+              </a:rPr>
+              <a:t>袮</a:t>
+            </a:r>
+            <a:r>
+              <a:rPr lang="zh-TW" altLang="en-US" sz="4800" b="1" dirty="0">
+                <a:solidFill>
+                  <a:srgbClr val="000066"/>
+                </a:solidFill>
+                <a:latin typeface="Microsoft JhengHei" panose="020B0604030504040204" pitchFamily="34" charset="-120"/>
+                <a:ea typeface="Microsoft JhengHei" panose="020B0604030504040204" pitchFamily="34" charset="-120"/>
+              </a:rPr>
+              <a:t>的犧牲令我改變</a:t>
+            </a:r>
+            <a:endParaRPr lang="en-US" altLang="zh-TW" sz="4800" b="1" dirty="0">
+              <a:solidFill>
+                <a:srgbClr val="000066"/>
+              </a:solidFill>
+              <a:latin typeface="Microsoft JhengHei" panose="020B0604030504040204" pitchFamily="34" charset="-120"/>
+              <a:ea typeface="Microsoft JhengHei" panose="020B0604030504040204" pitchFamily="34" charset="-120"/>
+            </a:endParaRPr>
+          </a:p>
+          <a:p>
+            <a:pPr marL="0" indent="0" algn="ctr">
+              <a:buNone/>
+            </a:pPr>
+            <a:r>
+              <a:rPr lang="zh-TW" altLang="en-US" sz="4800" b="1" dirty="0">
+                <a:solidFill>
+                  <a:srgbClr val="000066"/>
+                </a:solidFill>
+                <a:latin typeface="Microsoft JhengHei" panose="020B0604030504040204" pitchFamily="34" charset="-120"/>
+                <a:ea typeface="Microsoft JhengHei" panose="020B0604030504040204" pitchFamily="34" charset="-120"/>
+              </a:rPr>
+              <a:t>是</a:t>
+            </a:r>
+            <a:r>
+              <a:rPr lang="zh-CN" altLang="en-US" sz="4800" b="1" dirty="0">
+                <a:solidFill>
+                  <a:srgbClr val="000066"/>
+                </a:solidFill>
+                <a:latin typeface="Microsoft JhengHei" panose="020B0604030504040204" pitchFamily="34" charset="-120"/>
+                <a:ea typeface="Microsoft JhengHei" panose="020B0604030504040204" pitchFamily="34" charset="-120"/>
+              </a:rPr>
+              <a:t>袮</a:t>
+            </a:r>
+            <a:r>
+              <a:rPr lang="zh-TW" altLang="en-US" sz="4800" b="1" dirty="0">
+                <a:solidFill>
+                  <a:srgbClr val="000066"/>
+                </a:solidFill>
+                <a:latin typeface="Microsoft JhengHei" panose="020B0604030504040204" pitchFamily="34" charset="-120"/>
+                <a:ea typeface="Microsoft JhengHei" panose="020B0604030504040204" pitchFamily="34" charset="-120"/>
+              </a:rPr>
+              <a:t>的恩典導我行</a:t>
+            </a:r>
+            <a:endParaRPr lang="en-US" altLang="zh-TW" sz="4800" b="1" dirty="0">
+              <a:solidFill>
+                <a:srgbClr val="000066"/>
+              </a:solidFill>
+              <a:latin typeface="Microsoft JhengHei" panose="020B0604030504040204" pitchFamily="34" charset="-120"/>
+              <a:ea typeface="Microsoft JhengHei" panose="020B0604030504040204" pitchFamily="34" charset="-120"/>
+            </a:endParaRPr>
+          </a:p>
+        </p:txBody>
+      </p:sp>
+    </p:spTree>
+    <p:extLst>
+      <p:ext uri="{BB962C8B-B14F-4D97-AF65-F5344CB8AC3E}">
+        <p14:creationId xmlns:p14="http://schemas.microsoft.com/office/powerpoint/2010/main" val="748289643"/>
+      </p:ext>
+    </p:extLst>
+  </p:cSld>
+  <p:clrMapOvr>
+    <a:masterClrMapping/>
+  </p:clrMapOvr>
+</p:sld>
+</file>
+
+<file path=ppt/slides/slide13.xml><?xml version="1.0" encoding="utf-8"?>
+<p:sld xmlns:a="http://schemas.openxmlformats.org/drawingml/2006/main" xmlns:r="http://schemas.openxmlformats.org/officeDocument/2006/relationships" xmlns:p="http://schemas.openxmlformats.org/presentationml/2006/main">
+  <p:cSld>
+    <p:spTree>
+      <p:nvGrpSpPr>
+        <p:cNvPr id="1" name=""/>
+        <p:cNvGrpSpPr/>
+        <p:nvPr/>
+      </p:nvGrpSpPr>
+      <p:grpSpPr>
+        <a:xfrm>
+          <a:off x="0" y="0"/>
+          <a:ext cx="0" cy="0"/>
+          <a:chOff x="0" y="0"/>
+          <a:chExt cx="0" cy="0"/>
+        </a:xfrm>
+      </p:grpSpPr>
+      <p:sp>
+        <p:nvSpPr>
+          <p:cNvPr id="5" name="內容版面配置區 4"/>
+          <p:cNvSpPr>
+            <a:spLocks noGrp="1"/>
+          </p:cNvSpPr>
+          <p:nvPr>
+            <p:ph idx="1"/>
+          </p:nvPr>
+        </p:nvSpPr>
+        <p:spPr>
+          <a:xfrm>
+            <a:off x="0" y="1563639"/>
+            <a:ext cx="9144000" cy="1803647"/>
+          </a:xfrm>
+        </p:spPr>
+        <p:txBody>
+          <a:bodyPr anchor="ctr">
+            <a:normAutofit/>
+          </a:bodyPr>
+          <a:lstStyle/>
+          <a:p>
+            <a:pPr marL="0" indent="0" algn="ctr">
+              <a:buNone/>
+            </a:pPr>
+            <a:r>
+              <a:rPr lang="zh-TW" altLang="en-US" sz="4800" b="1" dirty="0">
+                <a:solidFill>
+                  <a:srgbClr val="000066"/>
+                </a:solidFill>
+                <a:latin typeface="Microsoft JhengHei" panose="020B0604030504040204" pitchFamily="34" charset="-120"/>
+                <a:ea typeface="Microsoft JhengHei" panose="020B0604030504040204" pitchFamily="34" charset="-120"/>
+              </a:rPr>
+              <a:t>是</a:t>
+            </a:r>
+            <a:r>
+              <a:rPr lang="zh-CN" altLang="en-US" sz="4800" b="1" dirty="0">
+                <a:solidFill>
+                  <a:srgbClr val="000066"/>
+                </a:solidFill>
+                <a:latin typeface="Microsoft JhengHei" panose="020B0604030504040204" pitchFamily="34" charset="-120"/>
+                <a:ea typeface="Microsoft JhengHei" panose="020B0604030504040204" pitchFamily="34" charset="-120"/>
+              </a:rPr>
+              <a:t>袮</a:t>
+            </a:r>
+            <a:r>
+              <a:rPr lang="zh-TW" altLang="en-US" sz="4800" b="1" dirty="0">
+                <a:solidFill>
+                  <a:srgbClr val="000066"/>
+                </a:solidFill>
+                <a:latin typeface="Microsoft JhengHei" panose="020B0604030504040204" pitchFamily="34" charset="-120"/>
+                <a:ea typeface="Microsoft JhengHei" panose="020B0604030504040204" pitchFamily="34" charset="-120"/>
+              </a:rPr>
+              <a:t>的恩手伴我走過</a:t>
+            </a:r>
+            <a:endParaRPr lang="en-US" altLang="zh-TW" sz="4800" b="1" dirty="0">
+              <a:solidFill>
+                <a:srgbClr val="000066"/>
+              </a:solidFill>
+              <a:latin typeface="Microsoft JhengHei" panose="020B0604030504040204" pitchFamily="34" charset="-120"/>
+              <a:ea typeface="Microsoft JhengHei" panose="020B0604030504040204" pitchFamily="34" charset="-120"/>
+            </a:endParaRPr>
+          </a:p>
+          <a:p>
+            <a:pPr marL="0" indent="0" algn="ctr">
+              <a:buNone/>
+            </a:pPr>
+            <a:r>
+              <a:rPr lang="zh-TW" altLang="en-US" sz="4800" b="1" dirty="0">
+                <a:solidFill>
+                  <a:srgbClr val="000066"/>
+                </a:solidFill>
+                <a:latin typeface="Microsoft JhengHei" panose="020B0604030504040204" pitchFamily="34" charset="-120"/>
+                <a:ea typeface="Microsoft JhengHei" panose="020B0604030504040204" pitchFamily="34" charset="-120"/>
+              </a:rPr>
+              <a:t>是</a:t>
+            </a:r>
+            <a:r>
+              <a:rPr lang="zh-CN" altLang="en-US" sz="4800" b="1" dirty="0">
+                <a:solidFill>
+                  <a:srgbClr val="000066"/>
+                </a:solidFill>
+                <a:latin typeface="Microsoft JhengHei" panose="020B0604030504040204" pitchFamily="34" charset="-120"/>
+                <a:ea typeface="Microsoft JhengHei" panose="020B0604030504040204" pitchFamily="34" charset="-120"/>
+              </a:rPr>
+              <a:t>袮</a:t>
+            </a:r>
+            <a:r>
+              <a:rPr lang="zh-TW" altLang="en-US" sz="4800" b="1" dirty="0">
+                <a:solidFill>
+                  <a:srgbClr val="000066"/>
+                </a:solidFill>
+                <a:latin typeface="Microsoft JhengHei" panose="020B0604030504040204" pitchFamily="34" charset="-120"/>
+                <a:ea typeface="Microsoft JhengHei" panose="020B0604030504040204" pitchFamily="34" charset="-120"/>
+              </a:rPr>
+              <a:t>的深愛不捨不棄</a:t>
+            </a:r>
+            <a:endParaRPr lang="en-US" altLang="zh-TW" sz="4800" b="1" dirty="0">
+              <a:solidFill>
+                <a:srgbClr val="000066"/>
+              </a:solidFill>
+              <a:latin typeface="Microsoft JhengHei" panose="020B0604030504040204" pitchFamily="34" charset="-120"/>
+              <a:ea typeface="Microsoft JhengHei" panose="020B0604030504040204" pitchFamily="34" charset="-120"/>
+            </a:endParaRPr>
+          </a:p>
+        </p:txBody>
+      </p:sp>
+    </p:spTree>
+    <p:extLst>
+      <p:ext uri="{BB962C8B-B14F-4D97-AF65-F5344CB8AC3E}">
+        <p14:creationId xmlns:p14="http://schemas.microsoft.com/office/powerpoint/2010/main" val="2214601653"/>
+      </p:ext>
+    </p:extLst>
+  </p:cSld>
+  <p:clrMapOvr>
+    <a:masterClrMapping/>
+  </p:clrMapOvr>
+</p:sld>
+</file>
+
+<file path=ppt/slides/slide14.xml><?xml version="1.0" encoding="utf-8"?>
+<p:sld xmlns:a="http://schemas.openxmlformats.org/drawingml/2006/main" xmlns:r="http://schemas.openxmlformats.org/officeDocument/2006/relationships" xmlns:p="http://schemas.openxmlformats.org/presentationml/2006/main">
+  <p:cSld>
+    <p:spTree>
+      <p:nvGrpSpPr>
+        <p:cNvPr id="1" name=""/>
+        <p:cNvGrpSpPr/>
+        <p:nvPr/>
+      </p:nvGrpSpPr>
+      <p:grpSpPr>
+        <a:xfrm>
+          <a:off x="0" y="0"/>
+          <a:ext cx="0" cy="0"/>
+          <a:chOff x="0" y="0"/>
+          <a:chExt cx="0" cy="0"/>
+        </a:xfrm>
+      </p:grpSpPr>
+      <p:sp>
+        <p:nvSpPr>
+          <p:cNvPr id="5" name="內容版面配置區 4"/>
+          <p:cNvSpPr>
+            <a:spLocks noGrp="1"/>
+          </p:cNvSpPr>
+          <p:nvPr>
+            <p:ph idx="1"/>
+          </p:nvPr>
+        </p:nvSpPr>
+        <p:spPr>
+          <a:xfrm>
+            <a:off x="0" y="1563639"/>
+            <a:ext cx="9144000" cy="1803647"/>
+          </a:xfrm>
+        </p:spPr>
+        <p:txBody>
+          <a:bodyPr anchor="ctr">
+            <a:normAutofit/>
+          </a:bodyPr>
+          <a:lstStyle/>
+          <a:p>
+            <a:pPr marL="0" indent="0" algn="ctr">
+              <a:buNone/>
+            </a:pPr>
+            <a:r>
+              <a:rPr lang="zh-TW" altLang="en-US" sz="4800" b="1" dirty="0">
+                <a:solidFill>
+                  <a:srgbClr val="000066"/>
+                </a:solidFill>
+                <a:latin typeface="Microsoft JhengHei" panose="020B0604030504040204" pitchFamily="34" charset="-120"/>
+                <a:ea typeface="Microsoft JhengHei" panose="020B0604030504040204" pitchFamily="34" charset="-120"/>
+              </a:rPr>
+              <a:t>來日讓我仰賴應許</a:t>
+            </a:r>
+            <a:endParaRPr lang="en-US" altLang="zh-TW" sz="4800" b="1" dirty="0">
+              <a:solidFill>
+                <a:srgbClr val="000066"/>
+              </a:solidFill>
+              <a:latin typeface="Microsoft JhengHei" panose="020B0604030504040204" pitchFamily="34" charset="-120"/>
+              <a:ea typeface="Microsoft JhengHei" panose="020B0604030504040204" pitchFamily="34" charset="-120"/>
+            </a:endParaRPr>
+          </a:p>
+          <a:p>
+            <a:pPr marL="0" indent="0" algn="ctr">
+              <a:buNone/>
+            </a:pPr>
+            <a:r>
+              <a:rPr lang="zh-TW" altLang="en-US" sz="4800" b="1" dirty="0">
+                <a:solidFill>
+                  <a:srgbClr val="000066"/>
+                </a:solidFill>
+                <a:latin typeface="Microsoft JhengHei" panose="020B0604030504040204" pitchFamily="34" charset="-120"/>
+                <a:ea typeface="Microsoft JhengHei" panose="020B0604030504040204" pitchFamily="34" charset="-120"/>
+              </a:rPr>
+              <a:t>充滿能力與希望</a:t>
+            </a:r>
+            <a:endParaRPr lang="en-US" altLang="zh-TW" sz="4800" b="1" dirty="0">
+              <a:solidFill>
+                <a:srgbClr val="000066"/>
+              </a:solidFill>
+              <a:latin typeface="Microsoft JhengHei" panose="020B0604030504040204" pitchFamily="34" charset="-120"/>
+              <a:ea typeface="Microsoft JhengHei" panose="020B0604030504040204" pitchFamily="34" charset="-120"/>
+            </a:endParaRPr>
+          </a:p>
+        </p:txBody>
+      </p:sp>
+    </p:spTree>
+    <p:extLst>
+      <p:ext uri="{BB962C8B-B14F-4D97-AF65-F5344CB8AC3E}">
+        <p14:creationId xmlns:p14="http://schemas.microsoft.com/office/powerpoint/2010/main" val="568107215"/>
+      </p:ext>
+    </p:extLst>
+  </p:cSld>
+  <p:clrMapOvr>
+    <a:masterClrMapping/>
+  </p:clrMapOvr>
+</p:sld>
+</file>
+
+<file path=ppt/slides/slide15.xml><?xml version="1.0" encoding="utf-8"?>
+<p:sld xmlns:a="http://schemas.openxmlformats.org/drawingml/2006/main" xmlns:r="http://schemas.openxmlformats.org/officeDocument/2006/relationships" xmlns:p="http://schemas.openxmlformats.org/presentationml/2006/main">
+  <p:cSld>
+    <p:spTree>
+      <p:nvGrpSpPr>
+        <p:cNvPr id="1" name=""/>
+        <p:cNvGrpSpPr/>
+        <p:nvPr/>
+      </p:nvGrpSpPr>
+      <p:grpSpPr>
+        <a:xfrm>
+          <a:off x="0" y="0"/>
+          <a:ext cx="0" cy="0"/>
+          <a:chOff x="0" y="0"/>
+          <a:chExt cx="0" cy="0"/>
+        </a:xfrm>
+      </p:grpSpPr>
+      <p:sp>
+        <p:nvSpPr>
+          <p:cNvPr id="5" name="內容版面配置區 4"/>
+          <p:cNvSpPr>
+            <a:spLocks noGrp="1"/>
+          </p:cNvSpPr>
+          <p:nvPr>
+            <p:ph idx="1"/>
+          </p:nvPr>
+        </p:nvSpPr>
+        <p:spPr>
+          <a:xfrm>
+            <a:off x="0" y="1563639"/>
+            <a:ext cx="9144000" cy="1803647"/>
+          </a:xfrm>
+        </p:spPr>
+        <p:txBody>
+          <a:bodyPr anchor="ctr">
+            <a:normAutofit/>
+          </a:bodyPr>
+          <a:lstStyle/>
+          <a:p>
+            <a:pPr marL="0" indent="0" algn="ctr">
+              <a:buNone/>
+            </a:pPr>
+            <a:r>
+              <a:rPr lang="zh-TW" altLang="en-US" sz="4800" b="1" dirty="0">
+                <a:solidFill>
+                  <a:srgbClr val="000066"/>
+                </a:solidFill>
+                <a:latin typeface="Microsoft JhengHei" panose="020B0604030504040204" pitchFamily="34" charset="-120"/>
+                <a:ea typeface="Microsoft JhengHei" panose="020B0604030504040204" pitchFamily="34" charset="-120"/>
+              </a:rPr>
+              <a:t>倚靠耶和華伴我一世走過</a:t>
+            </a:r>
+            <a:endParaRPr lang="en-US" altLang="zh-TW" sz="4800" b="1" dirty="0">
+              <a:solidFill>
+                <a:srgbClr val="000066"/>
+              </a:solidFill>
+              <a:latin typeface="Microsoft JhengHei" panose="020B0604030504040204" pitchFamily="34" charset="-120"/>
+              <a:ea typeface="Microsoft JhengHei" panose="020B0604030504040204" pitchFamily="34" charset="-120"/>
+            </a:endParaRPr>
+          </a:p>
+        </p:txBody>
+      </p:sp>
+    </p:spTree>
+    <p:extLst>
+      <p:ext uri="{BB962C8B-B14F-4D97-AF65-F5344CB8AC3E}">
+        <p14:creationId xmlns:p14="http://schemas.microsoft.com/office/powerpoint/2010/main" val="765053641"/>
+      </p:ext>
+    </p:extLst>
+  </p:cSld>
+  <p:clrMapOvr>
+    <a:masterClrMapping/>
+  </p:clrMapOvr>
+</p:sld>
+</file>
+
+<file path=ppt/slides/slide16.xml><?xml version="1.0" encoding="utf-8"?>
+<p:sld xmlns:a="http://schemas.openxmlformats.org/drawingml/2006/main" xmlns:r="http://schemas.openxmlformats.org/officeDocument/2006/relationships" xmlns:p="http://schemas.openxmlformats.org/presentationml/2006/main">
+  <p:cSld>
+    <p:spTree>
+      <p:nvGrpSpPr>
+        <p:cNvPr id="1" name=""/>
+        <p:cNvGrpSpPr/>
+        <p:nvPr/>
+      </p:nvGrpSpPr>
+      <p:grpSpPr>
+        <a:xfrm>
+          <a:off x="0" y="0"/>
+          <a:ext cx="0" cy="0"/>
+          <a:chOff x="0" y="0"/>
+          <a:chExt cx="0" cy="0"/>
+        </a:xfrm>
+      </p:grpSpPr>
+      <p:sp>
+        <p:nvSpPr>
+          <p:cNvPr id="4" name="標題 3"/>
+          <p:cNvSpPr>
+            <a:spLocks noGrp="1"/>
+          </p:cNvSpPr>
+          <p:nvPr>
+            <p:ph type="title"/>
+          </p:nvPr>
+        </p:nvSpPr>
+        <p:spPr/>
+        <p:txBody>
+          <a:bodyPr>
+            <a:normAutofit/>
+          </a:bodyPr>
+          <a:lstStyle/>
+          <a:p>
+            <a:r>
+              <a:rPr lang="zh-TW" altLang="en-US" sz="3600" b="1" dirty="0">
+                <a:latin typeface="Microsoft JhengHei" panose="020B0604030504040204" pitchFamily="34" charset="-120"/>
+                <a:ea typeface="Microsoft JhengHei" panose="020B0604030504040204" pitchFamily="34" charset="-120"/>
+              </a:rPr>
+              <a:t>愛與被愛</a:t>
+            </a:r>
+            <a:endParaRPr lang="zh-TW" altLang="en-US" sz="3600" b="1" dirty="0">
+              <a:latin typeface="Microsoft JhengHei" panose="020B0604030504040204" pitchFamily="34" charset="-120"/>
+              <a:ea typeface="Microsoft JhengHei" panose="020B0604030504040204" pitchFamily="34" charset="-120"/>
+            </a:endParaRPr>
+          </a:p>
+        </p:txBody>
+      </p:sp>
+      <p:sp>
+        <p:nvSpPr>
+          <p:cNvPr id="5" name="內容版面配置區 4"/>
+          <p:cNvSpPr>
+            <a:spLocks noGrp="1"/>
+          </p:cNvSpPr>
+          <p:nvPr>
+            <p:ph idx="1"/>
+          </p:nvPr>
+        </p:nvSpPr>
+        <p:spPr>
+          <a:xfrm>
+            <a:off x="0" y="1200150"/>
+            <a:ext cx="9144000" cy="3943350"/>
+          </a:xfrm>
+        </p:spPr>
+        <p:txBody>
+          <a:bodyPr>
+            <a:noAutofit/>
+          </a:bodyPr>
+          <a:lstStyle/>
+          <a:p>
+            <a:pPr algn="ctr">
+              <a:buNone/>
+            </a:pPr>
+            <a:r>
+              <a:rPr lang="zh-TW" altLang="en-US" sz="4050" b="1" dirty="0">
+                <a:latin typeface="Microsoft JhengHei" panose="020B0604030504040204" pitchFamily="34" charset="-120"/>
+                <a:ea typeface="Microsoft JhengHei" panose="020B0604030504040204" pitchFamily="34" charset="-120"/>
+              </a:rPr>
+              <a:t>愛與被愛數不清的交織的網</a:t>
+            </a:r>
+            <a:endParaRPr lang="en-US" altLang="zh-TW" sz="4050" b="1" dirty="0">
+              <a:latin typeface="Microsoft JhengHei" panose="020B0604030504040204" pitchFamily="34" charset="-120"/>
+              <a:ea typeface="Microsoft JhengHei" panose="020B0604030504040204" pitchFamily="34" charset="-120"/>
+            </a:endParaRPr>
+          </a:p>
+          <a:p>
+            <a:pPr algn="ctr">
+              <a:buNone/>
+            </a:pPr>
+            <a:r>
+              <a:rPr lang="zh-TW" altLang="en-US" sz="4050" b="1" dirty="0">
+                <a:latin typeface="Microsoft JhengHei" panose="020B0604030504040204" pitchFamily="34" charset="-120"/>
+                <a:ea typeface="Microsoft JhengHei" panose="020B0604030504040204" pitchFamily="34" charset="-120"/>
+              </a:rPr>
+              <a:t>怎會教人說精采</a:t>
+            </a:r>
+            <a:endParaRPr lang="en-US" altLang="zh-TW" sz="4050" b="1" dirty="0">
+              <a:latin typeface="Microsoft JhengHei" panose="020B0604030504040204" pitchFamily="34" charset="-120"/>
+              <a:ea typeface="Microsoft JhengHei" panose="020B0604030504040204" pitchFamily="34" charset="-120"/>
+            </a:endParaRPr>
+          </a:p>
+          <a:p>
+            <a:pPr algn="ctr">
+              <a:buNone/>
+            </a:pPr>
+            <a:r>
+              <a:rPr lang="zh-TW" altLang="en-US" sz="4050" b="1" dirty="0">
+                <a:latin typeface="Microsoft JhengHei" panose="020B0604030504040204" pitchFamily="34" charset="-120"/>
+                <a:ea typeface="Microsoft JhengHei" panose="020B0604030504040204" pitchFamily="34" charset="-120"/>
+              </a:rPr>
+              <a:t>愛與被愛  真心真意珍惜珍貴</a:t>
+            </a:r>
+            <a:endParaRPr lang="en-US" altLang="zh-TW" sz="4050" b="1" dirty="0">
+              <a:latin typeface="Microsoft JhengHei" panose="020B0604030504040204" pitchFamily="34" charset="-120"/>
+              <a:ea typeface="Microsoft JhengHei" panose="020B0604030504040204" pitchFamily="34" charset="-120"/>
+            </a:endParaRPr>
+          </a:p>
+          <a:p>
+            <a:pPr algn="ctr">
+              <a:buNone/>
+            </a:pPr>
+            <a:r>
+              <a:rPr lang="zh-TW" altLang="en-US" sz="4050" b="1" dirty="0">
+                <a:latin typeface="Microsoft JhengHei" panose="020B0604030504040204" pitchFamily="34" charset="-120"/>
+                <a:ea typeface="Microsoft JhengHei" panose="020B0604030504040204" pitchFamily="34" charset="-120"/>
+              </a:rPr>
+              <a:t>只怕最難求是愛</a:t>
+            </a:r>
+          </a:p>
+        </p:txBody>
+      </p:sp>
+    </p:spTree>
+    <p:extLst>
+      <p:ext uri="{BB962C8B-B14F-4D97-AF65-F5344CB8AC3E}">
+        <p14:creationId xmlns:p14="http://schemas.microsoft.com/office/powerpoint/2010/main" val="2454955740"/>
+      </p:ext>
+    </p:extLst>
+  </p:cSld>
+  <p:clrMapOvr>
+    <a:masterClrMapping/>
+  </p:clrMapOvr>
+</p:sld>
+</file>
+
+<file path=ppt/slides/slide17.xml><?xml version="1.0" encoding="utf-8"?>
+<p:sld xmlns:a="http://schemas.openxmlformats.org/drawingml/2006/main" xmlns:r="http://schemas.openxmlformats.org/officeDocument/2006/relationships" xmlns:p="http://schemas.openxmlformats.org/presentationml/2006/main">
+  <p:cSld>
+    <p:spTree>
+      <p:nvGrpSpPr>
+        <p:cNvPr id="1" name=""/>
+        <p:cNvGrpSpPr/>
+        <p:nvPr/>
+      </p:nvGrpSpPr>
+      <p:grpSpPr>
+        <a:xfrm>
+          <a:off x="0" y="0"/>
+          <a:ext cx="0" cy="0"/>
+          <a:chOff x="0" y="0"/>
+          <a:chExt cx="0" cy="0"/>
+        </a:xfrm>
+      </p:grpSpPr>
+      <p:sp>
+        <p:nvSpPr>
+          <p:cNvPr id="4" name="標題 3"/>
+          <p:cNvSpPr>
+            <a:spLocks noGrp="1"/>
+          </p:cNvSpPr>
+          <p:nvPr>
+            <p:ph type="title"/>
+          </p:nvPr>
+        </p:nvSpPr>
+        <p:spPr/>
+        <p:txBody>
+          <a:bodyPr>
+            <a:normAutofit/>
+          </a:bodyPr>
+          <a:lstStyle/>
+          <a:p>
+            <a:r>
+              <a:rPr lang="zh-TW" altLang="en-US" sz="3600" b="1" dirty="0">
+                <a:latin typeface="Microsoft JhengHei" panose="020B0604030504040204" pitchFamily="34" charset="-120"/>
+                <a:ea typeface="Microsoft JhengHei" panose="020B0604030504040204" pitchFamily="34" charset="-120"/>
+              </a:rPr>
+              <a:t>愛與被愛</a:t>
+            </a:r>
+          </a:p>
+        </p:txBody>
+      </p:sp>
+      <p:sp>
+        <p:nvSpPr>
+          <p:cNvPr id="5" name="內容版面配置區 4"/>
+          <p:cNvSpPr>
+            <a:spLocks noGrp="1"/>
+          </p:cNvSpPr>
+          <p:nvPr>
+            <p:ph idx="1"/>
+          </p:nvPr>
+        </p:nvSpPr>
+        <p:spPr>
+          <a:xfrm>
+            <a:off x="1143000" y="1200150"/>
+            <a:ext cx="6858000" cy="3943350"/>
+          </a:xfrm>
+        </p:spPr>
+        <p:txBody>
+          <a:bodyPr>
+            <a:noAutofit/>
+          </a:bodyPr>
+          <a:lstStyle/>
+          <a:p>
+            <a:pPr algn="ctr">
+              <a:buNone/>
+            </a:pPr>
+            <a:r>
+              <a:rPr lang="zh-TW" altLang="en-US" sz="4050" b="1" dirty="0">
+                <a:latin typeface="Microsoft JhengHei" panose="020B0604030504040204" pitchFamily="34" charset="-120"/>
+                <a:ea typeface="Microsoft JhengHei" panose="020B0604030504040204" pitchFamily="34" charset="-120"/>
+              </a:rPr>
+              <a:t>哀傷裡尋到擁抱</a:t>
+            </a:r>
+            <a:endParaRPr lang="en-US" altLang="zh-TW" sz="4050" b="1" dirty="0">
+              <a:latin typeface="Microsoft JhengHei" panose="020B0604030504040204" pitchFamily="34" charset="-120"/>
+              <a:ea typeface="Microsoft JhengHei" panose="020B0604030504040204" pitchFamily="34" charset="-120"/>
+            </a:endParaRPr>
+          </a:p>
+          <a:p>
+            <a:pPr algn="ctr">
+              <a:buNone/>
+            </a:pPr>
+            <a:r>
+              <a:rPr lang="zh-TW" altLang="en-US" sz="4050" b="1" dirty="0">
+                <a:latin typeface="Microsoft JhengHei" panose="020B0604030504040204" pitchFamily="34" charset="-120"/>
+                <a:ea typeface="Microsoft JhengHei" panose="020B0604030504040204" pitchFamily="34" charset="-120"/>
+              </a:rPr>
+              <a:t>低谷裡能夠升高</a:t>
+            </a:r>
+            <a:endParaRPr lang="en-US" altLang="zh-TW" sz="4050" b="1" dirty="0">
+              <a:latin typeface="Microsoft JhengHei" panose="020B0604030504040204" pitchFamily="34" charset="-120"/>
+              <a:ea typeface="Microsoft JhengHei" panose="020B0604030504040204" pitchFamily="34" charset="-120"/>
+            </a:endParaRPr>
+          </a:p>
+          <a:p>
+            <a:pPr algn="ctr">
+              <a:buNone/>
+            </a:pPr>
+            <a:r>
+              <a:rPr lang="zh-TW" altLang="en-US" sz="4050" b="1" dirty="0">
+                <a:latin typeface="Microsoft JhengHei" panose="020B0604030504040204" pitchFamily="34" charset="-120"/>
+                <a:ea typeface="Microsoft JhengHei" panose="020B0604030504040204" pitchFamily="34" charset="-120"/>
+              </a:rPr>
+              <a:t>艱苦裡能同心禱告</a:t>
+            </a:r>
+            <a:endParaRPr lang="en-US" altLang="zh-TW" sz="4050" b="1" dirty="0">
+              <a:latin typeface="Microsoft JhengHei" panose="020B0604030504040204" pitchFamily="34" charset="-120"/>
+              <a:ea typeface="Microsoft JhengHei" panose="020B0604030504040204" pitchFamily="34" charset="-120"/>
+            </a:endParaRPr>
+          </a:p>
+          <a:p>
+            <a:pPr algn="ctr">
+              <a:buNone/>
+            </a:pPr>
+            <a:r>
+              <a:rPr lang="zh-TW" altLang="en-US" sz="4050" b="1" dirty="0">
+                <a:latin typeface="Microsoft JhengHei" panose="020B0604030504040204" pitchFamily="34" charset="-120"/>
+                <a:ea typeface="Microsoft JhengHei" panose="020B0604030504040204" pitchFamily="34" charset="-120"/>
+              </a:rPr>
+              <a:t>在跌倒時來鼓</a:t>
+            </a:r>
+            <a:r>
+              <a:rPr lang="zh-TW" altLang="en-US" sz="4050" b="1" dirty="0">
+                <a:latin typeface="Microsoft JhengHei" panose="020B0604030504040204" pitchFamily="34" charset="-120"/>
+                <a:ea typeface="Microsoft JhengHei" panose="020B0604030504040204" pitchFamily="34" charset="-120"/>
+              </a:rPr>
+              <a:t>舞</a:t>
+            </a:r>
+            <a:endParaRPr lang="zh-TW" altLang="en-US" sz="4050" b="1" dirty="0">
+              <a:latin typeface="Microsoft JhengHei" panose="020B0604030504040204" pitchFamily="34" charset="-120"/>
+              <a:ea typeface="Microsoft JhengHei" panose="020B0604030504040204" pitchFamily="34" charset="-120"/>
+            </a:endParaRPr>
+          </a:p>
+        </p:txBody>
+      </p:sp>
+    </p:spTree>
+    <p:extLst>
+      <p:ext uri="{BB962C8B-B14F-4D97-AF65-F5344CB8AC3E}">
+        <p14:creationId xmlns:p14="http://schemas.microsoft.com/office/powerpoint/2010/main" val="2641435686"/>
+      </p:ext>
+    </p:extLst>
+  </p:cSld>
+  <p:clrMapOvr>
+    <a:masterClrMapping/>
+  </p:clrMapOvr>
+</p:sld>
+</file>
+
+<file path=ppt/slides/slide18.xml><?xml version="1.0" encoding="utf-8"?>
+<p:sld xmlns:a="http://schemas.openxmlformats.org/drawingml/2006/main" xmlns:r="http://schemas.openxmlformats.org/officeDocument/2006/relationships" xmlns:p="http://schemas.openxmlformats.org/presentationml/2006/main">
+  <p:cSld>
+    <p:spTree>
+      <p:nvGrpSpPr>
+        <p:cNvPr id="1" name=""/>
+        <p:cNvGrpSpPr/>
+        <p:nvPr/>
+      </p:nvGrpSpPr>
+      <p:grpSpPr>
+        <a:xfrm>
+          <a:off x="0" y="0"/>
+          <a:ext cx="0" cy="0"/>
+          <a:chOff x="0" y="0"/>
+          <a:chExt cx="0" cy="0"/>
+        </a:xfrm>
+      </p:grpSpPr>
+      <p:sp>
+        <p:nvSpPr>
+          <p:cNvPr id="4" name="標題 3"/>
+          <p:cNvSpPr>
+            <a:spLocks noGrp="1"/>
+          </p:cNvSpPr>
+          <p:nvPr>
+            <p:ph type="title"/>
+          </p:nvPr>
+        </p:nvSpPr>
+        <p:spPr/>
+        <p:txBody>
+          <a:bodyPr>
+            <a:normAutofit/>
+          </a:bodyPr>
+          <a:lstStyle/>
+          <a:p>
+            <a:r>
+              <a:rPr lang="zh-TW" altLang="en-US" sz="3600" b="1" dirty="0">
+                <a:latin typeface="Microsoft JhengHei" panose="020B0604030504040204" pitchFamily="34" charset="-120"/>
+                <a:ea typeface="Microsoft JhengHei" panose="020B0604030504040204" pitchFamily="34" charset="-120"/>
+              </a:rPr>
+              <a:t>愛與被愛</a:t>
+            </a:r>
+          </a:p>
+        </p:txBody>
+      </p:sp>
+      <p:sp>
+        <p:nvSpPr>
+          <p:cNvPr id="5" name="內容版面配置區 4"/>
+          <p:cNvSpPr>
+            <a:spLocks noGrp="1"/>
+          </p:cNvSpPr>
+          <p:nvPr>
+            <p:ph idx="1"/>
+          </p:nvPr>
+        </p:nvSpPr>
+        <p:spPr>
+          <a:xfrm>
+            <a:off x="1143000" y="1200150"/>
+            <a:ext cx="6858000" cy="3943350"/>
+          </a:xfrm>
+        </p:spPr>
+        <p:txBody>
+          <a:bodyPr>
+            <a:noAutofit/>
+          </a:bodyPr>
+          <a:lstStyle/>
+          <a:p>
+            <a:pPr algn="ctr">
+              <a:buNone/>
+            </a:pPr>
+            <a:r>
+              <a:rPr lang="zh-TW" altLang="en-US" sz="4050" b="1" dirty="0">
+                <a:latin typeface="Microsoft JhengHei" panose="020B0604030504040204" pitchFamily="34" charset="-120"/>
+                <a:ea typeface="Microsoft JhengHei" panose="020B0604030504040204" pitchFamily="34" charset="-120"/>
+              </a:rPr>
+              <a:t>原來神是愛</a:t>
+            </a:r>
+            <a:endParaRPr lang="en-US" altLang="zh-TW" sz="4050" b="1" dirty="0">
+              <a:latin typeface="Microsoft JhengHei" panose="020B0604030504040204" pitchFamily="34" charset="-120"/>
+              <a:ea typeface="Microsoft JhengHei" panose="020B0604030504040204" pitchFamily="34" charset="-120"/>
+            </a:endParaRPr>
+          </a:p>
+          <a:p>
+            <a:pPr algn="ctr">
+              <a:buNone/>
+            </a:pPr>
+            <a:r>
+              <a:rPr lang="zh-TW" altLang="en-US" sz="4050" b="1" dirty="0">
+                <a:latin typeface="Microsoft JhengHei" panose="020B0604030504040204" pitchFamily="34" charset="-120"/>
+                <a:ea typeface="Microsoft JhengHei" panose="020B0604030504040204" pitchFamily="34" charset="-120"/>
+              </a:rPr>
+              <a:t>太初開始已是存在</a:t>
+            </a:r>
+            <a:endParaRPr lang="en-US" altLang="zh-TW" sz="4050" b="1" dirty="0">
+              <a:latin typeface="Microsoft JhengHei" panose="020B0604030504040204" pitchFamily="34" charset="-120"/>
+              <a:ea typeface="Microsoft JhengHei" panose="020B0604030504040204" pitchFamily="34" charset="-120"/>
+            </a:endParaRPr>
+          </a:p>
+          <a:p>
+            <a:pPr algn="ctr">
+              <a:buNone/>
+            </a:pPr>
+            <a:r>
+              <a:rPr lang="zh-TW" altLang="en-US" sz="4050" b="1" dirty="0">
+                <a:latin typeface="Microsoft JhengHei" panose="020B0604030504040204" pitchFamily="34" charset="-120"/>
+                <a:ea typeface="Microsoft JhengHei" panose="020B0604030504040204" pitchFamily="34" charset="-120"/>
+              </a:rPr>
+              <a:t>全憑神是愛</a:t>
+            </a:r>
+            <a:endParaRPr lang="en-US" altLang="zh-TW" sz="4050" b="1" dirty="0">
+              <a:latin typeface="Microsoft JhengHei" panose="020B0604030504040204" pitchFamily="34" charset="-120"/>
+              <a:ea typeface="Microsoft JhengHei" panose="020B0604030504040204" pitchFamily="34" charset="-120"/>
+            </a:endParaRPr>
+          </a:p>
+          <a:p>
+            <a:pPr algn="ctr">
+              <a:buNone/>
+            </a:pPr>
+            <a:r>
+              <a:rPr lang="zh-TW" altLang="en-US" sz="4050" b="1" dirty="0">
+                <a:latin typeface="Microsoft JhengHei" panose="020B0604030504040204" pitchFamily="34" charset="-120"/>
+                <a:ea typeface="Microsoft JhengHei" panose="020B0604030504040204" pitchFamily="34" charset="-120"/>
+              </a:rPr>
+              <a:t>護蔭一生使我空虛不再</a:t>
+            </a:r>
+          </a:p>
+        </p:txBody>
+      </p:sp>
+    </p:spTree>
+    <p:extLst>
+      <p:ext uri="{BB962C8B-B14F-4D97-AF65-F5344CB8AC3E}">
+        <p14:creationId xmlns:p14="http://schemas.microsoft.com/office/powerpoint/2010/main" val="4049016008"/>
+      </p:ext>
+    </p:extLst>
+  </p:cSld>
+  <p:clrMapOvr>
+    <a:masterClrMapping/>
+  </p:clrMapOvr>
+</p:sld>
+</file>
+
+<file path=ppt/slides/slide19.xml><?xml version="1.0" encoding="utf-8"?>
+<p:sld xmlns:a="http://schemas.openxmlformats.org/drawingml/2006/main" xmlns:r="http://schemas.openxmlformats.org/officeDocument/2006/relationships" xmlns:p="http://schemas.openxmlformats.org/presentationml/2006/main">
+  <p:cSld>
+    <p:spTree>
+      <p:nvGrpSpPr>
+        <p:cNvPr id="1" name=""/>
+        <p:cNvGrpSpPr/>
+        <p:nvPr/>
+      </p:nvGrpSpPr>
+      <p:grpSpPr>
+        <a:xfrm>
+          <a:off x="0" y="0"/>
+          <a:ext cx="0" cy="0"/>
+          <a:chOff x="0" y="0"/>
+          <a:chExt cx="0" cy="0"/>
+        </a:xfrm>
+      </p:grpSpPr>
+      <p:sp>
+        <p:nvSpPr>
+          <p:cNvPr id="4" name="標題 3"/>
+          <p:cNvSpPr>
+            <a:spLocks noGrp="1"/>
+          </p:cNvSpPr>
+          <p:nvPr>
+            <p:ph type="title"/>
+          </p:nvPr>
+        </p:nvSpPr>
+        <p:spPr/>
+        <p:txBody>
+          <a:bodyPr>
+            <a:normAutofit/>
+          </a:bodyPr>
+          <a:lstStyle/>
+          <a:p>
+            <a:r>
+              <a:rPr lang="zh-TW" altLang="en-US" sz="3600" b="1" dirty="0">
+                <a:latin typeface="Microsoft JhengHei" panose="020B0604030504040204" pitchFamily="34" charset="-120"/>
+                <a:ea typeface="Microsoft JhengHei" panose="020B0604030504040204" pitchFamily="34" charset="-120"/>
+              </a:rPr>
+              <a:t>愛與被愛</a:t>
+            </a:r>
+          </a:p>
+        </p:txBody>
+      </p:sp>
+      <p:sp>
+        <p:nvSpPr>
+          <p:cNvPr id="5" name="內容版面配置區 4"/>
+          <p:cNvSpPr>
+            <a:spLocks noGrp="1"/>
+          </p:cNvSpPr>
+          <p:nvPr>
+            <p:ph idx="1"/>
+          </p:nvPr>
+        </p:nvSpPr>
+        <p:spPr>
+          <a:xfrm>
+            <a:off x="1143000" y="1200150"/>
+            <a:ext cx="6858000" cy="3943350"/>
+          </a:xfrm>
+        </p:spPr>
+        <p:txBody>
+          <a:bodyPr>
+            <a:noAutofit/>
+          </a:bodyPr>
+          <a:lstStyle/>
+          <a:p>
+            <a:pPr algn="ctr">
+              <a:buNone/>
+            </a:pPr>
+            <a:r>
+              <a:rPr lang="zh-TW" altLang="en-US" sz="4050" b="1" dirty="0">
+                <a:latin typeface="Microsoft JhengHei" panose="020B0604030504040204" pitchFamily="34" charset="-120"/>
+                <a:ea typeface="Microsoft JhengHei" panose="020B0604030504040204" pitchFamily="34" charset="-120"/>
+              </a:rPr>
+              <a:t>為我擦亮眼曉得愛與被愛</a:t>
+            </a:r>
+            <a:endParaRPr lang="en-US" altLang="zh-TW" sz="4050" b="1" dirty="0">
+              <a:latin typeface="Microsoft JhengHei" panose="020B0604030504040204" pitchFamily="34" charset="-120"/>
+              <a:ea typeface="Microsoft JhengHei" panose="020B0604030504040204" pitchFamily="34" charset="-120"/>
+            </a:endParaRPr>
+          </a:p>
+          <a:p>
+            <a:pPr algn="ctr">
+              <a:buNone/>
+            </a:pPr>
+            <a:r>
+              <a:rPr lang="zh-TW" altLang="en-US" sz="4050" b="1" dirty="0">
+                <a:latin typeface="Microsoft JhengHei" panose="020B0604030504040204" pitchFamily="34" charset="-120"/>
+                <a:ea typeface="Microsoft JhengHei" panose="020B0604030504040204" pitchFamily="34" charset="-120"/>
+              </a:rPr>
+              <a:t>這種感覺極期待</a:t>
+            </a:r>
+            <a:endParaRPr lang="en-US" altLang="zh-TW" sz="4050" b="1" dirty="0">
+              <a:latin typeface="Microsoft JhengHei" panose="020B0604030504040204" pitchFamily="34" charset="-120"/>
+              <a:ea typeface="Microsoft JhengHei" panose="020B0604030504040204" pitchFamily="34" charset="-120"/>
+            </a:endParaRPr>
+          </a:p>
+          <a:p>
+            <a:pPr algn="ctr">
+              <a:buNone/>
+            </a:pPr>
+            <a:r>
+              <a:rPr lang="zh-TW" altLang="en-US" sz="4050" b="1" dirty="0">
+                <a:latin typeface="Microsoft JhengHei" panose="020B0604030504040204" pitchFamily="34" charset="-120"/>
+                <a:ea typeface="Microsoft JhengHei" panose="020B0604030504040204" pitchFamily="34" charset="-120"/>
+              </a:rPr>
+              <a:t>用愛照亮我  福杯滿滿盛載</a:t>
+            </a:r>
+            <a:endParaRPr lang="en-US" altLang="zh-TW" sz="4050" b="1" dirty="0">
+              <a:latin typeface="Microsoft JhengHei" panose="020B0604030504040204" pitchFamily="34" charset="-120"/>
+              <a:ea typeface="Microsoft JhengHei" panose="020B0604030504040204" pitchFamily="34" charset="-120"/>
+            </a:endParaRPr>
+          </a:p>
+          <a:p>
+            <a:pPr algn="ctr">
+              <a:buNone/>
+            </a:pPr>
+            <a:r>
+              <a:rPr lang="zh-TW" altLang="en-US" sz="4050" b="1" dirty="0">
+                <a:latin typeface="Microsoft JhengHei" panose="020B0604030504040204" pitchFamily="34" charset="-120"/>
+                <a:ea typeface="Microsoft JhengHei" panose="020B0604030504040204" pitchFamily="34" charset="-120"/>
+              </a:rPr>
+              <a:t>豐盛無更改</a:t>
+            </a:r>
+          </a:p>
+        </p:txBody>
+      </p:sp>
+    </p:spTree>
+    <p:extLst>
+      <p:ext uri="{BB962C8B-B14F-4D97-AF65-F5344CB8AC3E}">
+        <p14:creationId xmlns:p14="http://schemas.microsoft.com/office/powerpoint/2010/main" val="843703002"/>
       </p:ext>
     </p:extLst>
   </p:cSld>
@@ -3517,7 +4751,1133 @@
     </p:spTree>
     <p:extLst>
       <p:ext uri="{BB962C8B-B14F-4D97-AF65-F5344CB8AC3E}">
-        <p14:creationId xmlns:p14="http://schemas.microsoft.com/office/powerpoint/2010/main" xmlns="" val="4236187753"/>
+        <p14:creationId xmlns:p14="http://schemas.microsoft.com/office/powerpoint/2010/main" val="4236187753"/>
+      </p:ext>
+    </p:extLst>
+  </p:cSld>
+  <p:clrMapOvr>
+    <a:masterClrMapping/>
+  </p:clrMapOvr>
+</p:sld>
+</file>
+
+<file path=ppt/slides/slide20.xml><?xml version="1.0" encoding="utf-8"?>
+<p:sld xmlns:a="http://schemas.openxmlformats.org/drawingml/2006/main" xmlns:r="http://schemas.openxmlformats.org/officeDocument/2006/relationships" xmlns:p="http://schemas.openxmlformats.org/presentationml/2006/main">
+  <p:cSld>
+    <p:spTree>
+      <p:nvGrpSpPr>
+        <p:cNvPr id="1" name=""/>
+        <p:cNvGrpSpPr/>
+        <p:nvPr/>
+      </p:nvGrpSpPr>
+      <p:grpSpPr>
+        <a:xfrm>
+          <a:off x="0" y="0"/>
+          <a:ext cx="0" cy="0"/>
+          <a:chOff x="0" y="0"/>
+          <a:chExt cx="0" cy="0"/>
+        </a:xfrm>
+      </p:grpSpPr>
+      <p:sp>
+        <p:nvSpPr>
+          <p:cNvPr id="4" name="標題 3"/>
+          <p:cNvSpPr>
+            <a:spLocks noGrp="1"/>
+          </p:cNvSpPr>
+          <p:nvPr>
+            <p:ph type="title"/>
+          </p:nvPr>
+        </p:nvSpPr>
+        <p:spPr/>
+        <p:txBody>
+          <a:bodyPr/>
+          <a:lstStyle/>
+          <a:p>
+            <a:r>
+              <a:rPr lang="zh-TW" altLang="en-US" sz="3600" b="1" dirty="0">
+                <a:latin typeface="Microsoft JhengHei" panose="020B0604030504040204" pitchFamily="34" charset="-120"/>
+                <a:ea typeface="Microsoft JhengHei" panose="020B0604030504040204" pitchFamily="34" charset="-120"/>
+              </a:rPr>
+              <a:t>愛與被愛</a:t>
+            </a:r>
+          </a:p>
+        </p:txBody>
+      </p:sp>
+      <p:sp>
+        <p:nvSpPr>
+          <p:cNvPr id="5" name="內容版面配置區 4"/>
+          <p:cNvSpPr>
+            <a:spLocks noGrp="1"/>
+          </p:cNvSpPr>
+          <p:nvPr>
+            <p:ph idx="1"/>
+          </p:nvPr>
+        </p:nvSpPr>
+        <p:spPr>
+          <a:xfrm>
+            <a:off x="1143000" y="1200150"/>
+            <a:ext cx="6858000" cy="3943350"/>
+          </a:xfrm>
+        </p:spPr>
+        <p:txBody>
+          <a:bodyPr>
+            <a:noAutofit/>
+          </a:bodyPr>
+          <a:lstStyle/>
+          <a:p>
+            <a:pPr algn="ctr">
+              <a:buNone/>
+            </a:pPr>
+            <a:r>
+              <a:rPr lang="zh-TW" altLang="en-US" sz="4050" b="1" dirty="0">
+                <a:latin typeface="Microsoft JhengHei" panose="020B0604030504040204" pitchFamily="34" charset="-120"/>
+                <a:ea typeface="Microsoft JhengHei" panose="020B0604030504040204" pitchFamily="34" charset="-120"/>
+              </a:rPr>
+              <a:t>原來神是愛</a:t>
+            </a:r>
+            <a:endParaRPr lang="en-US" altLang="zh-TW" sz="4050" b="1" dirty="0">
+              <a:latin typeface="Microsoft JhengHei" panose="020B0604030504040204" pitchFamily="34" charset="-120"/>
+              <a:ea typeface="Microsoft JhengHei" panose="020B0604030504040204" pitchFamily="34" charset="-120"/>
+            </a:endParaRPr>
+          </a:p>
+          <a:p>
+            <a:pPr algn="ctr">
+              <a:buNone/>
+            </a:pPr>
+            <a:r>
+              <a:rPr lang="zh-TW" altLang="en-US" sz="4050" b="1" dirty="0">
+                <a:latin typeface="Microsoft JhengHei" panose="020B0604030504040204" pitchFamily="34" charset="-120"/>
+                <a:ea typeface="Microsoft JhengHei" panose="020B0604030504040204" pitchFamily="34" charset="-120"/>
+              </a:rPr>
+              <a:t>太初開始已是存在</a:t>
+            </a:r>
+            <a:endParaRPr lang="en-US" altLang="zh-TW" sz="4050" b="1" dirty="0">
+              <a:latin typeface="Microsoft JhengHei" panose="020B0604030504040204" pitchFamily="34" charset="-120"/>
+              <a:ea typeface="Microsoft JhengHei" panose="020B0604030504040204" pitchFamily="34" charset="-120"/>
+            </a:endParaRPr>
+          </a:p>
+          <a:p>
+            <a:pPr algn="ctr">
+              <a:buNone/>
+            </a:pPr>
+            <a:r>
+              <a:rPr lang="zh-TW" altLang="en-US" sz="4050" b="1" dirty="0">
+                <a:latin typeface="Microsoft JhengHei" panose="020B0604030504040204" pitchFamily="34" charset="-120"/>
+                <a:ea typeface="Microsoft JhengHei" panose="020B0604030504040204" pitchFamily="34" charset="-120"/>
+              </a:rPr>
+              <a:t>全憑神是愛</a:t>
+            </a:r>
+            <a:endParaRPr lang="en-US" altLang="zh-TW" sz="4050" b="1" dirty="0">
+              <a:latin typeface="Microsoft JhengHei" panose="020B0604030504040204" pitchFamily="34" charset="-120"/>
+              <a:ea typeface="Microsoft JhengHei" panose="020B0604030504040204" pitchFamily="34" charset="-120"/>
+            </a:endParaRPr>
+          </a:p>
+          <a:p>
+            <a:pPr algn="ctr">
+              <a:buNone/>
+            </a:pPr>
+            <a:r>
+              <a:rPr lang="zh-TW" altLang="en-US" sz="4050" b="1" dirty="0">
+                <a:latin typeface="Microsoft JhengHei" panose="020B0604030504040204" pitchFamily="34" charset="-120"/>
+                <a:ea typeface="Microsoft JhengHei" panose="020B0604030504040204" pitchFamily="34" charset="-120"/>
+              </a:rPr>
+              <a:t>護蔭一生使我空虛不再</a:t>
+            </a:r>
+          </a:p>
+        </p:txBody>
+      </p:sp>
+    </p:spTree>
+    <p:extLst>
+      <p:ext uri="{BB962C8B-B14F-4D97-AF65-F5344CB8AC3E}">
+        <p14:creationId xmlns:p14="http://schemas.microsoft.com/office/powerpoint/2010/main" val="361760779"/>
+      </p:ext>
+    </p:extLst>
+  </p:cSld>
+  <p:clrMapOvr>
+    <a:masterClrMapping/>
+  </p:clrMapOvr>
+</p:sld>
+</file>
+
+<file path=ppt/slides/slide21.xml><?xml version="1.0" encoding="utf-8"?>
+<p:sld xmlns:a="http://schemas.openxmlformats.org/drawingml/2006/main" xmlns:r="http://schemas.openxmlformats.org/officeDocument/2006/relationships" xmlns:p="http://schemas.openxmlformats.org/presentationml/2006/main">
+  <p:cSld>
+    <p:spTree>
+      <p:nvGrpSpPr>
+        <p:cNvPr id="1" name=""/>
+        <p:cNvGrpSpPr/>
+        <p:nvPr/>
+      </p:nvGrpSpPr>
+      <p:grpSpPr>
+        <a:xfrm>
+          <a:off x="0" y="0"/>
+          <a:ext cx="0" cy="0"/>
+          <a:chOff x="0" y="0"/>
+          <a:chExt cx="0" cy="0"/>
+        </a:xfrm>
+      </p:grpSpPr>
+      <p:sp>
+        <p:nvSpPr>
+          <p:cNvPr id="4" name="標題 3"/>
+          <p:cNvSpPr>
+            <a:spLocks noGrp="1"/>
+          </p:cNvSpPr>
+          <p:nvPr>
+            <p:ph type="title"/>
+          </p:nvPr>
+        </p:nvSpPr>
+        <p:spPr/>
+        <p:txBody>
+          <a:bodyPr>
+            <a:normAutofit/>
+          </a:bodyPr>
+          <a:lstStyle/>
+          <a:p>
+            <a:r>
+              <a:rPr lang="zh-TW" altLang="en-US" sz="3600" b="1" dirty="0">
+                <a:latin typeface="Microsoft JhengHei" panose="020B0604030504040204" pitchFamily="34" charset="-120"/>
+                <a:ea typeface="Microsoft JhengHei" panose="020B0604030504040204" pitchFamily="34" charset="-120"/>
+              </a:rPr>
+              <a:t>愛與被愛</a:t>
+            </a:r>
+          </a:p>
+        </p:txBody>
+      </p:sp>
+      <p:sp>
+        <p:nvSpPr>
+          <p:cNvPr id="5" name="內容版面配置區 4"/>
+          <p:cNvSpPr>
+            <a:spLocks noGrp="1"/>
+          </p:cNvSpPr>
+          <p:nvPr>
+            <p:ph idx="1"/>
+          </p:nvPr>
+        </p:nvSpPr>
+        <p:spPr>
+          <a:xfrm>
+            <a:off x="1143000" y="1200150"/>
+            <a:ext cx="6858000" cy="3943350"/>
+          </a:xfrm>
+        </p:spPr>
+        <p:txBody>
+          <a:bodyPr>
+            <a:noAutofit/>
+          </a:bodyPr>
+          <a:lstStyle/>
+          <a:p>
+            <a:pPr algn="ctr">
+              <a:buNone/>
+            </a:pPr>
+            <a:r>
+              <a:rPr lang="zh-TW" altLang="en-US" sz="4050" b="1" dirty="0">
+                <a:latin typeface="Microsoft JhengHei" panose="020B0604030504040204" pitchFamily="34" charset="-120"/>
+                <a:ea typeface="Microsoft JhengHei" panose="020B0604030504040204" pitchFamily="34" charset="-120"/>
+              </a:rPr>
+              <a:t>原來神是愛</a:t>
+            </a:r>
+            <a:endParaRPr lang="en-US" altLang="zh-TW" sz="4050" b="1" dirty="0">
+              <a:latin typeface="Microsoft JhengHei" panose="020B0604030504040204" pitchFamily="34" charset="-120"/>
+              <a:ea typeface="Microsoft JhengHei" panose="020B0604030504040204" pitchFamily="34" charset="-120"/>
+            </a:endParaRPr>
+          </a:p>
+          <a:p>
+            <a:pPr algn="ctr">
+              <a:buNone/>
+            </a:pPr>
+            <a:r>
+              <a:rPr lang="zh-TW" altLang="en-US" sz="4050" b="1" dirty="0">
+                <a:latin typeface="Microsoft JhengHei" panose="020B0604030504040204" pitchFamily="34" charset="-120"/>
+                <a:ea typeface="Microsoft JhengHei" panose="020B0604030504040204" pitchFamily="34" charset="-120"/>
+              </a:rPr>
+              <a:t>太初開始己是存在</a:t>
+            </a:r>
+            <a:endParaRPr lang="en-US" altLang="zh-TW" sz="4050" b="1" dirty="0">
+              <a:latin typeface="Microsoft JhengHei" panose="020B0604030504040204" pitchFamily="34" charset="-120"/>
+              <a:ea typeface="Microsoft JhengHei" panose="020B0604030504040204" pitchFamily="34" charset="-120"/>
+            </a:endParaRPr>
+          </a:p>
+          <a:p>
+            <a:pPr algn="ctr">
+              <a:buNone/>
+            </a:pPr>
+            <a:r>
+              <a:rPr lang="zh-TW" altLang="en-US" sz="4050" b="1" dirty="0">
+                <a:latin typeface="Microsoft JhengHei" panose="020B0604030504040204" pitchFamily="34" charset="-120"/>
+                <a:ea typeface="Microsoft JhengHei" panose="020B0604030504040204" pitchFamily="34" charset="-120"/>
+              </a:rPr>
+              <a:t>傳揚神是愛</a:t>
+            </a:r>
+            <a:endParaRPr lang="en-US" altLang="zh-TW" sz="4050" b="1" dirty="0">
+              <a:latin typeface="Microsoft JhengHei" panose="020B0604030504040204" pitchFamily="34" charset="-120"/>
+              <a:ea typeface="Microsoft JhengHei" panose="020B0604030504040204" pitchFamily="34" charset="-120"/>
+            </a:endParaRPr>
+          </a:p>
+          <a:p>
+            <a:pPr algn="ctr">
+              <a:buNone/>
+            </a:pPr>
+            <a:r>
+              <a:rPr lang="zh-TW" altLang="en-US" sz="4050" b="1" dirty="0">
+                <a:latin typeface="Microsoft JhengHei" panose="020B0604030504040204" pitchFamily="34" charset="-120"/>
+                <a:ea typeface="Microsoft JhengHei" panose="020B0604030504040204" pitchFamily="34" charset="-120"/>
+              </a:rPr>
+              <a:t>地老天荒不變不死的愛</a:t>
+            </a:r>
+          </a:p>
+        </p:txBody>
+      </p:sp>
+    </p:spTree>
+    <p:extLst>
+      <p:ext uri="{BB962C8B-B14F-4D97-AF65-F5344CB8AC3E}">
+        <p14:creationId xmlns:p14="http://schemas.microsoft.com/office/powerpoint/2010/main" val="3947718144"/>
+      </p:ext>
+    </p:extLst>
+  </p:cSld>
+  <p:clrMapOvr>
+    <a:masterClrMapping/>
+  </p:clrMapOvr>
+</p:sld>
+</file>
+
+<file path=ppt/slides/slide22.xml><?xml version="1.0" encoding="utf-8"?>
+<p:sld xmlns:a="http://schemas.openxmlformats.org/drawingml/2006/main" xmlns:r="http://schemas.openxmlformats.org/officeDocument/2006/relationships" xmlns:p="http://schemas.openxmlformats.org/presentationml/2006/main">
+  <p:cSld>
+    <p:spTree>
+      <p:nvGrpSpPr>
+        <p:cNvPr id="1" name=""/>
+        <p:cNvGrpSpPr/>
+        <p:nvPr/>
+      </p:nvGrpSpPr>
+      <p:grpSpPr>
+        <a:xfrm>
+          <a:off x="0" y="0"/>
+          <a:ext cx="0" cy="0"/>
+          <a:chOff x="0" y="0"/>
+          <a:chExt cx="0" cy="0"/>
+        </a:xfrm>
+      </p:grpSpPr>
+      <p:sp>
+        <p:nvSpPr>
+          <p:cNvPr id="4" name="標題 3"/>
+          <p:cNvSpPr>
+            <a:spLocks noGrp="1"/>
+          </p:cNvSpPr>
+          <p:nvPr>
+            <p:ph type="title"/>
+          </p:nvPr>
+        </p:nvSpPr>
+        <p:spPr/>
+        <p:txBody>
+          <a:bodyPr>
+            <a:normAutofit/>
+          </a:bodyPr>
+          <a:lstStyle/>
+          <a:p>
+            <a:r>
+              <a:rPr lang="zh-TW" altLang="en-US" sz="4000" b="1" dirty="0" smtClean="0">
+                <a:solidFill>
+                  <a:srgbClr val="000066"/>
+                </a:solidFill>
+                <a:latin typeface="微軟正黑體" pitchFamily="34" charset="-120"/>
+                <a:ea typeface="微軟正黑體" pitchFamily="34" charset="-120"/>
+              </a:rPr>
+              <a:t>讓</a:t>
+            </a:r>
+            <a:r>
+              <a:rPr lang="zh-TW" altLang="en-US" sz="4000" b="1" dirty="0">
+                <a:solidFill>
+                  <a:srgbClr val="000066"/>
+                </a:solidFill>
+                <a:latin typeface="微軟正黑體" pitchFamily="34" charset="-120"/>
+                <a:ea typeface="微軟正黑體" pitchFamily="34" charset="-120"/>
+              </a:rPr>
+              <a:t>我說聲謝謝你</a:t>
+            </a:r>
+          </a:p>
+        </p:txBody>
+      </p:sp>
+      <p:sp>
+        <p:nvSpPr>
+          <p:cNvPr id="5" name="內容版面配置區 4"/>
+          <p:cNvSpPr>
+            <a:spLocks noGrp="1"/>
+          </p:cNvSpPr>
+          <p:nvPr>
+            <p:ph idx="1"/>
+          </p:nvPr>
+        </p:nvSpPr>
+        <p:spPr/>
+        <p:txBody>
+          <a:bodyPr>
+            <a:noAutofit/>
+          </a:bodyPr>
+          <a:lstStyle/>
+          <a:p>
+            <a:pPr algn="ctr">
+              <a:buNone/>
+            </a:pPr>
+            <a:r>
+              <a:rPr lang="zh-TW" altLang="en-US" sz="4050" b="1" dirty="0">
+                <a:solidFill>
+                  <a:srgbClr val="000066"/>
+                </a:solidFill>
+                <a:latin typeface="微軟正黑體" pitchFamily="34" charset="-120"/>
+                <a:ea typeface="微軟正黑體" pitchFamily="34" charset="-120"/>
+              </a:rPr>
+              <a:t>還記得那一天我遇見你</a:t>
+            </a:r>
+            <a:endParaRPr lang="en-US" altLang="zh-TW" sz="4050" b="1" dirty="0">
+              <a:solidFill>
+                <a:srgbClr val="000066"/>
+              </a:solidFill>
+              <a:latin typeface="微軟正黑體" pitchFamily="34" charset="-120"/>
+              <a:ea typeface="微軟正黑體" pitchFamily="34" charset="-120"/>
+            </a:endParaRPr>
+          </a:p>
+          <a:p>
+            <a:pPr algn="ctr">
+              <a:buNone/>
+            </a:pPr>
+            <a:r>
+              <a:rPr lang="zh-TW" altLang="en-US" sz="4050" b="1" dirty="0">
+                <a:solidFill>
+                  <a:srgbClr val="000066"/>
+                </a:solidFill>
+                <a:latin typeface="微軟正黑體" pitchFamily="34" charset="-120"/>
+                <a:ea typeface="微軟正黑體" pitchFamily="34" charset="-120"/>
+              </a:rPr>
+              <a:t>你的真誠溫暖了我的心</a:t>
+            </a:r>
+            <a:endParaRPr lang="en-US" altLang="zh-TW" sz="4050" b="1" dirty="0">
+              <a:solidFill>
+                <a:srgbClr val="000066"/>
+              </a:solidFill>
+              <a:latin typeface="微軟正黑體" pitchFamily="34" charset="-120"/>
+              <a:ea typeface="微軟正黑體" pitchFamily="34" charset="-120"/>
+            </a:endParaRPr>
+          </a:p>
+          <a:p>
+            <a:pPr algn="ctr">
+              <a:buNone/>
+            </a:pPr>
+            <a:r>
+              <a:rPr lang="zh-TW" altLang="en-US" sz="4050" b="1" dirty="0">
+                <a:solidFill>
+                  <a:srgbClr val="000066"/>
+                </a:solidFill>
+                <a:latin typeface="微軟正黑體" pitchFamily="34" charset="-120"/>
+                <a:ea typeface="微軟正黑體" pitchFamily="34" charset="-120"/>
+              </a:rPr>
+              <a:t>生命中有了你  不再孤寂</a:t>
+            </a:r>
+            <a:endParaRPr lang="en-US" altLang="zh-TW" sz="4050" b="1" dirty="0">
+              <a:solidFill>
+                <a:srgbClr val="000066"/>
+              </a:solidFill>
+              <a:latin typeface="微軟正黑體" pitchFamily="34" charset="-120"/>
+              <a:ea typeface="微軟正黑體" pitchFamily="34" charset="-120"/>
+            </a:endParaRPr>
+          </a:p>
+          <a:p>
+            <a:pPr algn="ctr">
+              <a:buNone/>
+            </a:pPr>
+            <a:r>
+              <a:rPr lang="zh-TW" altLang="en-US" sz="4050" b="1" dirty="0">
+                <a:solidFill>
+                  <a:srgbClr val="000066"/>
+                </a:solidFill>
+                <a:latin typeface="微軟正黑體" pitchFamily="34" charset="-120"/>
+                <a:ea typeface="微軟正黑體" pitchFamily="34" charset="-120"/>
+              </a:rPr>
+              <a:t>讓我說一聲謝謝你</a:t>
+            </a:r>
+          </a:p>
+        </p:txBody>
+      </p:sp>
+    </p:spTree>
+    <p:extLst>
+      <p:ext uri="{BB962C8B-B14F-4D97-AF65-F5344CB8AC3E}">
+        <p14:creationId xmlns:p14="http://schemas.microsoft.com/office/powerpoint/2010/main" val="938237310"/>
+      </p:ext>
+    </p:extLst>
+  </p:cSld>
+  <p:clrMapOvr>
+    <a:masterClrMapping/>
+  </p:clrMapOvr>
+</p:sld>
+</file>
+
+<file path=ppt/slides/slide23.xml><?xml version="1.0" encoding="utf-8"?>
+<p:sld xmlns:a="http://schemas.openxmlformats.org/drawingml/2006/main" xmlns:r="http://schemas.openxmlformats.org/officeDocument/2006/relationships" xmlns:p="http://schemas.openxmlformats.org/presentationml/2006/main">
+  <p:cSld>
+    <p:spTree>
+      <p:nvGrpSpPr>
+        <p:cNvPr id="1" name=""/>
+        <p:cNvGrpSpPr/>
+        <p:nvPr/>
+      </p:nvGrpSpPr>
+      <p:grpSpPr>
+        <a:xfrm>
+          <a:off x="0" y="0"/>
+          <a:ext cx="0" cy="0"/>
+          <a:chOff x="0" y="0"/>
+          <a:chExt cx="0" cy="0"/>
+        </a:xfrm>
+      </p:grpSpPr>
+      <p:sp>
+        <p:nvSpPr>
+          <p:cNvPr id="4" name="標題 3"/>
+          <p:cNvSpPr>
+            <a:spLocks noGrp="1"/>
+          </p:cNvSpPr>
+          <p:nvPr>
+            <p:ph type="title"/>
+          </p:nvPr>
+        </p:nvSpPr>
+        <p:spPr/>
+        <p:txBody>
+          <a:bodyPr>
+            <a:normAutofit/>
+          </a:bodyPr>
+          <a:lstStyle/>
+          <a:p>
+            <a:r>
+              <a:rPr lang="zh-TW" altLang="en-US" sz="3600" b="1" dirty="0" smtClean="0">
+                <a:solidFill>
+                  <a:srgbClr val="000066"/>
+                </a:solidFill>
+                <a:latin typeface="微軟正黑體" pitchFamily="34" charset="-120"/>
+                <a:ea typeface="微軟正黑體" pitchFamily="34" charset="-120"/>
+              </a:rPr>
+              <a:t>讓</a:t>
+            </a:r>
+            <a:r>
+              <a:rPr lang="zh-TW" altLang="en-US" sz="3600" b="1" dirty="0">
+                <a:solidFill>
+                  <a:srgbClr val="000066"/>
+                </a:solidFill>
+                <a:latin typeface="微軟正黑體" pitchFamily="34" charset="-120"/>
+                <a:ea typeface="微軟正黑體" pitchFamily="34" charset="-120"/>
+              </a:rPr>
+              <a:t>我說聲謝謝你</a:t>
+            </a:r>
+          </a:p>
+        </p:txBody>
+      </p:sp>
+      <p:sp>
+        <p:nvSpPr>
+          <p:cNvPr id="5" name="內容版面配置區 4"/>
+          <p:cNvSpPr>
+            <a:spLocks noGrp="1"/>
+          </p:cNvSpPr>
+          <p:nvPr>
+            <p:ph idx="1"/>
+          </p:nvPr>
+        </p:nvSpPr>
+        <p:spPr/>
+        <p:txBody>
+          <a:bodyPr>
+            <a:noAutofit/>
+          </a:bodyPr>
+          <a:lstStyle/>
+          <a:p>
+            <a:pPr algn="ctr">
+              <a:buNone/>
+            </a:pPr>
+            <a:r>
+              <a:rPr lang="zh-TW" altLang="en-US" sz="4050" b="1" dirty="0">
+                <a:solidFill>
+                  <a:srgbClr val="000066"/>
+                </a:solidFill>
+                <a:latin typeface="微軟正黑體" pitchFamily="34" charset="-120"/>
+                <a:ea typeface="微軟正黑體" pitchFamily="34" charset="-120"/>
+              </a:rPr>
+              <a:t>謝謝你陪我一起 歡笑哭泣</a:t>
+            </a:r>
+            <a:endParaRPr lang="en-US" altLang="zh-TW" sz="4050" b="1" dirty="0">
+              <a:solidFill>
+                <a:srgbClr val="000066"/>
+              </a:solidFill>
+              <a:latin typeface="微軟正黑體" pitchFamily="34" charset="-120"/>
+              <a:ea typeface="微軟正黑體" pitchFamily="34" charset="-120"/>
+            </a:endParaRPr>
+          </a:p>
+          <a:p>
+            <a:pPr algn="ctr">
+              <a:buNone/>
+            </a:pPr>
+            <a:r>
+              <a:rPr lang="zh-TW" altLang="en-US" sz="4050" b="1" dirty="0">
+                <a:solidFill>
+                  <a:srgbClr val="000066"/>
+                </a:solidFill>
+                <a:latin typeface="微軟正黑體" pitchFamily="34" charset="-120"/>
+                <a:ea typeface="微軟正黑體" pitchFamily="34" charset="-120"/>
+              </a:rPr>
+              <a:t>一路上有你 </a:t>
+            </a:r>
+            <a:r>
+              <a:rPr lang="zh-TW" altLang="en-US" sz="4050" b="1" dirty="0">
+                <a:solidFill>
+                  <a:srgbClr val="000066"/>
+                </a:solidFill>
+                <a:latin typeface="微軟正黑體" pitchFamily="34" charset="-120"/>
+                <a:ea typeface="微軟正黑體" pitchFamily="34" charset="-120"/>
+              </a:rPr>
+              <a:t> 不</a:t>
+            </a:r>
+            <a:r>
+              <a:rPr lang="zh-TW" altLang="en-US" sz="4050" b="1" dirty="0">
+                <a:solidFill>
+                  <a:srgbClr val="000066"/>
+                </a:solidFill>
+                <a:latin typeface="微軟正黑體" pitchFamily="34" charset="-120"/>
+                <a:ea typeface="微軟正黑體" pitchFamily="34" charset="-120"/>
+              </a:rPr>
+              <a:t>灰心不放棄</a:t>
+            </a:r>
+            <a:endParaRPr lang="en-US" altLang="zh-TW" sz="4050" b="1" dirty="0">
+              <a:solidFill>
+                <a:srgbClr val="000066"/>
+              </a:solidFill>
+              <a:latin typeface="微軟正黑體" pitchFamily="34" charset="-120"/>
+              <a:ea typeface="微軟正黑體" pitchFamily="34" charset="-120"/>
+            </a:endParaRPr>
+          </a:p>
+          <a:p>
+            <a:pPr algn="ctr">
+              <a:buNone/>
+            </a:pPr>
+            <a:r>
+              <a:rPr lang="zh-TW" altLang="en-US" sz="4050" b="1" dirty="0">
+                <a:solidFill>
+                  <a:srgbClr val="000066"/>
+                </a:solidFill>
+                <a:latin typeface="微軟正黑體" pitchFamily="34" charset="-120"/>
+                <a:ea typeface="微軟正黑體" pitchFamily="34" charset="-120"/>
+              </a:rPr>
+              <a:t>手牽著手 </a:t>
+            </a:r>
+            <a:r>
+              <a:rPr lang="zh-TW" altLang="en-US" sz="4050" b="1" dirty="0">
+                <a:solidFill>
+                  <a:srgbClr val="000066"/>
+                </a:solidFill>
+                <a:latin typeface="微軟正黑體" pitchFamily="34" charset="-120"/>
+                <a:ea typeface="微軟正黑體" pitchFamily="34" charset="-120"/>
+              </a:rPr>
+              <a:t> 心</a:t>
+            </a:r>
+            <a:r>
+              <a:rPr lang="zh-TW" altLang="en-US" sz="4050" b="1" dirty="0">
+                <a:solidFill>
+                  <a:srgbClr val="000066"/>
+                </a:solidFill>
+                <a:latin typeface="微軟正黑體" pitchFamily="34" charset="-120"/>
+                <a:ea typeface="微軟正黑體" pitchFamily="34" charset="-120"/>
+              </a:rPr>
+              <a:t>連</a:t>
+            </a:r>
+            <a:r>
+              <a:rPr lang="zh-TW" altLang="en-US" sz="4050" b="1" dirty="0" smtClean="0">
+                <a:solidFill>
+                  <a:srgbClr val="000066"/>
+                </a:solidFill>
+                <a:latin typeface="微軟正黑體" pitchFamily="34" charset="-120"/>
+                <a:ea typeface="微軟正黑體" pitchFamily="34" charset="-120"/>
+              </a:rPr>
+              <a:t>心</a:t>
+            </a:r>
+            <a:r>
+              <a:rPr lang="en-US" altLang="zh-TW" sz="4050" b="1" dirty="0">
+                <a:solidFill>
+                  <a:srgbClr val="000066"/>
+                </a:solidFill>
+                <a:latin typeface="微軟正黑體" pitchFamily="34" charset="-120"/>
+                <a:ea typeface="微軟正黑體" pitchFamily="34" charset="-120"/>
+              </a:rPr>
+              <a:t> </a:t>
+            </a:r>
+            <a:r>
+              <a:rPr lang="en-US" altLang="zh-TW" sz="4050" b="1" dirty="0" smtClean="0">
+                <a:solidFill>
+                  <a:srgbClr val="000066"/>
+                </a:solidFill>
+                <a:latin typeface="微軟正黑體" pitchFamily="34" charset="-120"/>
+                <a:ea typeface="微軟正黑體" pitchFamily="34" charset="-120"/>
+              </a:rPr>
+              <a:t> </a:t>
+            </a:r>
+            <a:r>
+              <a:rPr lang="zh-TW" altLang="en-US" sz="4050" b="1" dirty="0" smtClean="0">
+                <a:solidFill>
+                  <a:srgbClr val="000066"/>
+                </a:solidFill>
+                <a:latin typeface="微軟正黑體" pitchFamily="34" charset="-120"/>
+                <a:ea typeface="微軟正黑體" pitchFamily="34" charset="-120"/>
+              </a:rPr>
+              <a:t>願</a:t>
+            </a:r>
+            <a:r>
+              <a:rPr lang="zh-TW" altLang="en-US" sz="4050" b="1" dirty="0">
+                <a:solidFill>
+                  <a:srgbClr val="000066"/>
+                </a:solidFill>
+                <a:latin typeface="微軟正黑體" pitchFamily="34" charset="-120"/>
+                <a:ea typeface="微軟正黑體" pitchFamily="34" charset="-120"/>
+              </a:rPr>
+              <a:t>主旨意</a:t>
+            </a:r>
+            <a:endParaRPr lang="en-US" altLang="zh-TW" sz="4050" b="1" dirty="0">
+              <a:solidFill>
+                <a:srgbClr val="000066"/>
+              </a:solidFill>
+              <a:latin typeface="微軟正黑體" pitchFamily="34" charset="-120"/>
+              <a:ea typeface="微軟正黑體" pitchFamily="34" charset="-120"/>
+            </a:endParaRPr>
+          </a:p>
+          <a:p>
+            <a:pPr algn="ctr">
+              <a:buNone/>
+            </a:pPr>
+            <a:r>
+              <a:rPr lang="zh-TW" altLang="en-US" sz="4050" b="1" dirty="0">
+                <a:solidFill>
+                  <a:srgbClr val="000066"/>
+                </a:solidFill>
+                <a:latin typeface="微軟正黑體" pitchFamily="34" charset="-120"/>
+                <a:ea typeface="微軟正黑體" pitchFamily="34" charset="-120"/>
+              </a:rPr>
+              <a:t>完全成就在你和我的生命</a:t>
+            </a:r>
+          </a:p>
+        </p:txBody>
+      </p:sp>
+    </p:spTree>
+    <p:extLst>
+      <p:ext uri="{BB962C8B-B14F-4D97-AF65-F5344CB8AC3E}">
+        <p14:creationId xmlns:p14="http://schemas.microsoft.com/office/powerpoint/2010/main" val="2368498799"/>
+      </p:ext>
+    </p:extLst>
+  </p:cSld>
+  <p:clrMapOvr>
+    <a:masterClrMapping/>
+  </p:clrMapOvr>
+</p:sld>
+</file>
+
+<file path=ppt/slides/slide24.xml><?xml version="1.0" encoding="utf-8"?>
+<p:sld xmlns:a="http://schemas.openxmlformats.org/drawingml/2006/main" xmlns:r="http://schemas.openxmlformats.org/officeDocument/2006/relationships" xmlns:p="http://schemas.openxmlformats.org/presentationml/2006/main">
+  <p:cSld>
+    <p:spTree>
+      <p:nvGrpSpPr>
+        <p:cNvPr id="1" name=""/>
+        <p:cNvGrpSpPr/>
+        <p:nvPr/>
+      </p:nvGrpSpPr>
+      <p:grpSpPr>
+        <a:xfrm>
+          <a:off x="0" y="0"/>
+          <a:ext cx="0" cy="0"/>
+          <a:chOff x="0" y="0"/>
+          <a:chExt cx="0" cy="0"/>
+        </a:xfrm>
+      </p:grpSpPr>
+      <p:sp>
+        <p:nvSpPr>
+          <p:cNvPr id="4" name="標題 3"/>
+          <p:cNvSpPr>
+            <a:spLocks noGrp="1"/>
+          </p:cNvSpPr>
+          <p:nvPr>
+            <p:ph type="title"/>
+          </p:nvPr>
+        </p:nvSpPr>
+        <p:spPr/>
+        <p:txBody>
+          <a:bodyPr>
+            <a:normAutofit/>
+          </a:bodyPr>
+          <a:lstStyle/>
+          <a:p>
+            <a:r>
+              <a:rPr lang="zh-TW" altLang="en-US" sz="4000" b="1" dirty="0" smtClean="0">
+                <a:solidFill>
+                  <a:srgbClr val="000066"/>
+                </a:solidFill>
+                <a:latin typeface="微軟正黑體" pitchFamily="34" charset="-120"/>
+                <a:ea typeface="微軟正黑體" pitchFamily="34" charset="-120"/>
+              </a:rPr>
+              <a:t>讓</a:t>
+            </a:r>
+            <a:r>
+              <a:rPr lang="zh-TW" altLang="en-US" sz="4000" b="1" dirty="0">
+                <a:solidFill>
+                  <a:srgbClr val="000066"/>
+                </a:solidFill>
+                <a:latin typeface="微軟正黑體" pitchFamily="34" charset="-120"/>
+                <a:ea typeface="微軟正黑體" pitchFamily="34" charset="-120"/>
+              </a:rPr>
+              <a:t>我說聲謝謝你</a:t>
+            </a:r>
+          </a:p>
+        </p:txBody>
+      </p:sp>
+      <p:sp>
+        <p:nvSpPr>
+          <p:cNvPr id="5" name="內容版面配置區 4"/>
+          <p:cNvSpPr>
+            <a:spLocks noGrp="1"/>
+          </p:cNvSpPr>
+          <p:nvPr>
+            <p:ph idx="1"/>
+          </p:nvPr>
+        </p:nvSpPr>
+        <p:spPr/>
+        <p:txBody>
+          <a:bodyPr>
+            <a:normAutofit/>
+          </a:bodyPr>
+          <a:lstStyle/>
+          <a:p>
+            <a:pPr algn="ctr">
+              <a:buNone/>
+            </a:pPr>
+            <a:r>
+              <a:rPr lang="zh-TW" altLang="en-US" sz="4050" b="1" dirty="0">
+                <a:solidFill>
+                  <a:srgbClr val="000066"/>
+                </a:solidFill>
+                <a:latin typeface="微軟正黑體" pitchFamily="34" charset="-120"/>
+                <a:ea typeface="微軟正黑體" pitchFamily="34" charset="-120"/>
+              </a:rPr>
+              <a:t>主的愛使我們 相知相惜</a:t>
+            </a:r>
+            <a:endParaRPr lang="en-US" altLang="zh-TW" sz="4050" b="1" dirty="0">
+              <a:solidFill>
+                <a:srgbClr val="000066"/>
+              </a:solidFill>
+              <a:latin typeface="微軟正黑體" pitchFamily="34" charset="-120"/>
+              <a:ea typeface="微軟正黑體" pitchFamily="34" charset="-120"/>
+            </a:endParaRPr>
+          </a:p>
+          <a:p>
+            <a:pPr algn="ctr">
+              <a:buNone/>
+            </a:pPr>
+            <a:r>
+              <a:rPr lang="zh-TW" altLang="en-US" sz="4050" b="1" dirty="0">
+                <a:solidFill>
+                  <a:srgbClr val="000066"/>
+                </a:solidFill>
+                <a:latin typeface="微軟正黑體" pitchFamily="34" charset="-120"/>
+                <a:ea typeface="微軟正黑體" pitchFamily="34" charset="-120"/>
+              </a:rPr>
+              <a:t>接納包容彼此許多不同</a:t>
+            </a:r>
+            <a:endParaRPr lang="en-US" altLang="zh-TW" sz="4050" b="1" dirty="0">
+              <a:solidFill>
+                <a:srgbClr val="000066"/>
+              </a:solidFill>
+              <a:latin typeface="微軟正黑體" pitchFamily="34" charset="-120"/>
+              <a:ea typeface="微軟正黑體" pitchFamily="34" charset="-120"/>
+            </a:endParaRPr>
+          </a:p>
+          <a:p>
+            <a:pPr algn="ctr">
+              <a:buNone/>
+            </a:pPr>
+            <a:r>
+              <a:rPr lang="zh-TW" altLang="en-US" sz="4050" b="1" dirty="0">
+                <a:solidFill>
+                  <a:srgbClr val="000066"/>
+                </a:solidFill>
+                <a:latin typeface="微軟正黑體" pitchFamily="34" charset="-120"/>
+                <a:ea typeface="微軟正黑體" pitchFamily="34" charset="-120"/>
+              </a:rPr>
+              <a:t>生命中有了你 </a:t>
+            </a:r>
+            <a:r>
+              <a:rPr lang="zh-TW" altLang="en-US" sz="4050" b="1" dirty="0">
+                <a:solidFill>
+                  <a:srgbClr val="000066"/>
+                </a:solidFill>
+                <a:latin typeface="微軟正黑體" pitchFamily="34" charset="-120"/>
+                <a:ea typeface="微軟正黑體" pitchFamily="34" charset="-120"/>
+              </a:rPr>
+              <a:t> 不</a:t>
+            </a:r>
+            <a:r>
+              <a:rPr lang="zh-TW" altLang="en-US" sz="4050" b="1" dirty="0">
+                <a:solidFill>
+                  <a:srgbClr val="000066"/>
+                </a:solidFill>
+                <a:latin typeface="微軟正黑體" pitchFamily="34" charset="-120"/>
+                <a:ea typeface="微軟正黑體" pitchFamily="34" charset="-120"/>
+              </a:rPr>
+              <a:t>再孤寂</a:t>
+            </a:r>
+            <a:endParaRPr lang="en-US" altLang="zh-TW" sz="4050" b="1" dirty="0">
+              <a:solidFill>
+                <a:srgbClr val="000066"/>
+              </a:solidFill>
+              <a:latin typeface="微軟正黑體" pitchFamily="34" charset="-120"/>
+              <a:ea typeface="微軟正黑體" pitchFamily="34" charset="-120"/>
+            </a:endParaRPr>
+          </a:p>
+          <a:p>
+            <a:pPr algn="ctr">
+              <a:buNone/>
+            </a:pPr>
+            <a:r>
+              <a:rPr lang="zh-TW" altLang="en-US" sz="4050" b="1" dirty="0">
+                <a:solidFill>
+                  <a:srgbClr val="000066"/>
+                </a:solidFill>
+                <a:latin typeface="微軟正黑體" pitchFamily="34" charset="-120"/>
+                <a:ea typeface="微軟正黑體" pitchFamily="34" charset="-120"/>
+              </a:rPr>
+              <a:t>讓我說聲謝謝你</a:t>
+            </a:r>
+          </a:p>
+        </p:txBody>
+      </p:sp>
+    </p:spTree>
+    <p:extLst>
+      <p:ext uri="{BB962C8B-B14F-4D97-AF65-F5344CB8AC3E}">
+        <p14:creationId xmlns:p14="http://schemas.microsoft.com/office/powerpoint/2010/main" val="3266951890"/>
+      </p:ext>
+    </p:extLst>
+  </p:cSld>
+  <p:clrMapOvr>
+    <a:masterClrMapping/>
+  </p:clrMapOvr>
+</p:sld>
+</file>
+
+<file path=ppt/slides/slide25.xml><?xml version="1.0" encoding="utf-8"?>
+<p:sld xmlns:a="http://schemas.openxmlformats.org/drawingml/2006/main" xmlns:r="http://schemas.openxmlformats.org/officeDocument/2006/relationships" xmlns:p="http://schemas.openxmlformats.org/presentationml/2006/main">
+  <p:cSld>
+    <p:spTree>
+      <p:nvGrpSpPr>
+        <p:cNvPr id="1" name=""/>
+        <p:cNvGrpSpPr/>
+        <p:nvPr/>
+      </p:nvGrpSpPr>
+      <p:grpSpPr>
+        <a:xfrm>
+          <a:off x="0" y="0"/>
+          <a:ext cx="0" cy="0"/>
+          <a:chOff x="0" y="0"/>
+          <a:chExt cx="0" cy="0"/>
+        </a:xfrm>
+      </p:grpSpPr>
+      <p:sp>
+        <p:nvSpPr>
+          <p:cNvPr id="4" name="標題 3"/>
+          <p:cNvSpPr>
+            <a:spLocks noGrp="1"/>
+          </p:cNvSpPr>
+          <p:nvPr>
+            <p:ph type="title"/>
+          </p:nvPr>
+        </p:nvSpPr>
+        <p:spPr/>
+        <p:txBody>
+          <a:bodyPr>
+            <a:normAutofit/>
+          </a:bodyPr>
+          <a:lstStyle/>
+          <a:p>
+            <a:r>
+              <a:rPr lang="zh-TW" altLang="en-US" sz="4000" b="1" dirty="0" smtClean="0">
+                <a:solidFill>
+                  <a:srgbClr val="000066"/>
+                </a:solidFill>
+                <a:latin typeface="微軟正黑體" pitchFamily="34" charset="-120"/>
+                <a:ea typeface="微軟正黑體" pitchFamily="34" charset="-120"/>
+              </a:rPr>
+              <a:t>讓</a:t>
+            </a:r>
+            <a:r>
+              <a:rPr lang="zh-TW" altLang="en-US" sz="4000" b="1" dirty="0">
+                <a:solidFill>
+                  <a:srgbClr val="000066"/>
+                </a:solidFill>
+                <a:latin typeface="微軟正黑體" pitchFamily="34" charset="-120"/>
+                <a:ea typeface="微軟正黑體" pitchFamily="34" charset="-120"/>
+              </a:rPr>
+              <a:t>我說聲謝謝你</a:t>
+            </a:r>
+          </a:p>
+        </p:txBody>
+      </p:sp>
+      <p:sp>
+        <p:nvSpPr>
+          <p:cNvPr id="5" name="內容版面配置區 4"/>
+          <p:cNvSpPr>
+            <a:spLocks noGrp="1"/>
+          </p:cNvSpPr>
+          <p:nvPr>
+            <p:ph idx="1"/>
+          </p:nvPr>
+        </p:nvSpPr>
+        <p:spPr/>
+        <p:txBody>
+          <a:bodyPr>
+            <a:noAutofit/>
+          </a:bodyPr>
+          <a:lstStyle/>
+          <a:p>
+            <a:pPr algn="ctr">
+              <a:buNone/>
+            </a:pPr>
+            <a:r>
+              <a:rPr lang="zh-TW" altLang="en-US" sz="4050" b="1" dirty="0">
+                <a:solidFill>
+                  <a:srgbClr val="000066"/>
+                </a:solidFill>
+                <a:latin typeface="微軟正黑體" pitchFamily="34" charset="-120"/>
+                <a:ea typeface="微軟正黑體" pitchFamily="34" charset="-120"/>
+              </a:rPr>
+              <a:t>謝謝你陪我一起 歡笑哭泣</a:t>
+            </a:r>
+            <a:endParaRPr lang="en-US" altLang="zh-TW" sz="4050" b="1" dirty="0">
+              <a:solidFill>
+                <a:srgbClr val="000066"/>
+              </a:solidFill>
+              <a:latin typeface="微軟正黑體" pitchFamily="34" charset="-120"/>
+              <a:ea typeface="微軟正黑體" pitchFamily="34" charset="-120"/>
+            </a:endParaRPr>
+          </a:p>
+          <a:p>
+            <a:pPr algn="ctr">
+              <a:buNone/>
+            </a:pPr>
+            <a:r>
+              <a:rPr lang="zh-TW" altLang="en-US" sz="4050" b="1" dirty="0">
+                <a:solidFill>
+                  <a:srgbClr val="000066"/>
+                </a:solidFill>
+                <a:latin typeface="微軟正黑體" pitchFamily="34" charset="-120"/>
+                <a:ea typeface="微軟正黑體" pitchFamily="34" charset="-120"/>
+              </a:rPr>
+              <a:t>一路上有你 </a:t>
+            </a:r>
+            <a:r>
+              <a:rPr lang="zh-TW" altLang="en-US" sz="4050" b="1" dirty="0">
+                <a:solidFill>
+                  <a:srgbClr val="000066"/>
+                </a:solidFill>
+                <a:latin typeface="微軟正黑體" pitchFamily="34" charset="-120"/>
+                <a:ea typeface="微軟正黑體" pitchFamily="34" charset="-120"/>
+              </a:rPr>
+              <a:t> 不</a:t>
+            </a:r>
+            <a:r>
+              <a:rPr lang="zh-TW" altLang="en-US" sz="4050" b="1" dirty="0">
+                <a:solidFill>
+                  <a:srgbClr val="000066"/>
+                </a:solidFill>
+                <a:latin typeface="微軟正黑體" pitchFamily="34" charset="-120"/>
+                <a:ea typeface="微軟正黑體" pitchFamily="34" charset="-120"/>
+              </a:rPr>
+              <a:t>灰心不放棄</a:t>
+            </a:r>
+            <a:endParaRPr lang="en-US" altLang="zh-TW" sz="4050" b="1" dirty="0">
+              <a:solidFill>
+                <a:srgbClr val="000066"/>
+              </a:solidFill>
+              <a:latin typeface="微軟正黑體" pitchFamily="34" charset="-120"/>
+              <a:ea typeface="微軟正黑體" pitchFamily="34" charset="-120"/>
+            </a:endParaRPr>
+          </a:p>
+          <a:p>
+            <a:pPr algn="ctr">
+              <a:buNone/>
+            </a:pPr>
+            <a:r>
+              <a:rPr lang="zh-TW" altLang="en-US" sz="4050" b="1" dirty="0">
+                <a:solidFill>
+                  <a:srgbClr val="000066"/>
+                </a:solidFill>
+                <a:latin typeface="微軟正黑體" pitchFamily="34" charset="-120"/>
+                <a:ea typeface="微軟正黑體" pitchFamily="34" charset="-120"/>
+              </a:rPr>
+              <a:t>手牽著手 </a:t>
+            </a:r>
+            <a:r>
+              <a:rPr lang="zh-TW" altLang="en-US" sz="4050" b="1" dirty="0">
+                <a:solidFill>
+                  <a:srgbClr val="000066"/>
+                </a:solidFill>
+                <a:latin typeface="微軟正黑體" pitchFamily="34" charset="-120"/>
+                <a:ea typeface="微軟正黑體" pitchFamily="34" charset="-120"/>
+              </a:rPr>
+              <a:t> 心</a:t>
+            </a:r>
+            <a:r>
+              <a:rPr lang="zh-TW" altLang="en-US" sz="4050" b="1" dirty="0">
+                <a:solidFill>
+                  <a:srgbClr val="000066"/>
+                </a:solidFill>
+                <a:latin typeface="微軟正黑體" pitchFamily="34" charset="-120"/>
+                <a:ea typeface="微軟正黑體" pitchFamily="34" charset="-120"/>
+              </a:rPr>
+              <a:t>連心</a:t>
+            </a:r>
+            <a:endParaRPr lang="en-US" altLang="zh-TW" sz="4050" b="1" dirty="0">
+              <a:solidFill>
+                <a:srgbClr val="000066"/>
+              </a:solidFill>
+              <a:latin typeface="微軟正黑體" pitchFamily="34" charset="-120"/>
+              <a:ea typeface="微軟正黑體" pitchFamily="34" charset="-120"/>
+            </a:endParaRPr>
+          </a:p>
+          <a:p>
+            <a:pPr algn="ctr">
+              <a:buNone/>
+            </a:pPr>
+            <a:r>
+              <a:rPr lang="zh-TW" altLang="en-US" sz="4050" b="1" dirty="0">
+                <a:solidFill>
+                  <a:srgbClr val="000066"/>
+                </a:solidFill>
+                <a:latin typeface="微軟正黑體" pitchFamily="34" charset="-120"/>
+                <a:ea typeface="微軟正黑體" pitchFamily="34" charset="-120"/>
+              </a:rPr>
+              <a:t>願主旨意</a:t>
+            </a:r>
+            <a:endParaRPr lang="en-US" altLang="zh-TW" sz="4050" b="1" dirty="0">
+              <a:solidFill>
+                <a:srgbClr val="000066"/>
+              </a:solidFill>
+              <a:latin typeface="微軟正黑體" pitchFamily="34" charset="-120"/>
+              <a:ea typeface="微軟正黑體" pitchFamily="34" charset="-120"/>
+            </a:endParaRPr>
+          </a:p>
+          <a:p>
+            <a:pPr algn="ctr">
+              <a:buNone/>
+            </a:pPr>
+            <a:r>
+              <a:rPr lang="zh-TW" altLang="en-US" sz="4050" b="1" dirty="0">
+                <a:solidFill>
+                  <a:srgbClr val="000066"/>
+                </a:solidFill>
+                <a:latin typeface="微軟正黑體" pitchFamily="34" charset="-120"/>
+                <a:ea typeface="微軟正黑體" pitchFamily="34" charset="-120"/>
+              </a:rPr>
+              <a:t>完全成就在你和我的生命</a:t>
+            </a:r>
+          </a:p>
+        </p:txBody>
+      </p:sp>
+    </p:spTree>
+    <p:extLst>
+      <p:ext uri="{BB962C8B-B14F-4D97-AF65-F5344CB8AC3E}">
+        <p14:creationId xmlns:p14="http://schemas.microsoft.com/office/powerpoint/2010/main" val="123171826"/>
       </p:ext>
     </p:extLst>
   </p:cSld>
@@ -3686,11 +6046,7 @@
           <a:p>
             <a:r>
               <a:rPr lang="en-US" sz="4000" b="1" dirty="0" smtClean="0"/>
-              <a:t>2</a:t>
-            </a:r>
-            <a:r>
-              <a:rPr lang="en-US" sz="4000" b="1" dirty="0" smtClean="0"/>
-              <a:t>.</a:t>
+              <a:t>2.</a:t>
             </a:r>
             <a:endParaRPr lang="vi-VN" sz="4000" b="1" dirty="0"/>
           </a:p>
@@ -3699,7 +6055,7 @@
     </p:spTree>
     <p:extLst>
       <p:ext uri="{BB962C8B-B14F-4D97-AF65-F5344CB8AC3E}">
-        <p14:creationId xmlns:p14="http://schemas.microsoft.com/office/powerpoint/2010/main" xmlns="" val="3165584832"/>
+        <p14:creationId xmlns:p14="http://schemas.microsoft.com/office/powerpoint/2010/main" val="3165584832"/>
       </p:ext>
     </p:extLst>
   </p:cSld>
@@ -3868,11 +6224,7 @@
           <a:p>
             <a:r>
               <a:rPr lang="en-US" sz="4000" b="1" dirty="0" smtClean="0"/>
-              <a:t>2</a:t>
-            </a:r>
-            <a:r>
-              <a:rPr lang="en-US" sz="4000" b="1" dirty="0" smtClean="0"/>
-              <a:t>.</a:t>
+              <a:t>2.</a:t>
             </a:r>
             <a:endParaRPr lang="vi-VN" sz="4000" b="1" dirty="0"/>
           </a:p>
@@ -3881,7 +6233,7 @@
     </p:spTree>
     <p:extLst>
       <p:ext uri="{BB962C8B-B14F-4D97-AF65-F5344CB8AC3E}">
-        <p14:creationId xmlns:p14="http://schemas.microsoft.com/office/powerpoint/2010/main" xmlns="" val="161943966"/>
+        <p14:creationId xmlns:p14="http://schemas.microsoft.com/office/powerpoint/2010/main" val="161943966"/>
       </p:ext>
     </p:extLst>
   </p:cSld>
@@ -4050,11 +6402,7 @@
           <a:p>
             <a:r>
               <a:rPr lang="en-US" sz="4000" b="1" dirty="0" smtClean="0"/>
-              <a:t>3</a:t>
-            </a:r>
-            <a:r>
-              <a:rPr lang="en-US" sz="4000" b="1" dirty="0" smtClean="0"/>
-              <a:t>.</a:t>
+              <a:t>3.</a:t>
             </a:r>
             <a:endParaRPr lang="vi-VN" sz="4000" b="1" dirty="0"/>
           </a:p>
@@ -4063,7 +6411,7 @@
     </p:spTree>
     <p:extLst>
       <p:ext uri="{BB962C8B-B14F-4D97-AF65-F5344CB8AC3E}">
-        <p14:creationId xmlns:p14="http://schemas.microsoft.com/office/powerpoint/2010/main" xmlns="" val="2173688353"/>
+        <p14:creationId xmlns:p14="http://schemas.microsoft.com/office/powerpoint/2010/main" val="2173688353"/>
       </p:ext>
     </p:extLst>
   </p:cSld>
@@ -4232,11 +6580,7 @@
           <a:p>
             <a:r>
               <a:rPr lang="en-US" sz="4000" b="1" dirty="0" smtClean="0"/>
-              <a:t>3</a:t>
-            </a:r>
-            <a:r>
-              <a:rPr lang="en-US" sz="4000" b="1" dirty="0" smtClean="0"/>
-              <a:t>.</a:t>
+              <a:t>3.</a:t>
             </a:r>
             <a:endParaRPr lang="vi-VN" sz="4000" b="1" dirty="0"/>
           </a:p>
@@ -4245,7 +6589,287 @@
     </p:spTree>
     <p:extLst>
       <p:ext uri="{BB962C8B-B14F-4D97-AF65-F5344CB8AC3E}">
-        <p14:creationId xmlns:p14="http://schemas.microsoft.com/office/powerpoint/2010/main" xmlns="" val="3745409086"/>
+        <p14:creationId xmlns:p14="http://schemas.microsoft.com/office/powerpoint/2010/main" val="3745409086"/>
+      </p:ext>
+    </p:extLst>
+  </p:cSld>
+  <p:clrMapOvr>
+    <a:masterClrMapping/>
+  </p:clrMapOvr>
+</p:sld>
+</file>
+
+<file path=ppt/slides/slide7.xml><?xml version="1.0" encoding="utf-8"?>
+<p:sld xmlns:a="http://schemas.openxmlformats.org/drawingml/2006/main" xmlns:r="http://schemas.openxmlformats.org/officeDocument/2006/relationships" xmlns:p="http://schemas.openxmlformats.org/presentationml/2006/main">
+  <p:cSld>
+    <p:spTree>
+      <p:nvGrpSpPr>
+        <p:cNvPr id="1" name=""/>
+        <p:cNvGrpSpPr/>
+        <p:nvPr/>
+      </p:nvGrpSpPr>
+      <p:grpSpPr>
+        <a:xfrm>
+          <a:off x="0" y="0"/>
+          <a:ext cx="0" cy="0"/>
+          <a:chOff x="0" y="0"/>
+          <a:chExt cx="0" cy="0"/>
+        </a:xfrm>
+      </p:grpSpPr>
+      <p:sp>
+        <p:nvSpPr>
+          <p:cNvPr id="4" name="標題 3"/>
+          <p:cNvSpPr>
+            <a:spLocks noGrp="1"/>
+          </p:cNvSpPr>
+          <p:nvPr>
+            <p:ph type="title"/>
+          </p:nvPr>
+        </p:nvSpPr>
+        <p:spPr>
+          <a:xfrm>
+            <a:off x="0" y="2143135"/>
+            <a:ext cx="9144000" cy="857250"/>
+          </a:xfrm>
+        </p:spPr>
+        <p:txBody>
+          <a:bodyPr>
+            <a:noAutofit/>
+          </a:bodyPr>
+          <a:lstStyle/>
+          <a:p>
+            <a:r>
+              <a:rPr lang="zh-CN" altLang="en-US" sz="5400" b="1" i="1" dirty="0">
+                <a:solidFill>
+                  <a:srgbClr val="000066"/>
+                </a:solidFill>
+                <a:effectLst>
+                  <a:outerShdw blurRad="38100" dist="38100" dir="2700000" algn="tl">
+                    <a:srgbClr val="000000">
+                      <a:alpha val="43137"/>
+                    </a:srgbClr>
+                  </a:outerShdw>
+                </a:effectLst>
+                <a:latin typeface="微軟正黑體" pitchFamily="34" charset="-120"/>
+                <a:ea typeface="微軟正黑體" pitchFamily="34" charset="-120"/>
+              </a:rPr>
+              <a:t>倚靠耶和華</a:t>
+            </a:r>
+            <a:endParaRPr lang="zh-TW" altLang="en-US" sz="5400" b="1" i="1" dirty="0">
+              <a:solidFill>
+                <a:srgbClr val="000066"/>
+              </a:solidFill>
+              <a:effectLst>
+                <a:outerShdw blurRad="38100" dist="38100" dir="2700000" algn="tl">
+                  <a:srgbClr val="000000">
+                    <a:alpha val="43137"/>
+                  </a:srgbClr>
+                </a:outerShdw>
+              </a:effectLst>
+              <a:latin typeface="微軟正黑體" pitchFamily="34" charset="-120"/>
+              <a:ea typeface="微軟正黑體" pitchFamily="34" charset="-120"/>
+            </a:endParaRPr>
+          </a:p>
+        </p:txBody>
+      </p:sp>
+    </p:spTree>
+    <p:extLst>
+      <p:ext uri="{BB962C8B-B14F-4D97-AF65-F5344CB8AC3E}">
+        <p14:creationId xmlns:p14="http://schemas.microsoft.com/office/powerpoint/2010/main" val="4048156359"/>
+      </p:ext>
+    </p:extLst>
+  </p:cSld>
+  <p:clrMapOvr>
+    <a:masterClrMapping/>
+  </p:clrMapOvr>
+</p:sld>
+</file>
+
+<file path=ppt/slides/slide8.xml><?xml version="1.0" encoding="utf-8"?>
+<p:sld xmlns:a="http://schemas.openxmlformats.org/drawingml/2006/main" xmlns:r="http://schemas.openxmlformats.org/officeDocument/2006/relationships" xmlns:p="http://schemas.openxmlformats.org/presentationml/2006/main">
+  <p:cSld>
+    <p:spTree>
+      <p:nvGrpSpPr>
+        <p:cNvPr id="1" name=""/>
+        <p:cNvGrpSpPr/>
+        <p:nvPr/>
+      </p:nvGrpSpPr>
+      <p:grpSpPr>
+        <a:xfrm>
+          <a:off x="0" y="0"/>
+          <a:ext cx="0" cy="0"/>
+          <a:chOff x="0" y="0"/>
+          <a:chExt cx="0" cy="0"/>
+        </a:xfrm>
+      </p:grpSpPr>
+      <p:sp>
+        <p:nvSpPr>
+          <p:cNvPr id="5" name="內容版面配置區 4"/>
+          <p:cNvSpPr>
+            <a:spLocks noGrp="1"/>
+          </p:cNvSpPr>
+          <p:nvPr>
+            <p:ph idx="1"/>
+          </p:nvPr>
+        </p:nvSpPr>
+        <p:spPr>
+          <a:xfrm>
+            <a:off x="0" y="1563639"/>
+            <a:ext cx="9144000" cy="1803647"/>
+          </a:xfrm>
+        </p:spPr>
+        <p:txBody>
+          <a:bodyPr anchor="ctr">
+            <a:normAutofit/>
+          </a:bodyPr>
+          <a:lstStyle/>
+          <a:p>
+            <a:pPr marL="0" indent="0" algn="ctr">
+              <a:buNone/>
+            </a:pPr>
+            <a:r>
+              <a:rPr lang="zh-TW" altLang="en-US" sz="4800" b="1" dirty="0">
+                <a:solidFill>
+                  <a:srgbClr val="000066"/>
+                </a:solidFill>
+                <a:latin typeface="Microsoft JhengHei" panose="020B0604030504040204" pitchFamily="34" charset="-120"/>
+                <a:ea typeface="Microsoft JhengHei" panose="020B0604030504040204" pitchFamily="34" charset="-120"/>
+              </a:rPr>
+              <a:t>回頭望我歲月匆匆</a:t>
+            </a:r>
+            <a:endParaRPr lang="en-US" altLang="zh-TW" sz="4800" b="1" dirty="0">
+              <a:solidFill>
+                <a:srgbClr val="000066"/>
+              </a:solidFill>
+              <a:latin typeface="Microsoft JhengHei" panose="020B0604030504040204" pitchFamily="34" charset="-120"/>
+              <a:ea typeface="Microsoft JhengHei" panose="020B0604030504040204" pitchFamily="34" charset="-120"/>
+            </a:endParaRPr>
+          </a:p>
+          <a:p>
+            <a:pPr marL="0" indent="0" algn="ctr">
+              <a:buNone/>
+            </a:pPr>
+            <a:r>
+              <a:rPr lang="zh-TW" altLang="en-US" sz="4800" b="1" dirty="0">
+                <a:solidFill>
+                  <a:srgbClr val="000066"/>
+                </a:solidFill>
+                <a:latin typeface="Microsoft JhengHei" panose="020B0604030504040204" pitchFamily="34" charset="-120"/>
+                <a:ea typeface="Microsoft JhengHei" panose="020B0604030504040204" pitchFamily="34" charset="-120"/>
+              </a:rPr>
+              <a:t>經過困境與浪濤</a:t>
+            </a:r>
+            <a:endParaRPr lang="en-US" altLang="zh-TW" sz="4800" b="1" dirty="0">
+              <a:solidFill>
+                <a:srgbClr val="000066"/>
+              </a:solidFill>
+              <a:latin typeface="Microsoft JhengHei" panose="020B0604030504040204" pitchFamily="34" charset="-120"/>
+              <a:ea typeface="Microsoft JhengHei" panose="020B0604030504040204" pitchFamily="34" charset="-120"/>
+            </a:endParaRPr>
+          </a:p>
+        </p:txBody>
+      </p:sp>
+    </p:spTree>
+    <p:extLst>
+      <p:ext uri="{BB962C8B-B14F-4D97-AF65-F5344CB8AC3E}">
+        <p14:creationId xmlns:p14="http://schemas.microsoft.com/office/powerpoint/2010/main" val="2356360480"/>
+      </p:ext>
+    </p:extLst>
+  </p:cSld>
+  <p:clrMapOvr>
+    <a:masterClrMapping/>
+  </p:clrMapOvr>
+</p:sld>
+</file>
+
+<file path=ppt/slides/slide9.xml><?xml version="1.0" encoding="utf-8"?>
+<p:sld xmlns:a="http://schemas.openxmlformats.org/drawingml/2006/main" xmlns:r="http://schemas.openxmlformats.org/officeDocument/2006/relationships" xmlns:p="http://schemas.openxmlformats.org/presentationml/2006/main">
+  <p:cSld>
+    <p:spTree>
+      <p:nvGrpSpPr>
+        <p:cNvPr id="1" name=""/>
+        <p:cNvGrpSpPr/>
+        <p:nvPr/>
+      </p:nvGrpSpPr>
+      <p:grpSpPr>
+        <a:xfrm>
+          <a:off x="0" y="0"/>
+          <a:ext cx="0" cy="0"/>
+          <a:chOff x="0" y="0"/>
+          <a:chExt cx="0" cy="0"/>
+        </a:xfrm>
+      </p:grpSpPr>
+      <p:sp>
+        <p:nvSpPr>
+          <p:cNvPr id="5" name="內容版面配置區 4"/>
+          <p:cNvSpPr>
+            <a:spLocks noGrp="1"/>
+          </p:cNvSpPr>
+          <p:nvPr>
+            <p:ph idx="1"/>
+          </p:nvPr>
+        </p:nvSpPr>
+        <p:spPr>
+          <a:xfrm>
+            <a:off x="0" y="1563639"/>
+            <a:ext cx="9144000" cy="1803647"/>
+          </a:xfrm>
+        </p:spPr>
+        <p:txBody>
+          <a:bodyPr anchor="ctr">
+            <a:normAutofit/>
+          </a:bodyPr>
+          <a:lstStyle/>
+          <a:p>
+            <a:pPr marL="0" indent="0" algn="ctr">
+              <a:buNone/>
+            </a:pPr>
+            <a:r>
+              <a:rPr lang="zh-TW" altLang="en-US" sz="4800" b="1" dirty="0">
+                <a:solidFill>
+                  <a:srgbClr val="000066"/>
+                </a:solidFill>
+                <a:latin typeface="Microsoft JhengHei" panose="020B0604030504040204" pitchFamily="34" charset="-120"/>
+                <a:ea typeface="Microsoft JhengHei" panose="020B0604030504040204" pitchFamily="34" charset="-120"/>
+              </a:rPr>
+              <a:t>倚靠耶和華重造新生命</a:t>
+            </a:r>
+            <a:endParaRPr lang="en-US" altLang="zh-TW" sz="4800" b="1" dirty="0">
+              <a:solidFill>
+                <a:srgbClr val="000066"/>
+              </a:solidFill>
+              <a:latin typeface="Microsoft JhengHei" panose="020B0604030504040204" pitchFamily="34" charset="-120"/>
+              <a:ea typeface="Microsoft JhengHei" panose="020B0604030504040204" pitchFamily="34" charset="-120"/>
+            </a:endParaRPr>
+          </a:p>
+          <a:p>
+            <a:pPr marL="0" indent="0" algn="ctr">
+              <a:buNone/>
+            </a:pPr>
+            <a:r>
+              <a:rPr lang="zh-TW" altLang="en-US" sz="4800" b="1" dirty="0">
+                <a:solidFill>
+                  <a:srgbClr val="000066"/>
+                </a:solidFill>
+                <a:latin typeface="Microsoft JhengHei" panose="020B0604030504040204" pitchFamily="34" charset="-120"/>
+                <a:ea typeface="Microsoft JhengHei" panose="020B0604030504040204" pitchFamily="34" charset="-120"/>
+              </a:rPr>
+              <a:t>重擔必卸開</a:t>
+            </a:r>
+            <a:endParaRPr lang="en-US" altLang="zh-TW" sz="4800" b="1" dirty="0">
+              <a:solidFill>
+                <a:srgbClr val="000066"/>
+              </a:solidFill>
+              <a:latin typeface="Microsoft JhengHei" panose="020B0604030504040204" pitchFamily="34" charset="-120"/>
+              <a:ea typeface="Microsoft JhengHei" panose="020B0604030504040204" pitchFamily="34" charset="-120"/>
+            </a:endParaRPr>
+          </a:p>
+        </p:txBody>
+      </p:sp>
+    </p:spTree>
+    <p:extLst>
+      <p:ext uri="{BB962C8B-B14F-4D97-AF65-F5344CB8AC3E}">
+        <p14:creationId xmlns:p14="http://schemas.microsoft.com/office/powerpoint/2010/main" val="3325784101"/>
       </p:ext>
     </p:extLst>
   </p:cSld>

--- a/2020/10月.pptx
+++ b/2020/10月.pptx
@@ -11,25 +11,6 @@
     <p:sldId id="259" r:id="rId5"/>
     <p:sldId id="260" r:id="rId6"/>
     <p:sldId id="261" r:id="rId7"/>
-    <p:sldId id="262" r:id="rId8"/>
-    <p:sldId id="263" r:id="rId9"/>
-    <p:sldId id="264" r:id="rId10"/>
-    <p:sldId id="265" r:id="rId11"/>
-    <p:sldId id="266" r:id="rId12"/>
-    <p:sldId id="267" r:id="rId13"/>
-    <p:sldId id="268" r:id="rId14"/>
-    <p:sldId id="269" r:id="rId15"/>
-    <p:sldId id="270" r:id="rId16"/>
-    <p:sldId id="271" r:id="rId17"/>
-    <p:sldId id="272" r:id="rId18"/>
-    <p:sldId id="273" r:id="rId19"/>
-    <p:sldId id="274" r:id="rId20"/>
-    <p:sldId id="275" r:id="rId21"/>
-    <p:sldId id="276" r:id="rId22"/>
-    <p:sldId id="277" r:id="rId23"/>
-    <p:sldId id="278" r:id="rId24"/>
-    <p:sldId id="279" r:id="rId25"/>
-    <p:sldId id="280" r:id="rId26"/>
   </p:sldIdLst>
   <p:sldSz cx="9144000" cy="5143500" type="screen16x9"/>
   <p:notesSz cx="6858000" cy="9144000"/>
@@ -130,7 +111,7 @@
   </p:defaultTextStyle>
   <p:extLst>
     <p:ext uri="{EFAFB233-063F-42B5-8137-9DF3F51BA10A}">
-      <p15:sldGuideLst xmlns:p15="http://schemas.microsoft.com/office/powerpoint/2012/main">
+      <p15:sldGuideLst xmlns="" xmlns:p15="http://schemas.microsoft.com/office/powerpoint/2012/main">
         <p15:guide id="1" orient="horz" pos="1620">
           <p15:clr>
             <a:srgbClr val="A4A3A4"/>
@@ -329,7 +310,7 @@
             <a:fld id="{4501EB18-C390-4468-93A4-92969EAFDCFE}" type="datetimeFigureOut">
               <a:rPr lang="en-US" smtClean="0"/>
               <a:pPr/>
-              <a:t>10/24/2020</a:t>
+              <a:t>10/25/2020</a:t>
             </a:fld>
             <a:endParaRPr lang="en-US"/>
           </a:p>
@@ -496,7 +477,7 @@
             <a:fld id="{4501EB18-C390-4468-93A4-92969EAFDCFE}" type="datetimeFigureOut">
               <a:rPr lang="en-US" smtClean="0"/>
               <a:pPr/>
-              <a:t>10/24/2020</a:t>
+              <a:t>10/25/2020</a:t>
             </a:fld>
             <a:endParaRPr lang="en-US"/>
           </a:p>
@@ -673,7 +654,7 @@
             <a:fld id="{4501EB18-C390-4468-93A4-92969EAFDCFE}" type="datetimeFigureOut">
               <a:rPr lang="en-US" smtClean="0"/>
               <a:pPr/>
-              <a:t>10/24/2020</a:t>
+              <a:t>10/25/2020</a:t>
             </a:fld>
             <a:endParaRPr lang="en-US"/>
           </a:p>
@@ -840,7 +821,7 @@
             <a:fld id="{4501EB18-C390-4468-93A4-92969EAFDCFE}" type="datetimeFigureOut">
               <a:rPr lang="en-US" smtClean="0"/>
               <a:pPr/>
-              <a:t>10/24/2020</a:t>
+              <a:t>10/25/2020</a:t>
             </a:fld>
             <a:endParaRPr lang="en-US"/>
           </a:p>
@@ -1083,7 +1064,7 @@
             <a:fld id="{4501EB18-C390-4468-93A4-92969EAFDCFE}" type="datetimeFigureOut">
               <a:rPr lang="en-US" smtClean="0"/>
               <a:pPr/>
-              <a:t>10/24/2020</a:t>
+              <a:t>10/25/2020</a:t>
             </a:fld>
             <a:endParaRPr lang="en-US"/>
           </a:p>
@@ -1368,7 +1349,7 @@
             <a:fld id="{4501EB18-C390-4468-93A4-92969EAFDCFE}" type="datetimeFigureOut">
               <a:rPr lang="en-US" smtClean="0"/>
               <a:pPr/>
-              <a:t>10/24/2020</a:t>
+              <a:t>10/25/2020</a:t>
             </a:fld>
             <a:endParaRPr lang="en-US"/>
           </a:p>
@@ -1787,7 +1768,7 @@
             <a:fld id="{4501EB18-C390-4468-93A4-92969EAFDCFE}" type="datetimeFigureOut">
               <a:rPr lang="en-US" smtClean="0"/>
               <a:pPr/>
-              <a:t>10/24/2020</a:t>
+              <a:t>10/25/2020</a:t>
             </a:fld>
             <a:endParaRPr lang="en-US"/>
           </a:p>
@@ -1902,7 +1883,7 @@
             <a:fld id="{4501EB18-C390-4468-93A4-92969EAFDCFE}" type="datetimeFigureOut">
               <a:rPr lang="en-US" smtClean="0"/>
               <a:pPr/>
-              <a:t>10/24/2020</a:t>
+              <a:t>10/25/2020</a:t>
             </a:fld>
             <a:endParaRPr lang="en-US"/>
           </a:p>
@@ -1994,7 +1975,7 @@
             <a:fld id="{4501EB18-C390-4468-93A4-92969EAFDCFE}" type="datetimeFigureOut">
               <a:rPr lang="en-US" smtClean="0"/>
               <a:pPr/>
-              <a:t>10/24/2020</a:t>
+              <a:t>10/25/2020</a:t>
             </a:fld>
             <a:endParaRPr lang="en-US"/>
           </a:p>
@@ -2268,7 +2249,7 @@
             <a:fld id="{4501EB18-C390-4468-93A4-92969EAFDCFE}" type="datetimeFigureOut">
               <a:rPr lang="en-US" smtClean="0"/>
               <a:pPr/>
-              <a:t>10/24/2020</a:t>
+              <a:t>10/25/2020</a:t>
             </a:fld>
             <a:endParaRPr lang="en-US"/>
           </a:p>
@@ -2522,7 +2503,7 @@
             <a:fld id="{4501EB18-C390-4468-93A4-92969EAFDCFE}" type="datetimeFigureOut">
               <a:rPr lang="en-US" smtClean="0"/>
               <a:pPr/>
-              <a:t>10/24/2020</a:t>
+              <a:t>10/25/2020</a:t>
             </a:fld>
             <a:endParaRPr lang="en-US"/>
           </a:p>
@@ -2737,7 +2718,7 @@
             <a:fld id="{4501EB18-C390-4468-93A4-92969EAFDCFE}" type="datetimeFigureOut">
               <a:rPr lang="en-US" smtClean="0"/>
               <a:pPr/>
-              <a:t>10/24/2020</a:t>
+              <a:t>10/25/2020</a:t>
             </a:fld>
             <a:endParaRPr lang="en-US"/>
           </a:p>
@@ -3315,1228 +3296,20 @@
     </p:spTree>
     <p:extLst>
       <p:ext uri="{BB962C8B-B14F-4D97-AF65-F5344CB8AC3E}">
-        <p14:creationId xmlns:p14="http://schemas.microsoft.com/office/powerpoint/2010/main" val="1775328135"/>
+        <p14:creationId xmlns="" xmlns:p14="http://schemas.microsoft.com/office/powerpoint/2010/main" val="1775328135"/>
       </p:ext>
     </p:extLst>
   </p:cSld>
   <p:clrMapOvr>
     <a:masterClrMapping/>
   </p:clrMapOvr>
-</p:sld>
-</file>
-
-<file path=ppt/slides/slide10.xml><?xml version="1.0" encoding="utf-8"?>
-<p:sld xmlns:a="http://schemas.openxmlformats.org/drawingml/2006/main" xmlns:r="http://schemas.openxmlformats.org/officeDocument/2006/relationships" xmlns:p="http://schemas.openxmlformats.org/presentationml/2006/main">
-  <p:cSld>
-    <p:spTree>
-      <p:nvGrpSpPr>
-        <p:cNvPr id="1" name=""/>
-        <p:cNvGrpSpPr/>
-        <p:nvPr/>
-      </p:nvGrpSpPr>
-      <p:grpSpPr>
-        <a:xfrm>
-          <a:off x="0" y="0"/>
-          <a:ext cx="0" cy="0"/>
-          <a:chOff x="0" y="0"/>
-          <a:chExt cx="0" cy="0"/>
-        </a:xfrm>
-      </p:grpSpPr>
-      <p:sp>
-        <p:nvSpPr>
-          <p:cNvPr id="5" name="內容版面配置區 4"/>
-          <p:cNvSpPr>
-            <a:spLocks noGrp="1"/>
-          </p:cNvSpPr>
-          <p:nvPr>
-            <p:ph idx="1"/>
-          </p:nvPr>
-        </p:nvSpPr>
-        <p:spPr>
-          <a:xfrm>
-            <a:off x="0" y="1563639"/>
-            <a:ext cx="9144000" cy="1803647"/>
-          </a:xfrm>
-        </p:spPr>
-        <p:txBody>
-          <a:bodyPr anchor="ctr">
-            <a:normAutofit/>
-          </a:bodyPr>
-          <a:lstStyle/>
-          <a:p>
-            <a:pPr marL="0" indent="0" algn="ctr">
-              <a:buNone/>
-            </a:pPr>
-            <a:r>
-              <a:rPr lang="zh-TW" altLang="en-US" sz="4800" b="1" dirty="0">
-                <a:solidFill>
-                  <a:srgbClr val="000066"/>
-                </a:solidFill>
-                <a:latin typeface="Microsoft JhengHei" panose="020B0604030504040204" pitchFamily="34" charset="-120"/>
-                <a:ea typeface="Microsoft JhengHei" panose="020B0604030504040204" pitchFamily="34" charset="-120"/>
-              </a:rPr>
-              <a:t>這一刻我縱是失意</a:t>
-            </a:r>
-            <a:endParaRPr lang="en-US" altLang="zh-TW" sz="4800" b="1" dirty="0">
-              <a:solidFill>
-                <a:srgbClr val="000066"/>
-              </a:solidFill>
-              <a:latin typeface="Microsoft JhengHei" panose="020B0604030504040204" pitchFamily="34" charset="-120"/>
-              <a:ea typeface="Microsoft JhengHei" panose="020B0604030504040204" pitchFamily="34" charset="-120"/>
-            </a:endParaRPr>
-          </a:p>
-          <a:p>
-            <a:pPr marL="0" indent="0" algn="ctr">
-              <a:buNone/>
-            </a:pPr>
-            <a:r>
-              <a:rPr lang="zh-TW" altLang="en-US" sz="4800" b="1" dirty="0">
-                <a:solidFill>
-                  <a:srgbClr val="000066"/>
-                </a:solidFill>
-                <a:latin typeface="Microsoft JhengHei" panose="020B0604030504040204" pitchFamily="34" charset="-120"/>
-                <a:ea typeface="Microsoft JhengHei" panose="020B0604030504040204" pitchFamily="34" charset="-120"/>
-              </a:rPr>
-              <a:t>失去平靜與安穩</a:t>
-            </a:r>
-            <a:endParaRPr lang="en-US" altLang="zh-TW" sz="4800" b="1" dirty="0">
-              <a:solidFill>
-                <a:srgbClr val="000066"/>
-              </a:solidFill>
-              <a:latin typeface="Microsoft JhengHei" panose="020B0604030504040204" pitchFamily="34" charset="-120"/>
-              <a:ea typeface="Microsoft JhengHei" panose="020B0604030504040204" pitchFamily="34" charset="-120"/>
-            </a:endParaRPr>
-          </a:p>
-        </p:txBody>
-      </p:sp>
-    </p:spTree>
-    <p:extLst>
-      <p:ext uri="{BB962C8B-B14F-4D97-AF65-F5344CB8AC3E}">
-        <p14:creationId xmlns:p14="http://schemas.microsoft.com/office/powerpoint/2010/main" val="446551072"/>
-      </p:ext>
-    </p:extLst>
-  </p:cSld>
-  <p:clrMapOvr>
-    <a:masterClrMapping/>
-  </p:clrMapOvr>
-</p:sld>
-</file>
-
-<file path=ppt/slides/slide11.xml><?xml version="1.0" encoding="utf-8"?>
-<p:sld xmlns:a="http://schemas.openxmlformats.org/drawingml/2006/main" xmlns:r="http://schemas.openxmlformats.org/officeDocument/2006/relationships" xmlns:p="http://schemas.openxmlformats.org/presentationml/2006/main">
-  <p:cSld>
-    <p:spTree>
-      <p:nvGrpSpPr>
-        <p:cNvPr id="1" name=""/>
-        <p:cNvGrpSpPr/>
-        <p:nvPr/>
-      </p:nvGrpSpPr>
-      <p:grpSpPr>
-        <a:xfrm>
-          <a:off x="0" y="0"/>
-          <a:ext cx="0" cy="0"/>
-          <a:chOff x="0" y="0"/>
-          <a:chExt cx="0" cy="0"/>
-        </a:xfrm>
-      </p:grpSpPr>
-      <p:sp>
-        <p:nvSpPr>
-          <p:cNvPr id="5" name="內容版面配置區 4"/>
-          <p:cNvSpPr>
-            <a:spLocks noGrp="1"/>
-          </p:cNvSpPr>
-          <p:nvPr>
-            <p:ph idx="1"/>
-          </p:nvPr>
-        </p:nvSpPr>
-        <p:spPr>
-          <a:xfrm>
-            <a:off x="0" y="1563639"/>
-            <a:ext cx="9144000" cy="1803647"/>
-          </a:xfrm>
-        </p:spPr>
-        <p:txBody>
-          <a:bodyPr anchor="ctr">
-            <a:normAutofit/>
-          </a:bodyPr>
-          <a:lstStyle/>
-          <a:p>
-            <a:pPr marL="0" indent="0" algn="ctr">
-              <a:buNone/>
-            </a:pPr>
-            <a:r>
-              <a:rPr lang="zh-TW" altLang="en-US" sz="4800" b="1" dirty="0">
-                <a:solidFill>
-                  <a:srgbClr val="000066"/>
-                </a:solidFill>
-                <a:latin typeface="Microsoft JhengHei" panose="020B0604030504040204" pitchFamily="34" charset="-120"/>
-                <a:ea typeface="Microsoft JhengHei" panose="020B0604030504040204" pitchFamily="34" charset="-120"/>
-              </a:rPr>
-              <a:t>倚靠耶和華</a:t>
-            </a:r>
-            <a:endParaRPr lang="en-US" altLang="zh-TW" sz="4800" b="1" dirty="0">
-              <a:solidFill>
-                <a:srgbClr val="000066"/>
-              </a:solidFill>
-              <a:latin typeface="Microsoft JhengHei" panose="020B0604030504040204" pitchFamily="34" charset="-120"/>
-              <a:ea typeface="Microsoft JhengHei" panose="020B0604030504040204" pitchFamily="34" charset="-120"/>
-            </a:endParaRPr>
-          </a:p>
-          <a:p>
-            <a:pPr marL="0" indent="0" algn="ctr">
-              <a:buNone/>
-            </a:pPr>
-            <a:r>
-              <a:rPr lang="zh-TW" altLang="en-US" sz="4800" b="1" dirty="0">
-                <a:solidFill>
-                  <a:srgbClr val="000066"/>
-                </a:solidFill>
-                <a:latin typeface="Microsoft JhengHei" panose="020B0604030504040204" pitchFamily="34" charset="-120"/>
-                <a:ea typeface="Microsoft JhengHei" panose="020B0604030504040204" pitchFamily="34" charset="-120"/>
-              </a:rPr>
-              <a:t>令擔子變輕省</a:t>
-            </a:r>
-            <a:endParaRPr lang="en-US" altLang="zh-TW" sz="4800" b="1" dirty="0">
-              <a:solidFill>
-                <a:srgbClr val="000066"/>
-              </a:solidFill>
-              <a:latin typeface="Microsoft JhengHei" panose="020B0604030504040204" pitchFamily="34" charset="-120"/>
-              <a:ea typeface="Microsoft JhengHei" panose="020B0604030504040204" pitchFamily="34" charset="-120"/>
-            </a:endParaRPr>
-          </a:p>
-        </p:txBody>
-      </p:sp>
-    </p:spTree>
-    <p:extLst>
-      <p:ext uri="{BB962C8B-B14F-4D97-AF65-F5344CB8AC3E}">
-        <p14:creationId xmlns:p14="http://schemas.microsoft.com/office/powerpoint/2010/main" val="1635999840"/>
-      </p:ext>
-    </p:extLst>
-  </p:cSld>
-  <p:clrMapOvr>
-    <a:masterClrMapping/>
-  </p:clrMapOvr>
-</p:sld>
-</file>
-
-<file path=ppt/slides/slide12.xml><?xml version="1.0" encoding="utf-8"?>
-<p:sld xmlns:a="http://schemas.openxmlformats.org/drawingml/2006/main" xmlns:r="http://schemas.openxmlformats.org/officeDocument/2006/relationships" xmlns:p="http://schemas.openxmlformats.org/presentationml/2006/main">
-  <p:cSld>
-    <p:spTree>
-      <p:nvGrpSpPr>
-        <p:cNvPr id="1" name=""/>
-        <p:cNvGrpSpPr/>
-        <p:nvPr/>
-      </p:nvGrpSpPr>
-      <p:grpSpPr>
-        <a:xfrm>
-          <a:off x="0" y="0"/>
-          <a:ext cx="0" cy="0"/>
-          <a:chOff x="0" y="0"/>
-          <a:chExt cx="0" cy="0"/>
-        </a:xfrm>
-      </p:grpSpPr>
-      <p:sp>
-        <p:nvSpPr>
-          <p:cNvPr id="5" name="內容版面配置區 4"/>
-          <p:cNvSpPr>
-            <a:spLocks noGrp="1"/>
-          </p:cNvSpPr>
-          <p:nvPr>
-            <p:ph idx="1"/>
-          </p:nvPr>
-        </p:nvSpPr>
-        <p:spPr>
-          <a:xfrm>
-            <a:off x="0" y="1563639"/>
-            <a:ext cx="9144000" cy="1803647"/>
-          </a:xfrm>
-        </p:spPr>
-        <p:txBody>
-          <a:bodyPr anchor="ctr">
-            <a:normAutofit/>
-          </a:bodyPr>
-          <a:lstStyle/>
-          <a:p>
-            <a:pPr marL="0" indent="0" algn="ctr">
-              <a:buNone/>
-            </a:pPr>
-            <a:r>
-              <a:rPr lang="zh-TW" altLang="en-US" sz="4800" b="1" dirty="0">
-                <a:solidFill>
-                  <a:srgbClr val="000066"/>
-                </a:solidFill>
-                <a:latin typeface="Microsoft JhengHei" panose="020B0604030504040204" pitchFamily="34" charset="-120"/>
-                <a:ea typeface="Microsoft JhengHei" panose="020B0604030504040204" pitchFamily="34" charset="-120"/>
-              </a:rPr>
-              <a:t>是</a:t>
-            </a:r>
-            <a:r>
-              <a:rPr lang="zh-CN" altLang="en-US" sz="4800" b="1" dirty="0">
-                <a:solidFill>
-                  <a:srgbClr val="000066"/>
-                </a:solidFill>
-                <a:latin typeface="Microsoft JhengHei" panose="020B0604030504040204" pitchFamily="34" charset="-120"/>
-                <a:ea typeface="Microsoft JhengHei" panose="020B0604030504040204" pitchFamily="34" charset="-120"/>
-              </a:rPr>
-              <a:t>袮</a:t>
-            </a:r>
-            <a:r>
-              <a:rPr lang="zh-TW" altLang="en-US" sz="4800" b="1" dirty="0">
-                <a:solidFill>
-                  <a:srgbClr val="000066"/>
-                </a:solidFill>
-                <a:latin typeface="Microsoft JhengHei" panose="020B0604030504040204" pitchFamily="34" charset="-120"/>
-                <a:ea typeface="Microsoft JhengHei" panose="020B0604030504040204" pitchFamily="34" charset="-120"/>
-              </a:rPr>
-              <a:t>的犧牲令我改變</a:t>
-            </a:r>
-            <a:endParaRPr lang="en-US" altLang="zh-TW" sz="4800" b="1" dirty="0">
-              <a:solidFill>
-                <a:srgbClr val="000066"/>
-              </a:solidFill>
-              <a:latin typeface="Microsoft JhengHei" panose="020B0604030504040204" pitchFamily="34" charset="-120"/>
-              <a:ea typeface="Microsoft JhengHei" panose="020B0604030504040204" pitchFamily="34" charset="-120"/>
-            </a:endParaRPr>
-          </a:p>
-          <a:p>
-            <a:pPr marL="0" indent="0" algn="ctr">
-              <a:buNone/>
-            </a:pPr>
-            <a:r>
-              <a:rPr lang="zh-TW" altLang="en-US" sz="4800" b="1" dirty="0">
-                <a:solidFill>
-                  <a:srgbClr val="000066"/>
-                </a:solidFill>
-                <a:latin typeface="Microsoft JhengHei" panose="020B0604030504040204" pitchFamily="34" charset="-120"/>
-                <a:ea typeface="Microsoft JhengHei" panose="020B0604030504040204" pitchFamily="34" charset="-120"/>
-              </a:rPr>
-              <a:t>是</a:t>
-            </a:r>
-            <a:r>
-              <a:rPr lang="zh-CN" altLang="en-US" sz="4800" b="1" dirty="0">
-                <a:solidFill>
-                  <a:srgbClr val="000066"/>
-                </a:solidFill>
-                <a:latin typeface="Microsoft JhengHei" panose="020B0604030504040204" pitchFamily="34" charset="-120"/>
-                <a:ea typeface="Microsoft JhengHei" panose="020B0604030504040204" pitchFamily="34" charset="-120"/>
-              </a:rPr>
-              <a:t>袮</a:t>
-            </a:r>
-            <a:r>
-              <a:rPr lang="zh-TW" altLang="en-US" sz="4800" b="1" dirty="0">
-                <a:solidFill>
-                  <a:srgbClr val="000066"/>
-                </a:solidFill>
-                <a:latin typeface="Microsoft JhengHei" panose="020B0604030504040204" pitchFamily="34" charset="-120"/>
-                <a:ea typeface="Microsoft JhengHei" panose="020B0604030504040204" pitchFamily="34" charset="-120"/>
-              </a:rPr>
-              <a:t>的恩典導我行</a:t>
-            </a:r>
-            <a:endParaRPr lang="en-US" altLang="zh-TW" sz="4800" b="1" dirty="0">
-              <a:solidFill>
-                <a:srgbClr val="000066"/>
-              </a:solidFill>
-              <a:latin typeface="Microsoft JhengHei" panose="020B0604030504040204" pitchFamily="34" charset="-120"/>
-              <a:ea typeface="Microsoft JhengHei" panose="020B0604030504040204" pitchFamily="34" charset="-120"/>
-            </a:endParaRPr>
-          </a:p>
-        </p:txBody>
-      </p:sp>
-    </p:spTree>
-    <p:extLst>
-      <p:ext uri="{BB962C8B-B14F-4D97-AF65-F5344CB8AC3E}">
-        <p14:creationId xmlns:p14="http://schemas.microsoft.com/office/powerpoint/2010/main" val="748289643"/>
-      </p:ext>
-    </p:extLst>
-  </p:cSld>
-  <p:clrMapOvr>
-    <a:masterClrMapping/>
-  </p:clrMapOvr>
-</p:sld>
-</file>
-
-<file path=ppt/slides/slide13.xml><?xml version="1.0" encoding="utf-8"?>
-<p:sld xmlns:a="http://schemas.openxmlformats.org/drawingml/2006/main" xmlns:r="http://schemas.openxmlformats.org/officeDocument/2006/relationships" xmlns:p="http://schemas.openxmlformats.org/presentationml/2006/main">
-  <p:cSld>
-    <p:spTree>
-      <p:nvGrpSpPr>
-        <p:cNvPr id="1" name=""/>
-        <p:cNvGrpSpPr/>
-        <p:nvPr/>
-      </p:nvGrpSpPr>
-      <p:grpSpPr>
-        <a:xfrm>
-          <a:off x="0" y="0"/>
-          <a:ext cx="0" cy="0"/>
-          <a:chOff x="0" y="0"/>
-          <a:chExt cx="0" cy="0"/>
-        </a:xfrm>
-      </p:grpSpPr>
-      <p:sp>
-        <p:nvSpPr>
-          <p:cNvPr id="5" name="內容版面配置區 4"/>
-          <p:cNvSpPr>
-            <a:spLocks noGrp="1"/>
-          </p:cNvSpPr>
-          <p:nvPr>
-            <p:ph idx="1"/>
-          </p:nvPr>
-        </p:nvSpPr>
-        <p:spPr>
-          <a:xfrm>
-            <a:off x="0" y="1563639"/>
-            <a:ext cx="9144000" cy="1803647"/>
-          </a:xfrm>
-        </p:spPr>
-        <p:txBody>
-          <a:bodyPr anchor="ctr">
-            <a:normAutofit/>
-          </a:bodyPr>
-          <a:lstStyle/>
-          <a:p>
-            <a:pPr marL="0" indent="0" algn="ctr">
-              <a:buNone/>
-            </a:pPr>
-            <a:r>
-              <a:rPr lang="zh-TW" altLang="en-US" sz="4800" b="1" dirty="0">
-                <a:solidFill>
-                  <a:srgbClr val="000066"/>
-                </a:solidFill>
-                <a:latin typeface="Microsoft JhengHei" panose="020B0604030504040204" pitchFamily="34" charset="-120"/>
-                <a:ea typeface="Microsoft JhengHei" panose="020B0604030504040204" pitchFamily="34" charset="-120"/>
-              </a:rPr>
-              <a:t>是</a:t>
-            </a:r>
-            <a:r>
-              <a:rPr lang="zh-CN" altLang="en-US" sz="4800" b="1" dirty="0">
-                <a:solidFill>
-                  <a:srgbClr val="000066"/>
-                </a:solidFill>
-                <a:latin typeface="Microsoft JhengHei" panose="020B0604030504040204" pitchFamily="34" charset="-120"/>
-                <a:ea typeface="Microsoft JhengHei" panose="020B0604030504040204" pitchFamily="34" charset="-120"/>
-              </a:rPr>
-              <a:t>袮</a:t>
-            </a:r>
-            <a:r>
-              <a:rPr lang="zh-TW" altLang="en-US" sz="4800" b="1" dirty="0">
-                <a:solidFill>
-                  <a:srgbClr val="000066"/>
-                </a:solidFill>
-                <a:latin typeface="Microsoft JhengHei" panose="020B0604030504040204" pitchFamily="34" charset="-120"/>
-                <a:ea typeface="Microsoft JhengHei" panose="020B0604030504040204" pitchFamily="34" charset="-120"/>
-              </a:rPr>
-              <a:t>的恩手伴我走過</a:t>
-            </a:r>
-            <a:endParaRPr lang="en-US" altLang="zh-TW" sz="4800" b="1" dirty="0">
-              <a:solidFill>
-                <a:srgbClr val="000066"/>
-              </a:solidFill>
-              <a:latin typeface="Microsoft JhengHei" panose="020B0604030504040204" pitchFamily="34" charset="-120"/>
-              <a:ea typeface="Microsoft JhengHei" panose="020B0604030504040204" pitchFamily="34" charset="-120"/>
-            </a:endParaRPr>
-          </a:p>
-          <a:p>
-            <a:pPr marL="0" indent="0" algn="ctr">
-              <a:buNone/>
-            </a:pPr>
-            <a:r>
-              <a:rPr lang="zh-TW" altLang="en-US" sz="4800" b="1" dirty="0">
-                <a:solidFill>
-                  <a:srgbClr val="000066"/>
-                </a:solidFill>
-                <a:latin typeface="Microsoft JhengHei" panose="020B0604030504040204" pitchFamily="34" charset="-120"/>
-                <a:ea typeface="Microsoft JhengHei" panose="020B0604030504040204" pitchFamily="34" charset="-120"/>
-              </a:rPr>
-              <a:t>是</a:t>
-            </a:r>
-            <a:r>
-              <a:rPr lang="zh-CN" altLang="en-US" sz="4800" b="1" dirty="0">
-                <a:solidFill>
-                  <a:srgbClr val="000066"/>
-                </a:solidFill>
-                <a:latin typeface="Microsoft JhengHei" panose="020B0604030504040204" pitchFamily="34" charset="-120"/>
-                <a:ea typeface="Microsoft JhengHei" panose="020B0604030504040204" pitchFamily="34" charset="-120"/>
-              </a:rPr>
-              <a:t>袮</a:t>
-            </a:r>
-            <a:r>
-              <a:rPr lang="zh-TW" altLang="en-US" sz="4800" b="1" dirty="0">
-                <a:solidFill>
-                  <a:srgbClr val="000066"/>
-                </a:solidFill>
-                <a:latin typeface="Microsoft JhengHei" panose="020B0604030504040204" pitchFamily="34" charset="-120"/>
-                <a:ea typeface="Microsoft JhengHei" panose="020B0604030504040204" pitchFamily="34" charset="-120"/>
-              </a:rPr>
-              <a:t>的深愛不捨不棄</a:t>
-            </a:r>
-            <a:endParaRPr lang="en-US" altLang="zh-TW" sz="4800" b="1" dirty="0">
-              <a:solidFill>
-                <a:srgbClr val="000066"/>
-              </a:solidFill>
-              <a:latin typeface="Microsoft JhengHei" panose="020B0604030504040204" pitchFamily="34" charset="-120"/>
-              <a:ea typeface="Microsoft JhengHei" panose="020B0604030504040204" pitchFamily="34" charset="-120"/>
-            </a:endParaRPr>
-          </a:p>
-        </p:txBody>
-      </p:sp>
-    </p:spTree>
-    <p:extLst>
-      <p:ext uri="{BB962C8B-B14F-4D97-AF65-F5344CB8AC3E}">
-        <p14:creationId xmlns:p14="http://schemas.microsoft.com/office/powerpoint/2010/main" val="2214601653"/>
-      </p:ext>
-    </p:extLst>
-  </p:cSld>
-  <p:clrMapOvr>
-    <a:masterClrMapping/>
-  </p:clrMapOvr>
-</p:sld>
-</file>
-
-<file path=ppt/slides/slide14.xml><?xml version="1.0" encoding="utf-8"?>
-<p:sld xmlns:a="http://schemas.openxmlformats.org/drawingml/2006/main" xmlns:r="http://schemas.openxmlformats.org/officeDocument/2006/relationships" xmlns:p="http://schemas.openxmlformats.org/presentationml/2006/main">
-  <p:cSld>
-    <p:spTree>
-      <p:nvGrpSpPr>
-        <p:cNvPr id="1" name=""/>
-        <p:cNvGrpSpPr/>
-        <p:nvPr/>
-      </p:nvGrpSpPr>
-      <p:grpSpPr>
-        <a:xfrm>
-          <a:off x="0" y="0"/>
-          <a:ext cx="0" cy="0"/>
-          <a:chOff x="0" y="0"/>
-          <a:chExt cx="0" cy="0"/>
-        </a:xfrm>
-      </p:grpSpPr>
-      <p:sp>
-        <p:nvSpPr>
-          <p:cNvPr id="5" name="內容版面配置區 4"/>
-          <p:cNvSpPr>
-            <a:spLocks noGrp="1"/>
-          </p:cNvSpPr>
-          <p:nvPr>
-            <p:ph idx="1"/>
-          </p:nvPr>
-        </p:nvSpPr>
-        <p:spPr>
-          <a:xfrm>
-            <a:off x="0" y="1563639"/>
-            <a:ext cx="9144000" cy="1803647"/>
-          </a:xfrm>
-        </p:spPr>
-        <p:txBody>
-          <a:bodyPr anchor="ctr">
-            <a:normAutofit/>
-          </a:bodyPr>
-          <a:lstStyle/>
-          <a:p>
-            <a:pPr marL="0" indent="0" algn="ctr">
-              <a:buNone/>
-            </a:pPr>
-            <a:r>
-              <a:rPr lang="zh-TW" altLang="en-US" sz="4800" b="1" dirty="0">
-                <a:solidFill>
-                  <a:srgbClr val="000066"/>
-                </a:solidFill>
-                <a:latin typeface="Microsoft JhengHei" panose="020B0604030504040204" pitchFamily="34" charset="-120"/>
-                <a:ea typeface="Microsoft JhengHei" panose="020B0604030504040204" pitchFamily="34" charset="-120"/>
-              </a:rPr>
-              <a:t>來日讓我仰賴應許</a:t>
-            </a:r>
-            <a:endParaRPr lang="en-US" altLang="zh-TW" sz="4800" b="1" dirty="0">
-              <a:solidFill>
-                <a:srgbClr val="000066"/>
-              </a:solidFill>
-              <a:latin typeface="Microsoft JhengHei" panose="020B0604030504040204" pitchFamily="34" charset="-120"/>
-              <a:ea typeface="Microsoft JhengHei" panose="020B0604030504040204" pitchFamily="34" charset="-120"/>
-            </a:endParaRPr>
-          </a:p>
-          <a:p>
-            <a:pPr marL="0" indent="0" algn="ctr">
-              <a:buNone/>
-            </a:pPr>
-            <a:r>
-              <a:rPr lang="zh-TW" altLang="en-US" sz="4800" b="1" dirty="0">
-                <a:solidFill>
-                  <a:srgbClr val="000066"/>
-                </a:solidFill>
-                <a:latin typeface="Microsoft JhengHei" panose="020B0604030504040204" pitchFamily="34" charset="-120"/>
-                <a:ea typeface="Microsoft JhengHei" panose="020B0604030504040204" pitchFamily="34" charset="-120"/>
-              </a:rPr>
-              <a:t>充滿能力與希望</a:t>
-            </a:r>
-            <a:endParaRPr lang="en-US" altLang="zh-TW" sz="4800" b="1" dirty="0">
-              <a:solidFill>
-                <a:srgbClr val="000066"/>
-              </a:solidFill>
-              <a:latin typeface="Microsoft JhengHei" panose="020B0604030504040204" pitchFamily="34" charset="-120"/>
-              <a:ea typeface="Microsoft JhengHei" panose="020B0604030504040204" pitchFamily="34" charset="-120"/>
-            </a:endParaRPr>
-          </a:p>
-        </p:txBody>
-      </p:sp>
-    </p:spTree>
-    <p:extLst>
-      <p:ext uri="{BB962C8B-B14F-4D97-AF65-F5344CB8AC3E}">
-        <p14:creationId xmlns:p14="http://schemas.microsoft.com/office/powerpoint/2010/main" val="568107215"/>
-      </p:ext>
-    </p:extLst>
-  </p:cSld>
-  <p:clrMapOvr>
-    <a:masterClrMapping/>
-  </p:clrMapOvr>
-</p:sld>
-</file>
-
-<file path=ppt/slides/slide15.xml><?xml version="1.0" encoding="utf-8"?>
-<p:sld xmlns:a="http://schemas.openxmlformats.org/drawingml/2006/main" xmlns:r="http://schemas.openxmlformats.org/officeDocument/2006/relationships" xmlns:p="http://schemas.openxmlformats.org/presentationml/2006/main">
-  <p:cSld>
-    <p:spTree>
-      <p:nvGrpSpPr>
-        <p:cNvPr id="1" name=""/>
-        <p:cNvGrpSpPr/>
-        <p:nvPr/>
-      </p:nvGrpSpPr>
-      <p:grpSpPr>
-        <a:xfrm>
-          <a:off x="0" y="0"/>
-          <a:ext cx="0" cy="0"/>
-          <a:chOff x="0" y="0"/>
-          <a:chExt cx="0" cy="0"/>
-        </a:xfrm>
-      </p:grpSpPr>
-      <p:sp>
-        <p:nvSpPr>
-          <p:cNvPr id="5" name="內容版面配置區 4"/>
-          <p:cNvSpPr>
-            <a:spLocks noGrp="1"/>
-          </p:cNvSpPr>
-          <p:nvPr>
-            <p:ph idx="1"/>
-          </p:nvPr>
-        </p:nvSpPr>
-        <p:spPr>
-          <a:xfrm>
-            <a:off x="0" y="1563639"/>
-            <a:ext cx="9144000" cy="1803647"/>
-          </a:xfrm>
-        </p:spPr>
-        <p:txBody>
-          <a:bodyPr anchor="ctr">
-            <a:normAutofit/>
-          </a:bodyPr>
-          <a:lstStyle/>
-          <a:p>
-            <a:pPr marL="0" indent="0" algn="ctr">
-              <a:buNone/>
-            </a:pPr>
-            <a:r>
-              <a:rPr lang="zh-TW" altLang="en-US" sz="4800" b="1" dirty="0">
-                <a:solidFill>
-                  <a:srgbClr val="000066"/>
-                </a:solidFill>
-                <a:latin typeface="Microsoft JhengHei" panose="020B0604030504040204" pitchFamily="34" charset="-120"/>
-                <a:ea typeface="Microsoft JhengHei" panose="020B0604030504040204" pitchFamily="34" charset="-120"/>
-              </a:rPr>
-              <a:t>倚靠耶和華伴我一世走過</a:t>
-            </a:r>
-            <a:endParaRPr lang="en-US" altLang="zh-TW" sz="4800" b="1" dirty="0">
-              <a:solidFill>
-                <a:srgbClr val="000066"/>
-              </a:solidFill>
-              <a:latin typeface="Microsoft JhengHei" panose="020B0604030504040204" pitchFamily="34" charset="-120"/>
-              <a:ea typeface="Microsoft JhengHei" panose="020B0604030504040204" pitchFamily="34" charset="-120"/>
-            </a:endParaRPr>
-          </a:p>
-        </p:txBody>
-      </p:sp>
-    </p:spTree>
-    <p:extLst>
-      <p:ext uri="{BB962C8B-B14F-4D97-AF65-F5344CB8AC3E}">
-        <p14:creationId xmlns:p14="http://schemas.microsoft.com/office/powerpoint/2010/main" val="765053641"/>
-      </p:ext>
-    </p:extLst>
-  </p:cSld>
-  <p:clrMapOvr>
-    <a:masterClrMapping/>
-  </p:clrMapOvr>
-</p:sld>
-</file>
-
-<file path=ppt/slides/slide16.xml><?xml version="1.0" encoding="utf-8"?>
-<p:sld xmlns:a="http://schemas.openxmlformats.org/drawingml/2006/main" xmlns:r="http://schemas.openxmlformats.org/officeDocument/2006/relationships" xmlns:p="http://schemas.openxmlformats.org/presentationml/2006/main">
-  <p:cSld>
-    <p:spTree>
-      <p:nvGrpSpPr>
-        <p:cNvPr id="1" name=""/>
-        <p:cNvGrpSpPr/>
-        <p:nvPr/>
-      </p:nvGrpSpPr>
-      <p:grpSpPr>
-        <a:xfrm>
-          <a:off x="0" y="0"/>
-          <a:ext cx="0" cy="0"/>
-          <a:chOff x="0" y="0"/>
-          <a:chExt cx="0" cy="0"/>
-        </a:xfrm>
-      </p:grpSpPr>
-      <p:sp>
-        <p:nvSpPr>
-          <p:cNvPr id="4" name="標題 3"/>
-          <p:cNvSpPr>
-            <a:spLocks noGrp="1"/>
-          </p:cNvSpPr>
-          <p:nvPr>
-            <p:ph type="title"/>
-          </p:nvPr>
-        </p:nvSpPr>
-        <p:spPr/>
-        <p:txBody>
-          <a:bodyPr>
-            <a:normAutofit/>
-          </a:bodyPr>
-          <a:lstStyle/>
-          <a:p>
-            <a:r>
-              <a:rPr lang="zh-TW" altLang="en-US" sz="3600" b="1" dirty="0">
-                <a:latin typeface="Microsoft JhengHei" panose="020B0604030504040204" pitchFamily="34" charset="-120"/>
-                <a:ea typeface="Microsoft JhengHei" panose="020B0604030504040204" pitchFamily="34" charset="-120"/>
-              </a:rPr>
-              <a:t>愛與被愛</a:t>
-            </a:r>
-            <a:endParaRPr lang="zh-TW" altLang="en-US" sz="3600" b="1" dirty="0">
-              <a:latin typeface="Microsoft JhengHei" panose="020B0604030504040204" pitchFamily="34" charset="-120"/>
-              <a:ea typeface="Microsoft JhengHei" panose="020B0604030504040204" pitchFamily="34" charset="-120"/>
-            </a:endParaRPr>
-          </a:p>
-        </p:txBody>
-      </p:sp>
-      <p:sp>
-        <p:nvSpPr>
-          <p:cNvPr id="5" name="內容版面配置區 4"/>
-          <p:cNvSpPr>
-            <a:spLocks noGrp="1"/>
-          </p:cNvSpPr>
-          <p:nvPr>
-            <p:ph idx="1"/>
-          </p:nvPr>
-        </p:nvSpPr>
-        <p:spPr>
-          <a:xfrm>
-            <a:off x="0" y="1200150"/>
-            <a:ext cx="9144000" cy="3943350"/>
-          </a:xfrm>
-        </p:spPr>
-        <p:txBody>
-          <a:bodyPr>
-            <a:noAutofit/>
-          </a:bodyPr>
-          <a:lstStyle/>
-          <a:p>
-            <a:pPr algn="ctr">
-              <a:buNone/>
-            </a:pPr>
-            <a:r>
-              <a:rPr lang="zh-TW" altLang="en-US" sz="4050" b="1" dirty="0">
-                <a:latin typeface="Microsoft JhengHei" panose="020B0604030504040204" pitchFamily="34" charset="-120"/>
-                <a:ea typeface="Microsoft JhengHei" panose="020B0604030504040204" pitchFamily="34" charset="-120"/>
-              </a:rPr>
-              <a:t>愛與被愛數不清的交織的網</a:t>
-            </a:r>
-            <a:endParaRPr lang="en-US" altLang="zh-TW" sz="4050" b="1" dirty="0">
-              <a:latin typeface="Microsoft JhengHei" panose="020B0604030504040204" pitchFamily="34" charset="-120"/>
-              <a:ea typeface="Microsoft JhengHei" panose="020B0604030504040204" pitchFamily="34" charset="-120"/>
-            </a:endParaRPr>
-          </a:p>
-          <a:p>
-            <a:pPr algn="ctr">
-              <a:buNone/>
-            </a:pPr>
-            <a:r>
-              <a:rPr lang="zh-TW" altLang="en-US" sz="4050" b="1" dirty="0">
-                <a:latin typeface="Microsoft JhengHei" panose="020B0604030504040204" pitchFamily="34" charset="-120"/>
-                <a:ea typeface="Microsoft JhengHei" panose="020B0604030504040204" pitchFamily="34" charset="-120"/>
-              </a:rPr>
-              <a:t>怎會教人說精采</a:t>
-            </a:r>
-            <a:endParaRPr lang="en-US" altLang="zh-TW" sz="4050" b="1" dirty="0">
-              <a:latin typeface="Microsoft JhengHei" panose="020B0604030504040204" pitchFamily="34" charset="-120"/>
-              <a:ea typeface="Microsoft JhengHei" panose="020B0604030504040204" pitchFamily="34" charset="-120"/>
-            </a:endParaRPr>
-          </a:p>
-          <a:p>
-            <a:pPr algn="ctr">
-              <a:buNone/>
-            </a:pPr>
-            <a:r>
-              <a:rPr lang="zh-TW" altLang="en-US" sz="4050" b="1" dirty="0">
-                <a:latin typeface="Microsoft JhengHei" panose="020B0604030504040204" pitchFamily="34" charset="-120"/>
-                <a:ea typeface="Microsoft JhengHei" panose="020B0604030504040204" pitchFamily="34" charset="-120"/>
-              </a:rPr>
-              <a:t>愛與被愛  真心真意珍惜珍貴</a:t>
-            </a:r>
-            <a:endParaRPr lang="en-US" altLang="zh-TW" sz="4050" b="1" dirty="0">
-              <a:latin typeface="Microsoft JhengHei" panose="020B0604030504040204" pitchFamily="34" charset="-120"/>
-              <a:ea typeface="Microsoft JhengHei" panose="020B0604030504040204" pitchFamily="34" charset="-120"/>
-            </a:endParaRPr>
-          </a:p>
-          <a:p>
-            <a:pPr algn="ctr">
-              <a:buNone/>
-            </a:pPr>
-            <a:r>
-              <a:rPr lang="zh-TW" altLang="en-US" sz="4050" b="1" dirty="0">
-                <a:latin typeface="Microsoft JhengHei" panose="020B0604030504040204" pitchFamily="34" charset="-120"/>
-                <a:ea typeface="Microsoft JhengHei" panose="020B0604030504040204" pitchFamily="34" charset="-120"/>
-              </a:rPr>
-              <a:t>只怕最難求是愛</a:t>
-            </a:r>
-          </a:p>
-        </p:txBody>
-      </p:sp>
-    </p:spTree>
-    <p:extLst>
-      <p:ext uri="{BB962C8B-B14F-4D97-AF65-F5344CB8AC3E}">
-        <p14:creationId xmlns:p14="http://schemas.microsoft.com/office/powerpoint/2010/main" val="2454955740"/>
-      </p:ext>
-    </p:extLst>
-  </p:cSld>
-  <p:clrMapOvr>
-    <a:masterClrMapping/>
-  </p:clrMapOvr>
-</p:sld>
-</file>
-
-<file path=ppt/slides/slide17.xml><?xml version="1.0" encoding="utf-8"?>
-<p:sld xmlns:a="http://schemas.openxmlformats.org/drawingml/2006/main" xmlns:r="http://schemas.openxmlformats.org/officeDocument/2006/relationships" xmlns:p="http://schemas.openxmlformats.org/presentationml/2006/main">
-  <p:cSld>
-    <p:spTree>
-      <p:nvGrpSpPr>
-        <p:cNvPr id="1" name=""/>
-        <p:cNvGrpSpPr/>
-        <p:nvPr/>
-      </p:nvGrpSpPr>
-      <p:grpSpPr>
-        <a:xfrm>
-          <a:off x="0" y="0"/>
-          <a:ext cx="0" cy="0"/>
-          <a:chOff x="0" y="0"/>
-          <a:chExt cx="0" cy="0"/>
-        </a:xfrm>
-      </p:grpSpPr>
-      <p:sp>
-        <p:nvSpPr>
-          <p:cNvPr id="4" name="標題 3"/>
-          <p:cNvSpPr>
-            <a:spLocks noGrp="1"/>
-          </p:cNvSpPr>
-          <p:nvPr>
-            <p:ph type="title"/>
-          </p:nvPr>
-        </p:nvSpPr>
-        <p:spPr/>
-        <p:txBody>
-          <a:bodyPr>
-            <a:normAutofit/>
-          </a:bodyPr>
-          <a:lstStyle/>
-          <a:p>
-            <a:r>
-              <a:rPr lang="zh-TW" altLang="en-US" sz="3600" b="1" dirty="0">
-                <a:latin typeface="Microsoft JhengHei" panose="020B0604030504040204" pitchFamily="34" charset="-120"/>
-                <a:ea typeface="Microsoft JhengHei" panose="020B0604030504040204" pitchFamily="34" charset="-120"/>
-              </a:rPr>
-              <a:t>愛與被愛</a:t>
-            </a:r>
-          </a:p>
-        </p:txBody>
-      </p:sp>
-      <p:sp>
-        <p:nvSpPr>
-          <p:cNvPr id="5" name="內容版面配置區 4"/>
-          <p:cNvSpPr>
-            <a:spLocks noGrp="1"/>
-          </p:cNvSpPr>
-          <p:nvPr>
-            <p:ph idx="1"/>
-          </p:nvPr>
-        </p:nvSpPr>
-        <p:spPr>
-          <a:xfrm>
-            <a:off x="1143000" y="1200150"/>
-            <a:ext cx="6858000" cy="3943350"/>
-          </a:xfrm>
-        </p:spPr>
-        <p:txBody>
-          <a:bodyPr>
-            <a:noAutofit/>
-          </a:bodyPr>
-          <a:lstStyle/>
-          <a:p>
-            <a:pPr algn="ctr">
-              <a:buNone/>
-            </a:pPr>
-            <a:r>
-              <a:rPr lang="zh-TW" altLang="en-US" sz="4050" b="1" dirty="0">
-                <a:latin typeface="Microsoft JhengHei" panose="020B0604030504040204" pitchFamily="34" charset="-120"/>
-                <a:ea typeface="Microsoft JhengHei" panose="020B0604030504040204" pitchFamily="34" charset="-120"/>
-              </a:rPr>
-              <a:t>哀傷裡尋到擁抱</a:t>
-            </a:r>
-            <a:endParaRPr lang="en-US" altLang="zh-TW" sz="4050" b="1" dirty="0">
-              <a:latin typeface="Microsoft JhengHei" panose="020B0604030504040204" pitchFamily="34" charset="-120"/>
-              <a:ea typeface="Microsoft JhengHei" panose="020B0604030504040204" pitchFamily="34" charset="-120"/>
-            </a:endParaRPr>
-          </a:p>
-          <a:p>
-            <a:pPr algn="ctr">
-              <a:buNone/>
-            </a:pPr>
-            <a:r>
-              <a:rPr lang="zh-TW" altLang="en-US" sz="4050" b="1" dirty="0">
-                <a:latin typeface="Microsoft JhengHei" panose="020B0604030504040204" pitchFamily="34" charset="-120"/>
-                <a:ea typeface="Microsoft JhengHei" panose="020B0604030504040204" pitchFamily="34" charset="-120"/>
-              </a:rPr>
-              <a:t>低谷裡能夠升高</a:t>
-            </a:r>
-            <a:endParaRPr lang="en-US" altLang="zh-TW" sz="4050" b="1" dirty="0">
-              <a:latin typeface="Microsoft JhengHei" panose="020B0604030504040204" pitchFamily="34" charset="-120"/>
-              <a:ea typeface="Microsoft JhengHei" panose="020B0604030504040204" pitchFamily="34" charset="-120"/>
-            </a:endParaRPr>
-          </a:p>
-          <a:p>
-            <a:pPr algn="ctr">
-              <a:buNone/>
-            </a:pPr>
-            <a:r>
-              <a:rPr lang="zh-TW" altLang="en-US" sz="4050" b="1" dirty="0">
-                <a:latin typeface="Microsoft JhengHei" panose="020B0604030504040204" pitchFamily="34" charset="-120"/>
-                <a:ea typeface="Microsoft JhengHei" panose="020B0604030504040204" pitchFamily="34" charset="-120"/>
-              </a:rPr>
-              <a:t>艱苦裡能同心禱告</a:t>
-            </a:r>
-            <a:endParaRPr lang="en-US" altLang="zh-TW" sz="4050" b="1" dirty="0">
-              <a:latin typeface="Microsoft JhengHei" panose="020B0604030504040204" pitchFamily="34" charset="-120"/>
-              <a:ea typeface="Microsoft JhengHei" panose="020B0604030504040204" pitchFamily="34" charset="-120"/>
-            </a:endParaRPr>
-          </a:p>
-          <a:p>
-            <a:pPr algn="ctr">
-              <a:buNone/>
-            </a:pPr>
-            <a:r>
-              <a:rPr lang="zh-TW" altLang="en-US" sz="4050" b="1" dirty="0">
-                <a:latin typeface="Microsoft JhengHei" panose="020B0604030504040204" pitchFamily="34" charset="-120"/>
-                <a:ea typeface="Microsoft JhengHei" panose="020B0604030504040204" pitchFamily="34" charset="-120"/>
-              </a:rPr>
-              <a:t>在跌倒時來鼓</a:t>
-            </a:r>
-            <a:r>
-              <a:rPr lang="zh-TW" altLang="en-US" sz="4050" b="1" dirty="0">
-                <a:latin typeface="Microsoft JhengHei" panose="020B0604030504040204" pitchFamily="34" charset="-120"/>
-                <a:ea typeface="Microsoft JhengHei" panose="020B0604030504040204" pitchFamily="34" charset="-120"/>
-              </a:rPr>
-              <a:t>舞</a:t>
-            </a:r>
-            <a:endParaRPr lang="zh-TW" altLang="en-US" sz="4050" b="1" dirty="0">
-              <a:latin typeface="Microsoft JhengHei" panose="020B0604030504040204" pitchFamily="34" charset="-120"/>
-              <a:ea typeface="Microsoft JhengHei" panose="020B0604030504040204" pitchFamily="34" charset="-120"/>
-            </a:endParaRPr>
-          </a:p>
-        </p:txBody>
-      </p:sp>
-    </p:spTree>
-    <p:extLst>
-      <p:ext uri="{BB962C8B-B14F-4D97-AF65-F5344CB8AC3E}">
-        <p14:creationId xmlns:p14="http://schemas.microsoft.com/office/powerpoint/2010/main" val="2641435686"/>
-      </p:ext>
-    </p:extLst>
-  </p:cSld>
-  <p:clrMapOvr>
-    <a:masterClrMapping/>
-  </p:clrMapOvr>
-</p:sld>
-</file>
-
-<file path=ppt/slides/slide18.xml><?xml version="1.0" encoding="utf-8"?>
-<p:sld xmlns:a="http://schemas.openxmlformats.org/drawingml/2006/main" xmlns:r="http://schemas.openxmlformats.org/officeDocument/2006/relationships" xmlns:p="http://schemas.openxmlformats.org/presentationml/2006/main">
-  <p:cSld>
-    <p:spTree>
-      <p:nvGrpSpPr>
-        <p:cNvPr id="1" name=""/>
-        <p:cNvGrpSpPr/>
-        <p:nvPr/>
-      </p:nvGrpSpPr>
-      <p:grpSpPr>
-        <a:xfrm>
-          <a:off x="0" y="0"/>
-          <a:ext cx="0" cy="0"/>
-          <a:chOff x="0" y="0"/>
-          <a:chExt cx="0" cy="0"/>
-        </a:xfrm>
-      </p:grpSpPr>
-      <p:sp>
-        <p:nvSpPr>
-          <p:cNvPr id="4" name="標題 3"/>
-          <p:cNvSpPr>
-            <a:spLocks noGrp="1"/>
-          </p:cNvSpPr>
-          <p:nvPr>
-            <p:ph type="title"/>
-          </p:nvPr>
-        </p:nvSpPr>
-        <p:spPr/>
-        <p:txBody>
-          <a:bodyPr>
-            <a:normAutofit/>
-          </a:bodyPr>
-          <a:lstStyle/>
-          <a:p>
-            <a:r>
-              <a:rPr lang="zh-TW" altLang="en-US" sz="3600" b="1" dirty="0">
-                <a:latin typeface="Microsoft JhengHei" panose="020B0604030504040204" pitchFamily="34" charset="-120"/>
-                <a:ea typeface="Microsoft JhengHei" panose="020B0604030504040204" pitchFamily="34" charset="-120"/>
-              </a:rPr>
-              <a:t>愛與被愛</a:t>
-            </a:r>
-          </a:p>
-        </p:txBody>
-      </p:sp>
-      <p:sp>
-        <p:nvSpPr>
-          <p:cNvPr id="5" name="內容版面配置區 4"/>
-          <p:cNvSpPr>
-            <a:spLocks noGrp="1"/>
-          </p:cNvSpPr>
-          <p:nvPr>
-            <p:ph idx="1"/>
-          </p:nvPr>
-        </p:nvSpPr>
-        <p:spPr>
-          <a:xfrm>
-            <a:off x="1143000" y="1200150"/>
-            <a:ext cx="6858000" cy="3943350"/>
-          </a:xfrm>
-        </p:spPr>
-        <p:txBody>
-          <a:bodyPr>
-            <a:noAutofit/>
-          </a:bodyPr>
-          <a:lstStyle/>
-          <a:p>
-            <a:pPr algn="ctr">
-              <a:buNone/>
-            </a:pPr>
-            <a:r>
-              <a:rPr lang="zh-TW" altLang="en-US" sz="4050" b="1" dirty="0">
-                <a:latin typeface="Microsoft JhengHei" panose="020B0604030504040204" pitchFamily="34" charset="-120"/>
-                <a:ea typeface="Microsoft JhengHei" panose="020B0604030504040204" pitchFamily="34" charset="-120"/>
-              </a:rPr>
-              <a:t>原來神是愛</a:t>
-            </a:r>
-            <a:endParaRPr lang="en-US" altLang="zh-TW" sz="4050" b="1" dirty="0">
-              <a:latin typeface="Microsoft JhengHei" panose="020B0604030504040204" pitchFamily="34" charset="-120"/>
-              <a:ea typeface="Microsoft JhengHei" panose="020B0604030504040204" pitchFamily="34" charset="-120"/>
-            </a:endParaRPr>
-          </a:p>
-          <a:p>
-            <a:pPr algn="ctr">
-              <a:buNone/>
-            </a:pPr>
-            <a:r>
-              <a:rPr lang="zh-TW" altLang="en-US" sz="4050" b="1" dirty="0">
-                <a:latin typeface="Microsoft JhengHei" panose="020B0604030504040204" pitchFamily="34" charset="-120"/>
-                <a:ea typeface="Microsoft JhengHei" panose="020B0604030504040204" pitchFamily="34" charset="-120"/>
-              </a:rPr>
-              <a:t>太初開始已是存在</a:t>
-            </a:r>
-            <a:endParaRPr lang="en-US" altLang="zh-TW" sz="4050" b="1" dirty="0">
-              <a:latin typeface="Microsoft JhengHei" panose="020B0604030504040204" pitchFamily="34" charset="-120"/>
-              <a:ea typeface="Microsoft JhengHei" panose="020B0604030504040204" pitchFamily="34" charset="-120"/>
-            </a:endParaRPr>
-          </a:p>
-          <a:p>
-            <a:pPr algn="ctr">
-              <a:buNone/>
-            </a:pPr>
-            <a:r>
-              <a:rPr lang="zh-TW" altLang="en-US" sz="4050" b="1" dirty="0">
-                <a:latin typeface="Microsoft JhengHei" panose="020B0604030504040204" pitchFamily="34" charset="-120"/>
-                <a:ea typeface="Microsoft JhengHei" panose="020B0604030504040204" pitchFamily="34" charset="-120"/>
-              </a:rPr>
-              <a:t>全憑神是愛</a:t>
-            </a:r>
-            <a:endParaRPr lang="en-US" altLang="zh-TW" sz="4050" b="1" dirty="0">
-              <a:latin typeface="Microsoft JhengHei" panose="020B0604030504040204" pitchFamily="34" charset="-120"/>
-              <a:ea typeface="Microsoft JhengHei" panose="020B0604030504040204" pitchFamily="34" charset="-120"/>
-            </a:endParaRPr>
-          </a:p>
-          <a:p>
-            <a:pPr algn="ctr">
-              <a:buNone/>
-            </a:pPr>
-            <a:r>
-              <a:rPr lang="zh-TW" altLang="en-US" sz="4050" b="1" dirty="0">
-                <a:latin typeface="Microsoft JhengHei" panose="020B0604030504040204" pitchFamily="34" charset="-120"/>
-                <a:ea typeface="Microsoft JhengHei" panose="020B0604030504040204" pitchFamily="34" charset="-120"/>
-              </a:rPr>
-              <a:t>護蔭一生使我空虛不再</a:t>
-            </a:r>
-          </a:p>
-        </p:txBody>
-      </p:sp>
-    </p:spTree>
-    <p:extLst>
-      <p:ext uri="{BB962C8B-B14F-4D97-AF65-F5344CB8AC3E}">
-        <p14:creationId xmlns:p14="http://schemas.microsoft.com/office/powerpoint/2010/main" val="4049016008"/>
-      </p:ext>
-    </p:extLst>
-  </p:cSld>
-  <p:clrMapOvr>
-    <a:masterClrMapping/>
-  </p:clrMapOvr>
-</p:sld>
-</file>
-
-<file path=ppt/slides/slide19.xml><?xml version="1.0" encoding="utf-8"?>
-<p:sld xmlns:a="http://schemas.openxmlformats.org/drawingml/2006/main" xmlns:r="http://schemas.openxmlformats.org/officeDocument/2006/relationships" xmlns:p="http://schemas.openxmlformats.org/presentationml/2006/main">
-  <p:cSld>
-    <p:spTree>
-      <p:nvGrpSpPr>
-        <p:cNvPr id="1" name=""/>
-        <p:cNvGrpSpPr/>
-        <p:nvPr/>
-      </p:nvGrpSpPr>
-      <p:grpSpPr>
-        <a:xfrm>
-          <a:off x="0" y="0"/>
-          <a:ext cx="0" cy="0"/>
-          <a:chOff x="0" y="0"/>
-          <a:chExt cx="0" cy="0"/>
-        </a:xfrm>
-      </p:grpSpPr>
-      <p:sp>
-        <p:nvSpPr>
-          <p:cNvPr id="4" name="標題 3"/>
-          <p:cNvSpPr>
-            <a:spLocks noGrp="1"/>
-          </p:cNvSpPr>
-          <p:nvPr>
-            <p:ph type="title"/>
-          </p:nvPr>
-        </p:nvSpPr>
-        <p:spPr/>
-        <p:txBody>
-          <a:bodyPr>
-            <a:normAutofit/>
-          </a:bodyPr>
-          <a:lstStyle/>
-          <a:p>
-            <a:r>
-              <a:rPr lang="zh-TW" altLang="en-US" sz="3600" b="1" dirty="0">
-                <a:latin typeface="Microsoft JhengHei" panose="020B0604030504040204" pitchFamily="34" charset="-120"/>
-                <a:ea typeface="Microsoft JhengHei" panose="020B0604030504040204" pitchFamily="34" charset="-120"/>
-              </a:rPr>
-              <a:t>愛與被愛</a:t>
-            </a:r>
-          </a:p>
-        </p:txBody>
-      </p:sp>
-      <p:sp>
-        <p:nvSpPr>
-          <p:cNvPr id="5" name="內容版面配置區 4"/>
-          <p:cNvSpPr>
-            <a:spLocks noGrp="1"/>
-          </p:cNvSpPr>
-          <p:nvPr>
-            <p:ph idx="1"/>
-          </p:nvPr>
-        </p:nvSpPr>
-        <p:spPr>
-          <a:xfrm>
-            <a:off x="1143000" y="1200150"/>
-            <a:ext cx="6858000" cy="3943350"/>
-          </a:xfrm>
-        </p:spPr>
-        <p:txBody>
-          <a:bodyPr>
-            <a:noAutofit/>
-          </a:bodyPr>
-          <a:lstStyle/>
-          <a:p>
-            <a:pPr algn="ctr">
-              <a:buNone/>
-            </a:pPr>
-            <a:r>
-              <a:rPr lang="zh-TW" altLang="en-US" sz="4050" b="1" dirty="0">
-                <a:latin typeface="Microsoft JhengHei" panose="020B0604030504040204" pitchFamily="34" charset="-120"/>
-                <a:ea typeface="Microsoft JhengHei" panose="020B0604030504040204" pitchFamily="34" charset="-120"/>
-              </a:rPr>
-              <a:t>為我擦亮眼曉得愛與被愛</a:t>
-            </a:r>
-            <a:endParaRPr lang="en-US" altLang="zh-TW" sz="4050" b="1" dirty="0">
-              <a:latin typeface="Microsoft JhengHei" panose="020B0604030504040204" pitchFamily="34" charset="-120"/>
-              <a:ea typeface="Microsoft JhengHei" panose="020B0604030504040204" pitchFamily="34" charset="-120"/>
-            </a:endParaRPr>
-          </a:p>
-          <a:p>
-            <a:pPr algn="ctr">
-              <a:buNone/>
-            </a:pPr>
-            <a:r>
-              <a:rPr lang="zh-TW" altLang="en-US" sz="4050" b="1" dirty="0">
-                <a:latin typeface="Microsoft JhengHei" panose="020B0604030504040204" pitchFamily="34" charset="-120"/>
-                <a:ea typeface="Microsoft JhengHei" panose="020B0604030504040204" pitchFamily="34" charset="-120"/>
-              </a:rPr>
-              <a:t>這種感覺極期待</a:t>
-            </a:r>
-            <a:endParaRPr lang="en-US" altLang="zh-TW" sz="4050" b="1" dirty="0">
-              <a:latin typeface="Microsoft JhengHei" panose="020B0604030504040204" pitchFamily="34" charset="-120"/>
-              <a:ea typeface="Microsoft JhengHei" panose="020B0604030504040204" pitchFamily="34" charset="-120"/>
-            </a:endParaRPr>
-          </a:p>
-          <a:p>
-            <a:pPr algn="ctr">
-              <a:buNone/>
-            </a:pPr>
-            <a:r>
-              <a:rPr lang="zh-TW" altLang="en-US" sz="4050" b="1" dirty="0">
-                <a:latin typeface="Microsoft JhengHei" panose="020B0604030504040204" pitchFamily="34" charset="-120"/>
-                <a:ea typeface="Microsoft JhengHei" panose="020B0604030504040204" pitchFamily="34" charset="-120"/>
-              </a:rPr>
-              <a:t>用愛照亮我  福杯滿滿盛載</a:t>
-            </a:r>
-            <a:endParaRPr lang="en-US" altLang="zh-TW" sz="4050" b="1" dirty="0">
-              <a:latin typeface="Microsoft JhengHei" panose="020B0604030504040204" pitchFamily="34" charset="-120"/>
-              <a:ea typeface="Microsoft JhengHei" panose="020B0604030504040204" pitchFamily="34" charset="-120"/>
-            </a:endParaRPr>
-          </a:p>
-          <a:p>
-            <a:pPr algn="ctr">
-              <a:buNone/>
-            </a:pPr>
-            <a:r>
-              <a:rPr lang="zh-TW" altLang="en-US" sz="4050" b="1" dirty="0">
-                <a:latin typeface="Microsoft JhengHei" panose="020B0604030504040204" pitchFamily="34" charset="-120"/>
-                <a:ea typeface="Microsoft JhengHei" panose="020B0604030504040204" pitchFamily="34" charset="-120"/>
-              </a:rPr>
-              <a:t>豐盛無更改</a:t>
-            </a:r>
-          </a:p>
-        </p:txBody>
-      </p:sp>
-    </p:spTree>
-    <p:extLst>
-      <p:ext uri="{BB962C8B-B14F-4D97-AF65-F5344CB8AC3E}">
-        <p14:creationId xmlns:p14="http://schemas.microsoft.com/office/powerpoint/2010/main" val="843703002"/>
-      </p:ext>
-    </p:extLst>
-  </p:cSld>
-  <p:clrMapOvr>
-    <a:masterClrMapping/>
-  </p:clrMapOvr>
+  <p:timing>
+    <p:tnLst>
+      <p:par>
+        <p:cTn id="1" dur="indefinite" restart="never" nodeType="tmRoot"/>
+      </p:par>
+    </p:tnLst>
+  </p:timing>
 </p:sld>
 </file>
 
@@ -4751,1139 +3524,20 @@
     </p:spTree>
     <p:extLst>
       <p:ext uri="{BB962C8B-B14F-4D97-AF65-F5344CB8AC3E}">
-        <p14:creationId xmlns:p14="http://schemas.microsoft.com/office/powerpoint/2010/main" val="4236187753"/>
+        <p14:creationId xmlns="" xmlns:p14="http://schemas.microsoft.com/office/powerpoint/2010/main" val="4236187753"/>
       </p:ext>
     </p:extLst>
   </p:cSld>
   <p:clrMapOvr>
     <a:masterClrMapping/>
   </p:clrMapOvr>
-</p:sld>
-</file>
-
-<file path=ppt/slides/slide20.xml><?xml version="1.0" encoding="utf-8"?>
-<p:sld xmlns:a="http://schemas.openxmlformats.org/drawingml/2006/main" xmlns:r="http://schemas.openxmlformats.org/officeDocument/2006/relationships" xmlns:p="http://schemas.openxmlformats.org/presentationml/2006/main">
-  <p:cSld>
-    <p:spTree>
-      <p:nvGrpSpPr>
-        <p:cNvPr id="1" name=""/>
-        <p:cNvGrpSpPr/>
-        <p:nvPr/>
-      </p:nvGrpSpPr>
-      <p:grpSpPr>
-        <a:xfrm>
-          <a:off x="0" y="0"/>
-          <a:ext cx="0" cy="0"/>
-          <a:chOff x="0" y="0"/>
-          <a:chExt cx="0" cy="0"/>
-        </a:xfrm>
-      </p:grpSpPr>
-      <p:sp>
-        <p:nvSpPr>
-          <p:cNvPr id="4" name="標題 3"/>
-          <p:cNvSpPr>
-            <a:spLocks noGrp="1"/>
-          </p:cNvSpPr>
-          <p:nvPr>
-            <p:ph type="title"/>
-          </p:nvPr>
-        </p:nvSpPr>
-        <p:spPr/>
-        <p:txBody>
-          <a:bodyPr/>
-          <a:lstStyle/>
-          <a:p>
-            <a:r>
-              <a:rPr lang="zh-TW" altLang="en-US" sz="3600" b="1" dirty="0">
-                <a:latin typeface="Microsoft JhengHei" panose="020B0604030504040204" pitchFamily="34" charset="-120"/>
-                <a:ea typeface="Microsoft JhengHei" panose="020B0604030504040204" pitchFamily="34" charset="-120"/>
-              </a:rPr>
-              <a:t>愛與被愛</a:t>
-            </a:r>
-          </a:p>
-        </p:txBody>
-      </p:sp>
-      <p:sp>
-        <p:nvSpPr>
-          <p:cNvPr id="5" name="內容版面配置區 4"/>
-          <p:cNvSpPr>
-            <a:spLocks noGrp="1"/>
-          </p:cNvSpPr>
-          <p:nvPr>
-            <p:ph idx="1"/>
-          </p:nvPr>
-        </p:nvSpPr>
-        <p:spPr>
-          <a:xfrm>
-            <a:off x="1143000" y="1200150"/>
-            <a:ext cx="6858000" cy="3943350"/>
-          </a:xfrm>
-        </p:spPr>
-        <p:txBody>
-          <a:bodyPr>
-            <a:noAutofit/>
-          </a:bodyPr>
-          <a:lstStyle/>
-          <a:p>
-            <a:pPr algn="ctr">
-              <a:buNone/>
-            </a:pPr>
-            <a:r>
-              <a:rPr lang="zh-TW" altLang="en-US" sz="4050" b="1" dirty="0">
-                <a:latin typeface="Microsoft JhengHei" panose="020B0604030504040204" pitchFamily="34" charset="-120"/>
-                <a:ea typeface="Microsoft JhengHei" panose="020B0604030504040204" pitchFamily="34" charset="-120"/>
-              </a:rPr>
-              <a:t>原來神是愛</a:t>
-            </a:r>
-            <a:endParaRPr lang="en-US" altLang="zh-TW" sz="4050" b="1" dirty="0">
-              <a:latin typeface="Microsoft JhengHei" panose="020B0604030504040204" pitchFamily="34" charset="-120"/>
-              <a:ea typeface="Microsoft JhengHei" panose="020B0604030504040204" pitchFamily="34" charset="-120"/>
-            </a:endParaRPr>
-          </a:p>
-          <a:p>
-            <a:pPr algn="ctr">
-              <a:buNone/>
-            </a:pPr>
-            <a:r>
-              <a:rPr lang="zh-TW" altLang="en-US" sz="4050" b="1" dirty="0">
-                <a:latin typeface="Microsoft JhengHei" panose="020B0604030504040204" pitchFamily="34" charset="-120"/>
-                <a:ea typeface="Microsoft JhengHei" panose="020B0604030504040204" pitchFamily="34" charset="-120"/>
-              </a:rPr>
-              <a:t>太初開始已是存在</a:t>
-            </a:r>
-            <a:endParaRPr lang="en-US" altLang="zh-TW" sz="4050" b="1" dirty="0">
-              <a:latin typeface="Microsoft JhengHei" panose="020B0604030504040204" pitchFamily="34" charset="-120"/>
-              <a:ea typeface="Microsoft JhengHei" panose="020B0604030504040204" pitchFamily="34" charset="-120"/>
-            </a:endParaRPr>
-          </a:p>
-          <a:p>
-            <a:pPr algn="ctr">
-              <a:buNone/>
-            </a:pPr>
-            <a:r>
-              <a:rPr lang="zh-TW" altLang="en-US" sz="4050" b="1" dirty="0">
-                <a:latin typeface="Microsoft JhengHei" panose="020B0604030504040204" pitchFamily="34" charset="-120"/>
-                <a:ea typeface="Microsoft JhengHei" panose="020B0604030504040204" pitchFamily="34" charset="-120"/>
-              </a:rPr>
-              <a:t>全憑神是愛</a:t>
-            </a:r>
-            <a:endParaRPr lang="en-US" altLang="zh-TW" sz="4050" b="1" dirty="0">
-              <a:latin typeface="Microsoft JhengHei" panose="020B0604030504040204" pitchFamily="34" charset="-120"/>
-              <a:ea typeface="Microsoft JhengHei" panose="020B0604030504040204" pitchFamily="34" charset="-120"/>
-            </a:endParaRPr>
-          </a:p>
-          <a:p>
-            <a:pPr algn="ctr">
-              <a:buNone/>
-            </a:pPr>
-            <a:r>
-              <a:rPr lang="zh-TW" altLang="en-US" sz="4050" b="1" dirty="0">
-                <a:latin typeface="Microsoft JhengHei" panose="020B0604030504040204" pitchFamily="34" charset="-120"/>
-                <a:ea typeface="Microsoft JhengHei" panose="020B0604030504040204" pitchFamily="34" charset="-120"/>
-              </a:rPr>
-              <a:t>護蔭一生使我空虛不再</a:t>
-            </a:r>
-          </a:p>
-        </p:txBody>
-      </p:sp>
-    </p:spTree>
-    <p:extLst>
-      <p:ext uri="{BB962C8B-B14F-4D97-AF65-F5344CB8AC3E}">
-        <p14:creationId xmlns:p14="http://schemas.microsoft.com/office/powerpoint/2010/main" val="361760779"/>
-      </p:ext>
-    </p:extLst>
-  </p:cSld>
-  <p:clrMapOvr>
-    <a:masterClrMapping/>
-  </p:clrMapOvr>
-</p:sld>
-</file>
-
-<file path=ppt/slides/slide21.xml><?xml version="1.0" encoding="utf-8"?>
-<p:sld xmlns:a="http://schemas.openxmlformats.org/drawingml/2006/main" xmlns:r="http://schemas.openxmlformats.org/officeDocument/2006/relationships" xmlns:p="http://schemas.openxmlformats.org/presentationml/2006/main">
-  <p:cSld>
-    <p:spTree>
-      <p:nvGrpSpPr>
-        <p:cNvPr id="1" name=""/>
-        <p:cNvGrpSpPr/>
-        <p:nvPr/>
-      </p:nvGrpSpPr>
-      <p:grpSpPr>
-        <a:xfrm>
-          <a:off x="0" y="0"/>
-          <a:ext cx="0" cy="0"/>
-          <a:chOff x="0" y="0"/>
-          <a:chExt cx="0" cy="0"/>
-        </a:xfrm>
-      </p:grpSpPr>
-      <p:sp>
-        <p:nvSpPr>
-          <p:cNvPr id="4" name="標題 3"/>
-          <p:cNvSpPr>
-            <a:spLocks noGrp="1"/>
-          </p:cNvSpPr>
-          <p:nvPr>
-            <p:ph type="title"/>
-          </p:nvPr>
-        </p:nvSpPr>
-        <p:spPr/>
-        <p:txBody>
-          <a:bodyPr>
-            <a:normAutofit/>
-          </a:bodyPr>
-          <a:lstStyle/>
-          <a:p>
-            <a:r>
-              <a:rPr lang="zh-TW" altLang="en-US" sz="3600" b="1" dirty="0">
-                <a:latin typeface="Microsoft JhengHei" panose="020B0604030504040204" pitchFamily="34" charset="-120"/>
-                <a:ea typeface="Microsoft JhengHei" panose="020B0604030504040204" pitchFamily="34" charset="-120"/>
-              </a:rPr>
-              <a:t>愛與被愛</a:t>
-            </a:r>
-          </a:p>
-        </p:txBody>
-      </p:sp>
-      <p:sp>
-        <p:nvSpPr>
-          <p:cNvPr id="5" name="內容版面配置區 4"/>
-          <p:cNvSpPr>
-            <a:spLocks noGrp="1"/>
-          </p:cNvSpPr>
-          <p:nvPr>
-            <p:ph idx="1"/>
-          </p:nvPr>
-        </p:nvSpPr>
-        <p:spPr>
-          <a:xfrm>
-            <a:off x="1143000" y="1200150"/>
-            <a:ext cx="6858000" cy="3943350"/>
-          </a:xfrm>
-        </p:spPr>
-        <p:txBody>
-          <a:bodyPr>
-            <a:noAutofit/>
-          </a:bodyPr>
-          <a:lstStyle/>
-          <a:p>
-            <a:pPr algn="ctr">
-              <a:buNone/>
-            </a:pPr>
-            <a:r>
-              <a:rPr lang="zh-TW" altLang="en-US" sz="4050" b="1" dirty="0">
-                <a:latin typeface="Microsoft JhengHei" panose="020B0604030504040204" pitchFamily="34" charset="-120"/>
-                <a:ea typeface="Microsoft JhengHei" panose="020B0604030504040204" pitchFamily="34" charset="-120"/>
-              </a:rPr>
-              <a:t>原來神是愛</a:t>
-            </a:r>
-            <a:endParaRPr lang="en-US" altLang="zh-TW" sz="4050" b="1" dirty="0">
-              <a:latin typeface="Microsoft JhengHei" panose="020B0604030504040204" pitchFamily="34" charset="-120"/>
-              <a:ea typeface="Microsoft JhengHei" panose="020B0604030504040204" pitchFamily="34" charset="-120"/>
-            </a:endParaRPr>
-          </a:p>
-          <a:p>
-            <a:pPr algn="ctr">
-              <a:buNone/>
-            </a:pPr>
-            <a:r>
-              <a:rPr lang="zh-TW" altLang="en-US" sz="4050" b="1" dirty="0">
-                <a:latin typeface="Microsoft JhengHei" panose="020B0604030504040204" pitchFamily="34" charset="-120"/>
-                <a:ea typeface="Microsoft JhengHei" panose="020B0604030504040204" pitchFamily="34" charset="-120"/>
-              </a:rPr>
-              <a:t>太初開始己是存在</a:t>
-            </a:r>
-            <a:endParaRPr lang="en-US" altLang="zh-TW" sz="4050" b="1" dirty="0">
-              <a:latin typeface="Microsoft JhengHei" panose="020B0604030504040204" pitchFamily="34" charset="-120"/>
-              <a:ea typeface="Microsoft JhengHei" panose="020B0604030504040204" pitchFamily="34" charset="-120"/>
-            </a:endParaRPr>
-          </a:p>
-          <a:p>
-            <a:pPr algn="ctr">
-              <a:buNone/>
-            </a:pPr>
-            <a:r>
-              <a:rPr lang="zh-TW" altLang="en-US" sz="4050" b="1" dirty="0">
-                <a:latin typeface="Microsoft JhengHei" panose="020B0604030504040204" pitchFamily="34" charset="-120"/>
-                <a:ea typeface="Microsoft JhengHei" panose="020B0604030504040204" pitchFamily="34" charset="-120"/>
-              </a:rPr>
-              <a:t>傳揚神是愛</a:t>
-            </a:r>
-            <a:endParaRPr lang="en-US" altLang="zh-TW" sz="4050" b="1" dirty="0">
-              <a:latin typeface="Microsoft JhengHei" panose="020B0604030504040204" pitchFamily="34" charset="-120"/>
-              <a:ea typeface="Microsoft JhengHei" panose="020B0604030504040204" pitchFamily="34" charset="-120"/>
-            </a:endParaRPr>
-          </a:p>
-          <a:p>
-            <a:pPr algn="ctr">
-              <a:buNone/>
-            </a:pPr>
-            <a:r>
-              <a:rPr lang="zh-TW" altLang="en-US" sz="4050" b="1" dirty="0">
-                <a:latin typeface="Microsoft JhengHei" panose="020B0604030504040204" pitchFamily="34" charset="-120"/>
-                <a:ea typeface="Microsoft JhengHei" panose="020B0604030504040204" pitchFamily="34" charset="-120"/>
-              </a:rPr>
-              <a:t>地老天荒不變不死的愛</a:t>
-            </a:r>
-          </a:p>
-        </p:txBody>
-      </p:sp>
-    </p:spTree>
-    <p:extLst>
-      <p:ext uri="{BB962C8B-B14F-4D97-AF65-F5344CB8AC3E}">
-        <p14:creationId xmlns:p14="http://schemas.microsoft.com/office/powerpoint/2010/main" val="3947718144"/>
-      </p:ext>
-    </p:extLst>
-  </p:cSld>
-  <p:clrMapOvr>
-    <a:masterClrMapping/>
-  </p:clrMapOvr>
-</p:sld>
-</file>
-
-<file path=ppt/slides/slide22.xml><?xml version="1.0" encoding="utf-8"?>
-<p:sld xmlns:a="http://schemas.openxmlformats.org/drawingml/2006/main" xmlns:r="http://schemas.openxmlformats.org/officeDocument/2006/relationships" xmlns:p="http://schemas.openxmlformats.org/presentationml/2006/main">
-  <p:cSld>
-    <p:spTree>
-      <p:nvGrpSpPr>
-        <p:cNvPr id="1" name=""/>
-        <p:cNvGrpSpPr/>
-        <p:nvPr/>
-      </p:nvGrpSpPr>
-      <p:grpSpPr>
-        <a:xfrm>
-          <a:off x="0" y="0"/>
-          <a:ext cx="0" cy="0"/>
-          <a:chOff x="0" y="0"/>
-          <a:chExt cx="0" cy="0"/>
-        </a:xfrm>
-      </p:grpSpPr>
-      <p:sp>
-        <p:nvSpPr>
-          <p:cNvPr id="4" name="標題 3"/>
-          <p:cNvSpPr>
-            <a:spLocks noGrp="1"/>
-          </p:cNvSpPr>
-          <p:nvPr>
-            <p:ph type="title"/>
-          </p:nvPr>
-        </p:nvSpPr>
-        <p:spPr/>
-        <p:txBody>
-          <a:bodyPr>
-            <a:normAutofit/>
-          </a:bodyPr>
-          <a:lstStyle/>
-          <a:p>
-            <a:r>
-              <a:rPr lang="zh-TW" altLang="en-US" sz="4000" b="1" dirty="0" smtClean="0">
-                <a:solidFill>
-                  <a:srgbClr val="000066"/>
-                </a:solidFill>
-                <a:latin typeface="微軟正黑體" pitchFamily="34" charset="-120"/>
-                <a:ea typeface="微軟正黑體" pitchFamily="34" charset="-120"/>
-              </a:rPr>
-              <a:t>讓</a:t>
-            </a:r>
-            <a:r>
-              <a:rPr lang="zh-TW" altLang="en-US" sz="4000" b="1" dirty="0">
-                <a:solidFill>
-                  <a:srgbClr val="000066"/>
-                </a:solidFill>
-                <a:latin typeface="微軟正黑體" pitchFamily="34" charset="-120"/>
-                <a:ea typeface="微軟正黑體" pitchFamily="34" charset="-120"/>
-              </a:rPr>
-              <a:t>我說聲謝謝你</a:t>
-            </a:r>
-          </a:p>
-        </p:txBody>
-      </p:sp>
-      <p:sp>
-        <p:nvSpPr>
-          <p:cNvPr id="5" name="內容版面配置區 4"/>
-          <p:cNvSpPr>
-            <a:spLocks noGrp="1"/>
-          </p:cNvSpPr>
-          <p:nvPr>
-            <p:ph idx="1"/>
-          </p:nvPr>
-        </p:nvSpPr>
-        <p:spPr/>
-        <p:txBody>
-          <a:bodyPr>
-            <a:noAutofit/>
-          </a:bodyPr>
-          <a:lstStyle/>
-          <a:p>
-            <a:pPr algn="ctr">
-              <a:buNone/>
-            </a:pPr>
-            <a:r>
-              <a:rPr lang="zh-TW" altLang="en-US" sz="4050" b="1" dirty="0">
-                <a:solidFill>
-                  <a:srgbClr val="000066"/>
-                </a:solidFill>
-                <a:latin typeface="微軟正黑體" pitchFamily="34" charset="-120"/>
-                <a:ea typeface="微軟正黑體" pitchFamily="34" charset="-120"/>
-              </a:rPr>
-              <a:t>還記得那一天我遇見你</a:t>
-            </a:r>
-            <a:endParaRPr lang="en-US" altLang="zh-TW" sz="4050" b="1" dirty="0">
-              <a:solidFill>
-                <a:srgbClr val="000066"/>
-              </a:solidFill>
-              <a:latin typeface="微軟正黑體" pitchFamily="34" charset="-120"/>
-              <a:ea typeface="微軟正黑體" pitchFamily="34" charset="-120"/>
-            </a:endParaRPr>
-          </a:p>
-          <a:p>
-            <a:pPr algn="ctr">
-              <a:buNone/>
-            </a:pPr>
-            <a:r>
-              <a:rPr lang="zh-TW" altLang="en-US" sz="4050" b="1" dirty="0">
-                <a:solidFill>
-                  <a:srgbClr val="000066"/>
-                </a:solidFill>
-                <a:latin typeface="微軟正黑體" pitchFamily="34" charset="-120"/>
-                <a:ea typeface="微軟正黑體" pitchFamily="34" charset="-120"/>
-              </a:rPr>
-              <a:t>你的真誠溫暖了我的心</a:t>
-            </a:r>
-            <a:endParaRPr lang="en-US" altLang="zh-TW" sz="4050" b="1" dirty="0">
-              <a:solidFill>
-                <a:srgbClr val="000066"/>
-              </a:solidFill>
-              <a:latin typeface="微軟正黑體" pitchFamily="34" charset="-120"/>
-              <a:ea typeface="微軟正黑體" pitchFamily="34" charset="-120"/>
-            </a:endParaRPr>
-          </a:p>
-          <a:p>
-            <a:pPr algn="ctr">
-              <a:buNone/>
-            </a:pPr>
-            <a:r>
-              <a:rPr lang="zh-TW" altLang="en-US" sz="4050" b="1" dirty="0">
-                <a:solidFill>
-                  <a:srgbClr val="000066"/>
-                </a:solidFill>
-                <a:latin typeface="微軟正黑體" pitchFamily="34" charset="-120"/>
-                <a:ea typeface="微軟正黑體" pitchFamily="34" charset="-120"/>
-              </a:rPr>
-              <a:t>生命中有了你  不再孤寂</a:t>
-            </a:r>
-            <a:endParaRPr lang="en-US" altLang="zh-TW" sz="4050" b="1" dirty="0">
-              <a:solidFill>
-                <a:srgbClr val="000066"/>
-              </a:solidFill>
-              <a:latin typeface="微軟正黑體" pitchFamily="34" charset="-120"/>
-              <a:ea typeface="微軟正黑體" pitchFamily="34" charset="-120"/>
-            </a:endParaRPr>
-          </a:p>
-          <a:p>
-            <a:pPr algn="ctr">
-              <a:buNone/>
-            </a:pPr>
-            <a:r>
-              <a:rPr lang="zh-TW" altLang="en-US" sz="4050" b="1" dirty="0">
-                <a:solidFill>
-                  <a:srgbClr val="000066"/>
-                </a:solidFill>
-                <a:latin typeface="微軟正黑體" pitchFamily="34" charset="-120"/>
-                <a:ea typeface="微軟正黑體" pitchFamily="34" charset="-120"/>
-              </a:rPr>
-              <a:t>讓我說一聲謝謝你</a:t>
-            </a:r>
-          </a:p>
-        </p:txBody>
-      </p:sp>
-    </p:spTree>
-    <p:extLst>
-      <p:ext uri="{BB962C8B-B14F-4D97-AF65-F5344CB8AC3E}">
-        <p14:creationId xmlns:p14="http://schemas.microsoft.com/office/powerpoint/2010/main" val="938237310"/>
-      </p:ext>
-    </p:extLst>
-  </p:cSld>
-  <p:clrMapOvr>
-    <a:masterClrMapping/>
-  </p:clrMapOvr>
-</p:sld>
-</file>
-
-<file path=ppt/slides/slide23.xml><?xml version="1.0" encoding="utf-8"?>
-<p:sld xmlns:a="http://schemas.openxmlformats.org/drawingml/2006/main" xmlns:r="http://schemas.openxmlformats.org/officeDocument/2006/relationships" xmlns:p="http://schemas.openxmlformats.org/presentationml/2006/main">
-  <p:cSld>
-    <p:spTree>
-      <p:nvGrpSpPr>
-        <p:cNvPr id="1" name=""/>
-        <p:cNvGrpSpPr/>
-        <p:nvPr/>
-      </p:nvGrpSpPr>
-      <p:grpSpPr>
-        <a:xfrm>
-          <a:off x="0" y="0"/>
-          <a:ext cx="0" cy="0"/>
-          <a:chOff x="0" y="0"/>
-          <a:chExt cx="0" cy="0"/>
-        </a:xfrm>
-      </p:grpSpPr>
-      <p:sp>
-        <p:nvSpPr>
-          <p:cNvPr id="4" name="標題 3"/>
-          <p:cNvSpPr>
-            <a:spLocks noGrp="1"/>
-          </p:cNvSpPr>
-          <p:nvPr>
-            <p:ph type="title"/>
-          </p:nvPr>
-        </p:nvSpPr>
-        <p:spPr/>
-        <p:txBody>
-          <a:bodyPr>
-            <a:normAutofit/>
-          </a:bodyPr>
-          <a:lstStyle/>
-          <a:p>
-            <a:r>
-              <a:rPr lang="zh-TW" altLang="en-US" sz="3600" b="1" dirty="0" smtClean="0">
-                <a:solidFill>
-                  <a:srgbClr val="000066"/>
-                </a:solidFill>
-                <a:latin typeface="微軟正黑體" pitchFamily="34" charset="-120"/>
-                <a:ea typeface="微軟正黑體" pitchFamily="34" charset="-120"/>
-              </a:rPr>
-              <a:t>讓</a:t>
-            </a:r>
-            <a:r>
-              <a:rPr lang="zh-TW" altLang="en-US" sz="3600" b="1" dirty="0">
-                <a:solidFill>
-                  <a:srgbClr val="000066"/>
-                </a:solidFill>
-                <a:latin typeface="微軟正黑體" pitchFamily="34" charset="-120"/>
-                <a:ea typeface="微軟正黑體" pitchFamily="34" charset="-120"/>
-              </a:rPr>
-              <a:t>我說聲謝謝你</a:t>
-            </a:r>
-          </a:p>
-        </p:txBody>
-      </p:sp>
-      <p:sp>
-        <p:nvSpPr>
-          <p:cNvPr id="5" name="內容版面配置區 4"/>
-          <p:cNvSpPr>
-            <a:spLocks noGrp="1"/>
-          </p:cNvSpPr>
-          <p:nvPr>
-            <p:ph idx="1"/>
-          </p:nvPr>
-        </p:nvSpPr>
-        <p:spPr/>
-        <p:txBody>
-          <a:bodyPr>
-            <a:noAutofit/>
-          </a:bodyPr>
-          <a:lstStyle/>
-          <a:p>
-            <a:pPr algn="ctr">
-              <a:buNone/>
-            </a:pPr>
-            <a:r>
-              <a:rPr lang="zh-TW" altLang="en-US" sz="4050" b="1" dirty="0">
-                <a:solidFill>
-                  <a:srgbClr val="000066"/>
-                </a:solidFill>
-                <a:latin typeface="微軟正黑體" pitchFamily="34" charset="-120"/>
-                <a:ea typeface="微軟正黑體" pitchFamily="34" charset="-120"/>
-              </a:rPr>
-              <a:t>謝謝你陪我一起 歡笑哭泣</a:t>
-            </a:r>
-            <a:endParaRPr lang="en-US" altLang="zh-TW" sz="4050" b="1" dirty="0">
-              <a:solidFill>
-                <a:srgbClr val="000066"/>
-              </a:solidFill>
-              <a:latin typeface="微軟正黑體" pitchFamily="34" charset="-120"/>
-              <a:ea typeface="微軟正黑體" pitchFamily="34" charset="-120"/>
-            </a:endParaRPr>
-          </a:p>
-          <a:p>
-            <a:pPr algn="ctr">
-              <a:buNone/>
-            </a:pPr>
-            <a:r>
-              <a:rPr lang="zh-TW" altLang="en-US" sz="4050" b="1" dirty="0">
-                <a:solidFill>
-                  <a:srgbClr val="000066"/>
-                </a:solidFill>
-                <a:latin typeface="微軟正黑體" pitchFamily="34" charset="-120"/>
-                <a:ea typeface="微軟正黑體" pitchFamily="34" charset="-120"/>
-              </a:rPr>
-              <a:t>一路上有你 </a:t>
-            </a:r>
-            <a:r>
-              <a:rPr lang="zh-TW" altLang="en-US" sz="4050" b="1" dirty="0">
-                <a:solidFill>
-                  <a:srgbClr val="000066"/>
-                </a:solidFill>
-                <a:latin typeface="微軟正黑體" pitchFamily="34" charset="-120"/>
-                <a:ea typeface="微軟正黑體" pitchFamily="34" charset="-120"/>
-              </a:rPr>
-              <a:t> 不</a:t>
-            </a:r>
-            <a:r>
-              <a:rPr lang="zh-TW" altLang="en-US" sz="4050" b="1" dirty="0">
-                <a:solidFill>
-                  <a:srgbClr val="000066"/>
-                </a:solidFill>
-                <a:latin typeface="微軟正黑體" pitchFamily="34" charset="-120"/>
-                <a:ea typeface="微軟正黑體" pitchFamily="34" charset="-120"/>
-              </a:rPr>
-              <a:t>灰心不放棄</a:t>
-            </a:r>
-            <a:endParaRPr lang="en-US" altLang="zh-TW" sz="4050" b="1" dirty="0">
-              <a:solidFill>
-                <a:srgbClr val="000066"/>
-              </a:solidFill>
-              <a:latin typeface="微軟正黑體" pitchFamily="34" charset="-120"/>
-              <a:ea typeface="微軟正黑體" pitchFamily="34" charset="-120"/>
-            </a:endParaRPr>
-          </a:p>
-          <a:p>
-            <a:pPr algn="ctr">
-              <a:buNone/>
-            </a:pPr>
-            <a:r>
-              <a:rPr lang="zh-TW" altLang="en-US" sz="4050" b="1" dirty="0">
-                <a:solidFill>
-                  <a:srgbClr val="000066"/>
-                </a:solidFill>
-                <a:latin typeface="微軟正黑體" pitchFamily="34" charset="-120"/>
-                <a:ea typeface="微軟正黑體" pitchFamily="34" charset="-120"/>
-              </a:rPr>
-              <a:t>手牽著手 </a:t>
-            </a:r>
-            <a:r>
-              <a:rPr lang="zh-TW" altLang="en-US" sz="4050" b="1" dirty="0">
-                <a:solidFill>
-                  <a:srgbClr val="000066"/>
-                </a:solidFill>
-                <a:latin typeface="微軟正黑體" pitchFamily="34" charset="-120"/>
-                <a:ea typeface="微軟正黑體" pitchFamily="34" charset="-120"/>
-              </a:rPr>
-              <a:t> 心</a:t>
-            </a:r>
-            <a:r>
-              <a:rPr lang="zh-TW" altLang="en-US" sz="4050" b="1" dirty="0">
-                <a:solidFill>
-                  <a:srgbClr val="000066"/>
-                </a:solidFill>
-                <a:latin typeface="微軟正黑體" pitchFamily="34" charset="-120"/>
-                <a:ea typeface="微軟正黑體" pitchFamily="34" charset="-120"/>
-              </a:rPr>
-              <a:t>連</a:t>
-            </a:r>
-            <a:r>
-              <a:rPr lang="zh-TW" altLang="en-US" sz="4050" b="1" dirty="0" smtClean="0">
-                <a:solidFill>
-                  <a:srgbClr val="000066"/>
-                </a:solidFill>
-                <a:latin typeface="微軟正黑體" pitchFamily="34" charset="-120"/>
-                <a:ea typeface="微軟正黑體" pitchFamily="34" charset="-120"/>
-              </a:rPr>
-              <a:t>心</a:t>
-            </a:r>
-            <a:r>
-              <a:rPr lang="en-US" altLang="zh-TW" sz="4050" b="1" dirty="0">
-                <a:solidFill>
-                  <a:srgbClr val="000066"/>
-                </a:solidFill>
-                <a:latin typeface="微軟正黑體" pitchFamily="34" charset="-120"/>
-                <a:ea typeface="微軟正黑體" pitchFamily="34" charset="-120"/>
-              </a:rPr>
-              <a:t> </a:t>
-            </a:r>
-            <a:r>
-              <a:rPr lang="en-US" altLang="zh-TW" sz="4050" b="1" dirty="0" smtClean="0">
-                <a:solidFill>
-                  <a:srgbClr val="000066"/>
-                </a:solidFill>
-                <a:latin typeface="微軟正黑體" pitchFamily="34" charset="-120"/>
-                <a:ea typeface="微軟正黑體" pitchFamily="34" charset="-120"/>
-              </a:rPr>
-              <a:t> </a:t>
-            </a:r>
-            <a:r>
-              <a:rPr lang="zh-TW" altLang="en-US" sz="4050" b="1" dirty="0" smtClean="0">
-                <a:solidFill>
-                  <a:srgbClr val="000066"/>
-                </a:solidFill>
-                <a:latin typeface="微軟正黑體" pitchFamily="34" charset="-120"/>
-                <a:ea typeface="微軟正黑體" pitchFamily="34" charset="-120"/>
-              </a:rPr>
-              <a:t>願</a:t>
-            </a:r>
-            <a:r>
-              <a:rPr lang="zh-TW" altLang="en-US" sz="4050" b="1" dirty="0">
-                <a:solidFill>
-                  <a:srgbClr val="000066"/>
-                </a:solidFill>
-                <a:latin typeface="微軟正黑體" pitchFamily="34" charset="-120"/>
-                <a:ea typeface="微軟正黑體" pitchFamily="34" charset="-120"/>
-              </a:rPr>
-              <a:t>主旨意</a:t>
-            </a:r>
-            <a:endParaRPr lang="en-US" altLang="zh-TW" sz="4050" b="1" dirty="0">
-              <a:solidFill>
-                <a:srgbClr val="000066"/>
-              </a:solidFill>
-              <a:latin typeface="微軟正黑體" pitchFamily="34" charset="-120"/>
-              <a:ea typeface="微軟正黑體" pitchFamily="34" charset="-120"/>
-            </a:endParaRPr>
-          </a:p>
-          <a:p>
-            <a:pPr algn="ctr">
-              <a:buNone/>
-            </a:pPr>
-            <a:r>
-              <a:rPr lang="zh-TW" altLang="en-US" sz="4050" b="1" dirty="0">
-                <a:solidFill>
-                  <a:srgbClr val="000066"/>
-                </a:solidFill>
-                <a:latin typeface="微軟正黑體" pitchFamily="34" charset="-120"/>
-                <a:ea typeface="微軟正黑體" pitchFamily="34" charset="-120"/>
-              </a:rPr>
-              <a:t>完全成就在你和我的生命</a:t>
-            </a:r>
-          </a:p>
-        </p:txBody>
-      </p:sp>
-    </p:spTree>
-    <p:extLst>
-      <p:ext uri="{BB962C8B-B14F-4D97-AF65-F5344CB8AC3E}">
-        <p14:creationId xmlns:p14="http://schemas.microsoft.com/office/powerpoint/2010/main" val="2368498799"/>
-      </p:ext>
-    </p:extLst>
-  </p:cSld>
-  <p:clrMapOvr>
-    <a:masterClrMapping/>
-  </p:clrMapOvr>
-</p:sld>
-</file>
-
-<file path=ppt/slides/slide24.xml><?xml version="1.0" encoding="utf-8"?>
-<p:sld xmlns:a="http://schemas.openxmlformats.org/drawingml/2006/main" xmlns:r="http://schemas.openxmlformats.org/officeDocument/2006/relationships" xmlns:p="http://schemas.openxmlformats.org/presentationml/2006/main">
-  <p:cSld>
-    <p:spTree>
-      <p:nvGrpSpPr>
-        <p:cNvPr id="1" name=""/>
-        <p:cNvGrpSpPr/>
-        <p:nvPr/>
-      </p:nvGrpSpPr>
-      <p:grpSpPr>
-        <a:xfrm>
-          <a:off x="0" y="0"/>
-          <a:ext cx="0" cy="0"/>
-          <a:chOff x="0" y="0"/>
-          <a:chExt cx="0" cy="0"/>
-        </a:xfrm>
-      </p:grpSpPr>
-      <p:sp>
-        <p:nvSpPr>
-          <p:cNvPr id="4" name="標題 3"/>
-          <p:cNvSpPr>
-            <a:spLocks noGrp="1"/>
-          </p:cNvSpPr>
-          <p:nvPr>
-            <p:ph type="title"/>
-          </p:nvPr>
-        </p:nvSpPr>
-        <p:spPr/>
-        <p:txBody>
-          <a:bodyPr>
-            <a:normAutofit/>
-          </a:bodyPr>
-          <a:lstStyle/>
-          <a:p>
-            <a:r>
-              <a:rPr lang="zh-TW" altLang="en-US" sz="4000" b="1" dirty="0" smtClean="0">
-                <a:solidFill>
-                  <a:srgbClr val="000066"/>
-                </a:solidFill>
-                <a:latin typeface="微軟正黑體" pitchFamily="34" charset="-120"/>
-                <a:ea typeface="微軟正黑體" pitchFamily="34" charset="-120"/>
-              </a:rPr>
-              <a:t>讓</a:t>
-            </a:r>
-            <a:r>
-              <a:rPr lang="zh-TW" altLang="en-US" sz="4000" b="1" dirty="0">
-                <a:solidFill>
-                  <a:srgbClr val="000066"/>
-                </a:solidFill>
-                <a:latin typeface="微軟正黑體" pitchFamily="34" charset="-120"/>
-                <a:ea typeface="微軟正黑體" pitchFamily="34" charset="-120"/>
-              </a:rPr>
-              <a:t>我說聲謝謝你</a:t>
-            </a:r>
-          </a:p>
-        </p:txBody>
-      </p:sp>
-      <p:sp>
-        <p:nvSpPr>
-          <p:cNvPr id="5" name="內容版面配置區 4"/>
-          <p:cNvSpPr>
-            <a:spLocks noGrp="1"/>
-          </p:cNvSpPr>
-          <p:nvPr>
-            <p:ph idx="1"/>
-          </p:nvPr>
-        </p:nvSpPr>
-        <p:spPr/>
-        <p:txBody>
-          <a:bodyPr>
-            <a:normAutofit/>
-          </a:bodyPr>
-          <a:lstStyle/>
-          <a:p>
-            <a:pPr algn="ctr">
-              <a:buNone/>
-            </a:pPr>
-            <a:r>
-              <a:rPr lang="zh-TW" altLang="en-US" sz="4050" b="1" dirty="0">
-                <a:solidFill>
-                  <a:srgbClr val="000066"/>
-                </a:solidFill>
-                <a:latin typeface="微軟正黑體" pitchFamily="34" charset="-120"/>
-                <a:ea typeface="微軟正黑體" pitchFamily="34" charset="-120"/>
-              </a:rPr>
-              <a:t>主的愛使我們 相知相惜</a:t>
-            </a:r>
-            <a:endParaRPr lang="en-US" altLang="zh-TW" sz="4050" b="1" dirty="0">
-              <a:solidFill>
-                <a:srgbClr val="000066"/>
-              </a:solidFill>
-              <a:latin typeface="微軟正黑體" pitchFamily="34" charset="-120"/>
-              <a:ea typeface="微軟正黑體" pitchFamily="34" charset="-120"/>
-            </a:endParaRPr>
-          </a:p>
-          <a:p>
-            <a:pPr algn="ctr">
-              <a:buNone/>
-            </a:pPr>
-            <a:r>
-              <a:rPr lang="zh-TW" altLang="en-US" sz="4050" b="1" dirty="0">
-                <a:solidFill>
-                  <a:srgbClr val="000066"/>
-                </a:solidFill>
-                <a:latin typeface="微軟正黑體" pitchFamily="34" charset="-120"/>
-                <a:ea typeface="微軟正黑體" pitchFamily="34" charset="-120"/>
-              </a:rPr>
-              <a:t>接納包容彼此許多不同</a:t>
-            </a:r>
-            <a:endParaRPr lang="en-US" altLang="zh-TW" sz="4050" b="1" dirty="0">
-              <a:solidFill>
-                <a:srgbClr val="000066"/>
-              </a:solidFill>
-              <a:latin typeface="微軟正黑體" pitchFamily="34" charset="-120"/>
-              <a:ea typeface="微軟正黑體" pitchFamily="34" charset="-120"/>
-            </a:endParaRPr>
-          </a:p>
-          <a:p>
-            <a:pPr algn="ctr">
-              <a:buNone/>
-            </a:pPr>
-            <a:r>
-              <a:rPr lang="zh-TW" altLang="en-US" sz="4050" b="1" dirty="0">
-                <a:solidFill>
-                  <a:srgbClr val="000066"/>
-                </a:solidFill>
-                <a:latin typeface="微軟正黑體" pitchFamily="34" charset="-120"/>
-                <a:ea typeface="微軟正黑體" pitchFamily="34" charset="-120"/>
-              </a:rPr>
-              <a:t>生命中有了你 </a:t>
-            </a:r>
-            <a:r>
-              <a:rPr lang="zh-TW" altLang="en-US" sz="4050" b="1" dirty="0">
-                <a:solidFill>
-                  <a:srgbClr val="000066"/>
-                </a:solidFill>
-                <a:latin typeface="微軟正黑體" pitchFamily="34" charset="-120"/>
-                <a:ea typeface="微軟正黑體" pitchFamily="34" charset="-120"/>
-              </a:rPr>
-              <a:t> 不</a:t>
-            </a:r>
-            <a:r>
-              <a:rPr lang="zh-TW" altLang="en-US" sz="4050" b="1" dirty="0">
-                <a:solidFill>
-                  <a:srgbClr val="000066"/>
-                </a:solidFill>
-                <a:latin typeface="微軟正黑體" pitchFamily="34" charset="-120"/>
-                <a:ea typeface="微軟正黑體" pitchFamily="34" charset="-120"/>
-              </a:rPr>
-              <a:t>再孤寂</a:t>
-            </a:r>
-            <a:endParaRPr lang="en-US" altLang="zh-TW" sz="4050" b="1" dirty="0">
-              <a:solidFill>
-                <a:srgbClr val="000066"/>
-              </a:solidFill>
-              <a:latin typeface="微軟正黑體" pitchFamily="34" charset="-120"/>
-              <a:ea typeface="微軟正黑體" pitchFamily="34" charset="-120"/>
-            </a:endParaRPr>
-          </a:p>
-          <a:p>
-            <a:pPr algn="ctr">
-              <a:buNone/>
-            </a:pPr>
-            <a:r>
-              <a:rPr lang="zh-TW" altLang="en-US" sz="4050" b="1" dirty="0">
-                <a:solidFill>
-                  <a:srgbClr val="000066"/>
-                </a:solidFill>
-                <a:latin typeface="微軟正黑體" pitchFamily="34" charset="-120"/>
-                <a:ea typeface="微軟正黑體" pitchFamily="34" charset="-120"/>
-              </a:rPr>
-              <a:t>讓我說聲謝謝你</a:t>
-            </a:r>
-          </a:p>
-        </p:txBody>
-      </p:sp>
-    </p:spTree>
-    <p:extLst>
-      <p:ext uri="{BB962C8B-B14F-4D97-AF65-F5344CB8AC3E}">
-        <p14:creationId xmlns:p14="http://schemas.microsoft.com/office/powerpoint/2010/main" val="3266951890"/>
-      </p:ext>
-    </p:extLst>
-  </p:cSld>
-  <p:clrMapOvr>
-    <a:masterClrMapping/>
-  </p:clrMapOvr>
-</p:sld>
-</file>
-
-<file path=ppt/slides/slide25.xml><?xml version="1.0" encoding="utf-8"?>
-<p:sld xmlns:a="http://schemas.openxmlformats.org/drawingml/2006/main" xmlns:r="http://schemas.openxmlformats.org/officeDocument/2006/relationships" xmlns:p="http://schemas.openxmlformats.org/presentationml/2006/main">
-  <p:cSld>
-    <p:spTree>
-      <p:nvGrpSpPr>
-        <p:cNvPr id="1" name=""/>
-        <p:cNvGrpSpPr/>
-        <p:nvPr/>
-      </p:nvGrpSpPr>
-      <p:grpSpPr>
-        <a:xfrm>
-          <a:off x="0" y="0"/>
-          <a:ext cx="0" cy="0"/>
-          <a:chOff x="0" y="0"/>
-          <a:chExt cx="0" cy="0"/>
-        </a:xfrm>
-      </p:grpSpPr>
-      <p:sp>
-        <p:nvSpPr>
-          <p:cNvPr id="4" name="標題 3"/>
-          <p:cNvSpPr>
-            <a:spLocks noGrp="1"/>
-          </p:cNvSpPr>
-          <p:nvPr>
-            <p:ph type="title"/>
-          </p:nvPr>
-        </p:nvSpPr>
-        <p:spPr/>
-        <p:txBody>
-          <a:bodyPr>
-            <a:normAutofit/>
-          </a:bodyPr>
-          <a:lstStyle/>
-          <a:p>
-            <a:r>
-              <a:rPr lang="zh-TW" altLang="en-US" sz="4000" b="1" dirty="0" smtClean="0">
-                <a:solidFill>
-                  <a:srgbClr val="000066"/>
-                </a:solidFill>
-                <a:latin typeface="微軟正黑體" pitchFamily="34" charset="-120"/>
-                <a:ea typeface="微軟正黑體" pitchFamily="34" charset="-120"/>
-              </a:rPr>
-              <a:t>讓</a:t>
-            </a:r>
-            <a:r>
-              <a:rPr lang="zh-TW" altLang="en-US" sz="4000" b="1" dirty="0">
-                <a:solidFill>
-                  <a:srgbClr val="000066"/>
-                </a:solidFill>
-                <a:latin typeface="微軟正黑體" pitchFamily="34" charset="-120"/>
-                <a:ea typeface="微軟正黑體" pitchFamily="34" charset="-120"/>
-              </a:rPr>
-              <a:t>我說聲謝謝你</a:t>
-            </a:r>
-          </a:p>
-        </p:txBody>
-      </p:sp>
-      <p:sp>
-        <p:nvSpPr>
-          <p:cNvPr id="5" name="內容版面配置區 4"/>
-          <p:cNvSpPr>
-            <a:spLocks noGrp="1"/>
-          </p:cNvSpPr>
-          <p:nvPr>
-            <p:ph idx="1"/>
-          </p:nvPr>
-        </p:nvSpPr>
-        <p:spPr/>
-        <p:txBody>
-          <a:bodyPr>
-            <a:noAutofit/>
-          </a:bodyPr>
-          <a:lstStyle/>
-          <a:p>
-            <a:pPr algn="ctr">
-              <a:buNone/>
-            </a:pPr>
-            <a:r>
-              <a:rPr lang="zh-TW" altLang="en-US" sz="4050" b="1" dirty="0">
-                <a:solidFill>
-                  <a:srgbClr val="000066"/>
-                </a:solidFill>
-                <a:latin typeface="微軟正黑體" pitchFamily="34" charset="-120"/>
-                <a:ea typeface="微軟正黑體" pitchFamily="34" charset="-120"/>
-              </a:rPr>
-              <a:t>謝謝你陪我一起 歡笑哭泣</a:t>
-            </a:r>
-            <a:endParaRPr lang="en-US" altLang="zh-TW" sz="4050" b="1" dirty="0">
-              <a:solidFill>
-                <a:srgbClr val="000066"/>
-              </a:solidFill>
-              <a:latin typeface="微軟正黑體" pitchFamily="34" charset="-120"/>
-              <a:ea typeface="微軟正黑體" pitchFamily="34" charset="-120"/>
-            </a:endParaRPr>
-          </a:p>
-          <a:p>
-            <a:pPr algn="ctr">
-              <a:buNone/>
-            </a:pPr>
-            <a:r>
-              <a:rPr lang="zh-TW" altLang="en-US" sz="4050" b="1" dirty="0">
-                <a:solidFill>
-                  <a:srgbClr val="000066"/>
-                </a:solidFill>
-                <a:latin typeface="微軟正黑體" pitchFamily="34" charset="-120"/>
-                <a:ea typeface="微軟正黑體" pitchFamily="34" charset="-120"/>
-              </a:rPr>
-              <a:t>一路上有你 </a:t>
-            </a:r>
-            <a:r>
-              <a:rPr lang="zh-TW" altLang="en-US" sz="4050" b="1" dirty="0">
-                <a:solidFill>
-                  <a:srgbClr val="000066"/>
-                </a:solidFill>
-                <a:latin typeface="微軟正黑體" pitchFamily="34" charset="-120"/>
-                <a:ea typeface="微軟正黑體" pitchFamily="34" charset="-120"/>
-              </a:rPr>
-              <a:t> 不</a:t>
-            </a:r>
-            <a:r>
-              <a:rPr lang="zh-TW" altLang="en-US" sz="4050" b="1" dirty="0">
-                <a:solidFill>
-                  <a:srgbClr val="000066"/>
-                </a:solidFill>
-                <a:latin typeface="微軟正黑體" pitchFamily="34" charset="-120"/>
-                <a:ea typeface="微軟正黑體" pitchFamily="34" charset="-120"/>
-              </a:rPr>
-              <a:t>灰心不放棄</a:t>
-            </a:r>
-            <a:endParaRPr lang="en-US" altLang="zh-TW" sz="4050" b="1" dirty="0">
-              <a:solidFill>
-                <a:srgbClr val="000066"/>
-              </a:solidFill>
-              <a:latin typeface="微軟正黑體" pitchFamily="34" charset="-120"/>
-              <a:ea typeface="微軟正黑體" pitchFamily="34" charset="-120"/>
-            </a:endParaRPr>
-          </a:p>
-          <a:p>
-            <a:pPr algn="ctr">
-              <a:buNone/>
-            </a:pPr>
-            <a:r>
-              <a:rPr lang="zh-TW" altLang="en-US" sz="4050" b="1" dirty="0">
-                <a:solidFill>
-                  <a:srgbClr val="000066"/>
-                </a:solidFill>
-                <a:latin typeface="微軟正黑體" pitchFamily="34" charset="-120"/>
-                <a:ea typeface="微軟正黑體" pitchFamily="34" charset="-120"/>
-              </a:rPr>
-              <a:t>手牽著手 </a:t>
-            </a:r>
-            <a:r>
-              <a:rPr lang="zh-TW" altLang="en-US" sz="4050" b="1" dirty="0">
-                <a:solidFill>
-                  <a:srgbClr val="000066"/>
-                </a:solidFill>
-                <a:latin typeface="微軟正黑體" pitchFamily="34" charset="-120"/>
-                <a:ea typeface="微軟正黑體" pitchFamily="34" charset="-120"/>
-              </a:rPr>
-              <a:t> 心</a:t>
-            </a:r>
-            <a:r>
-              <a:rPr lang="zh-TW" altLang="en-US" sz="4050" b="1" dirty="0">
-                <a:solidFill>
-                  <a:srgbClr val="000066"/>
-                </a:solidFill>
-                <a:latin typeface="微軟正黑體" pitchFamily="34" charset="-120"/>
-                <a:ea typeface="微軟正黑體" pitchFamily="34" charset="-120"/>
-              </a:rPr>
-              <a:t>連心</a:t>
-            </a:r>
-            <a:endParaRPr lang="en-US" altLang="zh-TW" sz="4050" b="1" dirty="0">
-              <a:solidFill>
-                <a:srgbClr val="000066"/>
-              </a:solidFill>
-              <a:latin typeface="微軟正黑體" pitchFamily="34" charset="-120"/>
-              <a:ea typeface="微軟正黑體" pitchFamily="34" charset="-120"/>
-            </a:endParaRPr>
-          </a:p>
-          <a:p>
-            <a:pPr algn="ctr">
-              <a:buNone/>
-            </a:pPr>
-            <a:r>
-              <a:rPr lang="zh-TW" altLang="en-US" sz="4050" b="1" dirty="0">
-                <a:solidFill>
-                  <a:srgbClr val="000066"/>
-                </a:solidFill>
-                <a:latin typeface="微軟正黑體" pitchFamily="34" charset="-120"/>
-                <a:ea typeface="微軟正黑體" pitchFamily="34" charset="-120"/>
-              </a:rPr>
-              <a:t>願主旨意</a:t>
-            </a:r>
-            <a:endParaRPr lang="en-US" altLang="zh-TW" sz="4050" b="1" dirty="0">
-              <a:solidFill>
-                <a:srgbClr val="000066"/>
-              </a:solidFill>
-              <a:latin typeface="微軟正黑體" pitchFamily="34" charset="-120"/>
-              <a:ea typeface="微軟正黑體" pitchFamily="34" charset="-120"/>
-            </a:endParaRPr>
-          </a:p>
-          <a:p>
-            <a:pPr algn="ctr">
-              <a:buNone/>
-            </a:pPr>
-            <a:r>
-              <a:rPr lang="zh-TW" altLang="en-US" sz="4050" b="1" dirty="0">
-                <a:solidFill>
-                  <a:srgbClr val="000066"/>
-                </a:solidFill>
-                <a:latin typeface="微軟正黑體" pitchFamily="34" charset="-120"/>
-                <a:ea typeface="微軟正黑體" pitchFamily="34" charset="-120"/>
-              </a:rPr>
-              <a:t>完全成就在你和我的生命</a:t>
-            </a:r>
-          </a:p>
-        </p:txBody>
-      </p:sp>
-    </p:spTree>
-    <p:extLst>
-      <p:ext uri="{BB962C8B-B14F-4D97-AF65-F5344CB8AC3E}">
-        <p14:creationId xmlns:p14="http://schemas.microsoft.com/office/powerpoint/2010/main" val="123171826"/>
-      </p:ext>
-    </p:extLst>
-  </p:cSld>
-  <p:clrMapOvr>
-    <a:masterClrMapping/>
-  </p:clrMapOvr>
+  <p:timing>
+    <p:tnLst>
+      <p:par>
+        <p:cTn id="1" dur="indefinite" restart="never" nodeType="tmRoot"/>
+      </p:par>
+    </p:tnLst>
+  </p:timing>
 </p:sld>
 </file>
 
@@ -6055,13 +3709,20 @@
     </p:spTree>
     <p:extLst>
       <p:ext uri="{BB962C8B-B14F-4D97-AF65-F5344CB8AC3E}">
-        <p14:creationId xmlns:p14="http://schemas.microsoft.com/office/powerpoint/2010/main" val="3165584832"/>
+        <p14:creationId xmlns="" xmlns:p14="http://schemas.microsoft.com/office/powerpoint/2010/main" val="3165584832"/>
       </p:ext>
     </p:extLst>
   </p:cSld>
   <p:clrMapOvr>
     <a:masterClrMapping/>
   </p:clrMapOvr>
+  <p:timing>
+    <p:tnLst>
+      <p:par>
+        <p:cTn id="1" dur="indefinite" restart="never" nodeType="tmRoot"/>
+      </p:par>
+    </p:tnLst>
+  </p:timing>
 </p:sld>
 </file>
 
@@ -6233,13 +3894,20 @@
     </p:spTree>
     <p:extLst>
       <p:ext uri="{BB962C8B-B14F-4D97-AF65-F5344CB8AC3E}">
-        <p14:creationId xmlns:p14="http://schemas.microsoft.com/office/powerpoint/2010/main" val="161943966"/>
+        <p14:creationId xmlns="" xmlns:p14="http://schemas.microsoft.com/office/powerpoint/2010/main" val="161943966"/>
       </p:ext>
     </p:extLst>
   </p:cSld>
   <p:clrMapOvr>
     <a:masterClrMapping/>
   </p:clrMapOvr>
+  <p:timing>
+    <p:tnLst>
+      <p:par>
+        <p:cTn id="1" dur="indefinite" restart="never" nodeType="tmRoot"/>
+      </p:par>
+    </p:tnLst>
+  </p:timing>
 </p:sld>
 </file>
 
@@ -6411,13 +4079,20 @@
     </p:spTree>
     <p:extLst>
       <p:ext uri="{BB962C8B-B14F-4D97-AF65-F5344CB8AC3E}">
-        <p14:creationId xmlns:p14="http://schemas.microsoft.com/office/powerpoint/2010/main" val="2173688353"/>
+        <p14:creationId xmlns="" xmlns:p14="http://schemas.microsoft.com/office/powerpoint/2010/main" val="2173688353"/>
       </p:ext>
     </p:extLst>
   </p:cSld>
   <p:clrMapOvr>
     <a:masterClrMapping/>
   </p:clrMapOvr>
+  <p:timing>
+    <p:tnLst>
+      <p:par>
+        <p:cTn id="1" dur="indefinite" restart="never" nodeType="tmRoot"/>
+      </p:par>
+    </p:tnLst>
+  </p:timing>
 </p:sld>
 </file>
 
@@ -6589,293 +4264,20 @@
     </p:spTree>
     <p:extLst>
       <p:ext uri="{BB962C8B-B14F-4D97-AF65-F5344CB8AC3E}">
-        <p14:creationId xmlns:p14="http://schemas.microsoft.com/office/powerpoint/2010/main" val="3745409086"/>
+        <p14:creationId xmlns="" xmlns:p14="http://schemas.microsoft.com/office/powerpoint/2010/main" val="3745409086"/>
       </p:ext>
     </p:extLst>
   </p:cSld>
   <p:clrMapOvr>
     <a:masterClrMapping/>
   </p:clrMapOvr>
-</p:sld>
-</file>
-
-<file path=ppt/slides/slide7.xml><?xml version="1.0" encoding="utf-8"?>
-<p:sld xmlns:a="http://schemas.openxmlformats.org/drawingml/2006/main" xmlns:r="http://schemas.openxmlformats.org/officeDocument/2006/relationships" xmlns:p="http://schemas.openxmlformats.org/presentationml/2006/main">
-  <p:cSld>
-    <p:spTree>
-      <p:nvGrpSpPr>
-        <p:cNvPr id="1" name=""/>
-        <p:cNvGrpSpPr/>
-        <p:nvPr/>
-      </p:nvGrpSpPr>
-      <p:grpSpPr>
-        <a:xfrm>
-          <a:off x="0" y="0"/>
-          <a:ext cx="0" cy="0"/>
-          <a:chOff x="0" y="0"/>
-          <a:chExt cx="0" cy="0"/>
-        </a:xfrm>
-      </p:grpSpPr>
-      <p:sp>
-        <p:nvSpPr>
-          <p:cNvPr id="4" name="標題 3"/>
-          <p:cNvSpPr>
-            <a:spLocks noGrp="1"/>
-          </p:cNvSpPr>
-          <p:nvPr>
-            <p:ph type="title"/>
-          </p:nvPr>
-        </p:nvSpPr>
-        <p:spPr>
-          <a:xfrm>
-            <a:off x="0" y="2143135"/>
-            <a:ext cx="9144000" cy="857250"/>
-          </a:xfrm>
-        </p:spPr>
-        <p:txBody>
-          <a:bodyPr>
-            <a:noAutofit/>
-          </a:bodyPr>
-          <a:lstStyle/>
-          <a:p>
-            <a:r>
-              <a:rPr lang="zh-CN" altLang="en-US" sz="5400" b="1" i="1" dirty="0">
-                <a:solidFill>
-                  <a:srgbClr val="000066"/>
-                </a:solidFill>
-                <a:effectLst>
-                  <a:outerShdw blurRad="38100" dist="38100" dir="2700000" algn="tl">
-                    <a:srgbClr val="000000">
-                      <a:alpha val="43137"/>
-                    </a:srgbClr>
-                  </a:outerShdw>
-                </a:effectLst>
-                <a:latin typeface="微軟正黑體" pitchFamily="34" charset="-120"/>
-                <a:ea typeface="微軟正黑體" pitchFamily="34" charset="-120"/>
-              </a:rPr>
-              <a:t>倚靠耶和華</a:t>
-            </a:r>
-            <a:endParaRPr lang="zh-TW" altLang="en-US" sz="5400" b="1" i="1" dirty="0">
-              <a:solidFill>
-                <a:srgbClr val="000066"/>
-              </a:solidFill>
-              <a:effectLst>
-                <a:outerShdw blurRad="38100" dist="38100" dir="2700000" algn="tl">
-                  <a:srgbClr val="000000">
-                    <a:alpha val="43137"/>
-                  </a:srgbClr>
-                </a:outerShdw>
-              </a:effectLst>
-              <a:latin typeface="微軟正黑體" pitchFamily="34" charset="-120"/>
-              <a:ea typeface="微軟正黑體" pitchFamily="34" charset="-120"/>
-            </a:endParaRPr>
-          </a:p>
-        </p:txBody>
-      </p:sp>
-    </p:spTree>
-    <p:extLst>
-      <p:ext uri="{BB962C8B-B14F-4D97-AF65-F5344CB8AC3E}">
-        <p14:creationId xmlns:p14="http://schemas.microsoft.com/office/powerpoint/2010/main" val="4048156359"/>
-      </p:ext>
-    </p:extLst>
-  </p:cSld>
-  <p:clrMapOvr>
-    <a:masterClrMapping/>
-  </p:clrMapOvr>
-</p:sld>
-</file>
-
-<file path=ppt/slides/slide8.xml><?xml version="1.0" encoding="utf-8"?>
-<p:sld xmlns:a="http://schemas.openxmlformats.org/drawingml/2006/main" xmlns:r="http://schemas.openxmlformats.org/officeDocument/2006/relationships" xmlns:p="http://schemas.openxmlformats.org/presentationml/2006/main">
-  <p:cSld>
-    <p:spTree>
-      <p:nvGrpSpPr>
-        <p:cNvPr id="1" name=""/>
-        <p:cNvGrpSpPr/>
-        <p:nvPr/>
-      </p:nvGrpSpPr>
-      <p:grpSpPr>
-        <a:xfrm>
-          <a:off x="0" y="0"/>
-          <a:ext cx="0" cy="0"/>
-          <a:chOff x="0" y="0"/>
-          <a:chExt cx="0" cy="0"/>
-        </a:xfrm>
-      </p:grpSpPr>
-      <p:sp>
-        <p:nvSpPr>
-          <p:cNvPr id="5" name="內容版面配置區 4"/>
-          <p:cNvSpPr>
-            <a:spLocks noGrp="1"/>
-          </p:cNvSpPr>
-          <p:nvPr>
-            <p:ph idx="1"/>
-          </p:nvPr>
-        </p:nvSpPr>
-        <p:spPr>
-          <a:xfrm>
-            <a:off x="0" y="1563639"/>
-            <a:ext cx="9144000" cy="1803647"/>
-          </a:xfrm>
-        </p:spPr>
-        <p:txBody>
-          <a:bodyPr anchor="ctr">
-            <a:normAutofit/>
-          </a:bodyPr>
-          <a:lstStyle/>
-          <a:p>
-            <a:pPr marL="0" indent="0" algn="ctr">
-              <a:buNone/>
-            </a:pPr>
-            <a:r>
-              <a:rPr lang="zh-TW" altLang="en-US" sz="4800" b="1" dirty="0">
-                <a:solidFill>
-                  <a:srgbClr val="000066"/>
-                </a:solidFill>
-                <a:latin typeface="Microsoft JhengHei" panose="020B0604030504040204" pitchFamily="34" charset="-120"/>
-                <a:ea typeface="Microsoft JhengHei" panose="020B0604030504040204" pitchFamily="34" charset="-120"/>
-              </a:rPr>
-              <a:t>回頭望我歲月匆匆</a:t>
-            </a:r>
-            <a:endParaRPr lang="en-US" altLang="zh-TW" sz="4800" b="1" dirty="0">
-              <a:solidFill>
-                <a:srgbClr val="000066"/>
-              </a:solidFill>
-              <a:latin typeface="Microsoft JhengHei" panose="020B0604030504040204" pitchFamily="34" charset="-120"/>
-              <a:ea typeface="Microsoft JhengHei" panose="020B0604030504040204" pitchFamily="34" charset="-120"/>
-            </a:endParaRPr>
-          </a:p>
-          <a:p>
-            <a:pPr marL="0" indent="0" algn="ctr">
-              <a:buNone/>
-            </a:pPr>
-            <a:r>
-              <a:rPr lang="zh-TW" altLang="en-US" sz="4800" b="1" dirty="0">
-                <a:solidFill>
-                  <a:srgbClr val="000066"/>
-                </a:solidFill>
-                <a:latin typeface="Microsoft JhengHei" panose="020B0604030504040204" pitchFamily="34" charset="-120"/>
-                <a:ea typeface="Microsoft JhengHei" panose="020B0604030504040204" pitchFamily="34" charset="-120"/>
-              </a:rPr>
-              <a:t>經過困境與浪濤</a:t>
-            </a:r>
-            <a:endParaRPr lang="en-US" altLang="zh-TW" sz="4800" b="1" dirty="0">
-              <a:solidFill>
-                <a:srgbClr val="000066"/>
-              </a:solidFill>
-              <a:latin typeface="Microsoft JhengHei" panose="020B0604030504040204" pitchFamily="34" charset="-120"/>
-              <a:ea typeface="Microsoft JhengHei" panose="020B0604030504040204" pitchFamily="34" charset="-120"/>
-            </a:endParaRPr>
-          </a:p>
-        </p:txBody>
-      </p:sp>
-    </p:spTree>
-    <p:extLst>
-      <p:ext uri="{BB962C8B-B14F-4D97-AF65-F5344CB8AC3E}">
-        <p14:creationId xmlns:p14="http://schemas.microsoft.com/office/powerpoint/2010/main" val="2356360480"/>
-      </p:ext>
-    </p:extLst>
-  </p:cSld>
-  <p:clrMapOvr>
-    <a:masterClrMapping/>
-  </p:clrMapOvr>
-</p:sld>
-</file>
-
-<file path=ppt/slides/slide9.xml><?xml version="1.0" encoding="utf-8"?>
-<p:sld xmlns:a="http://schemas.openxmlformats.org/drawingml/2006/main" xmlns:r="http://schemas.openxmlformats.org/officeDocument/2006/relationships" xmlns:p="http://schemas.openxmlformats.org/presentationml/2006/main">
-  <p:cSld>
-    <p:spTree>
-      <p:nvGrpSpPr>
-        <p:cNvPr id="1" name=""/>
-        <p:cNvGrpSpPr/>
-        <p:nvPr/>
-      </p:nvGrpSpPr>
-      <p:grpSpPr>
-        <a:xfrm>
-          <a:off x="0" y="0"/>
-          <a:ext cx="0" cy="0"/>
-          <a:chOff x="0" y="0"/>
-          <a:chExt cx="0" cy="0"/>
-        </a:xfrm>
-      </p:grpSpPr>
-      <p:sp>
-        <p:nvSpPr>
-          <p:cNvPr id="5" name="內容版面配置區 4"/>
-          <p:cNvSpPr>
-            <a:spLocks noGrp="1"/>
-          </p:cNvSpPr>
-          <p:nvPr>
-            <p:ph idx="1"/>
-          </p:nvPr>
-        </p:nvSpPr>
-        <p:spPr>
-          <a:xfrm>
-            <a:off x="0" y="1563639"/>
-            <a:ext cx="9144000" cy="1803647"/>
-          </a:xfrm>
-        </p:spPr>
-        <p:txBody>
-          <a:bodyPr anchor="ctr">
-            <a:normAutofit/>
-          </a:bodyPr>
-          <a:lstStyle/>
-          <a:p>
-            <a:pPr marL="0" indent="0" algn="ctr">
-              <a:buNone/>
-            </a:pPr>
-            <a:r>
-              <a:rPr lang="zh-TW" altLang="en-US" sz="4800" b="1" dirty="0">
-                <a:solidFill>
-                  <a:srgbClr val="000066"/>
-                </a:solidFill>
-                <a:latin typeface="Microsoft JhengHei" panose="020B0604030504040204" pitchFamily="34" charset="-120"/>
-                <a:ea typeface="Microsoft JhengHei" panose="020B0604030504040204" pitchFamily="34" charset="-120"/>
-              </a:rPr>
-              <a:t>倚靠耶和華重造新生命</a:t>
-            </a:r>
-            <a:endParaRPr lang="en-US" altLang="zh-TW" sz="4800" b="1" dirty="0">
-              <a:solidFill>
-                <a:srgbClr val="000066"/>
-              </a:solidFill>
-              <a:latin typeface="Microsoft JhengHei" panose="020B0604030504040204" pitchFamily="34" charset="-120"/>
-              <a:ea typeface="Microsoft JhengHei" panose="020B0604030504040204" pitchFamily="34" charset="-120"/>
-            </a:endParaRPr>
-          </a:p>
-          <a:p>
-            <a:pPr marL="0" indent="0" algn="ctr">
-              <a:buNone/>
-            </a:pPr>
-            <a:r>
-              <a:rPr lang="zh-TW" altLang="en-US" sz="4800" b="1" dirty="0">
-                <a:solidFill>
-                  <a:srgbClr val="000066"/>
-                </a:solidFill>
-                <a:latin typeface="Microsoft JhengHei" panose="020B0604030504040204" pitchFamily="34" charset="-120"/>
-                <a:ea typeface="Microsoft JhengHei" panose="020B0604030504040204" pitchFamily="34" charset="-120"/>
-              </a:rPr>
-              <a:t>重擔必卸開</a:t>
-            </a:r>
-            <a:endParaRPr lang="en-US" altLang="zh-TW" sz="4800" b="1" dirty="0">
-              <a:solidFill>
-                <a:srgbClr val="000066"/>
-              </a:solidFill>
-              <a:latin typeface="Microsoft JhengHei" panose="020B0604030504040204" pitchFamily="34" charset="-120"/>
-              <a:ea typeface="Microsoft JhengHei" panose="020B0604030504040204" pitchFamily="34" charset="-120"/>
-            </a:endParaRPr>
-          </a:p>
-        </p:txBody>
-      </p:sp>
-    </p:spTree>
-    <p:extLst>
-      <p:ext uri="{BB962C8B-B14F-4D97-AF65-F5344CB8AC3E}">
-        <p14:creationId xmlns:p14="http://schemas.microsoft.com/office/powerpoint/2010/main" val="3325784101"/>
-      </p:ext>
-    </p:extLst>
-  </p:cSld>
-  <p:clrMapOvr>
-    <a:masterClrMapping/>
-  </p:clrMapOvr>
+  <p:timing>
+    <p:tnLst>
+      <p:par>
+        <p:cTn id="1" dur="indefinite" restart="never" nodeType="tmRoot"/>
+      </p:par>
+    </p:tnLst>
+  </p:timing>
 </p:sld>
 </file>
 
